--- a/presentation.pptx
+++ b/presentation.pptx
@@ -704,7 +704,7 @@
           <a:bodyPr/>
           <a:lstStyle/>
           <a:p>
-            <a:fld id="{07D6E830-3857-4018-A05C-1F17EE413AEB}" type="datetimeFigureOut">
+            <a:fld id="{6EDFF47E-6E04-47AF-B188-BDA9F2D90E84}" type="datetime1">
               <a:rPr lang="en-GB" smtClean="0"/>
               <a:t>16/03/2023</a:t>
             </a:fld>
@@ -912,7 +912,7 @@
           <a:bodyPr/>
           <a:lstStyle/>
           <a:p>
-            <a:fld id="{07D6E830-3857-4018-A05C-1F17EE413AEB}" type="datetimeFigureOut">
+            <a:fld id="{31CD0E6D-1768-43D3-A134-15DC0F86A401}" type="datetime1">
               <a:rPr lang="en-GB" smtClean="0"/>
               <a:t>16/03/2023</a:t>
             </a:fld>
@@ -1168,7 +1168,7 @@
           <a:bodyPr/>
           <a:lstStyle/>
           <a:p>
-            <a:fld id="{07D6E830-3857-4018-A05C-1F17EE413AEB}" type="datetimeFigureOut">
+            <a:fld id="{A509CAB6-6580-4B73-A5C4-AEB3B275FB33}" type="datetime1">
               <a:rPr lang="en-GB" smtClean="0"/>
               <a:t>16/03/2023</a:t>
             </a:fld>
@@ -1338,7 +1338,7 @@
           <a:bodyPr/>
           <a:lstStyle/>
           <a:p>
-            <a:fld id="{07D6E830-3857-4018-A05C-1F17EE413AEB}" type="datetimeFigureOut">
+            <a:fld id="{CF975005-264A-4274-98A8-A9A108999B4F}" type="datetime1">
               <a:rPr lang="en-GB" smtClean="0"/>
               <a:t>16/03/2023</a:t>
             </a:fld>
@@ -1681,7 +1681,7 @@
           <a:bodyPr/>
           <a:lstStyle/>
           <a:p>
-            <a:fld id="{07D6E830-3857-4018-A05C-1F17EE413AEB}" type="datetimeFigureOut">
+            <a:fld id="{D9CC8A42-D7ED-44B9-8D3C-19232409ADA9}" type="datetime1">
               <a:rPr lang="en-GB" smtClean="0"/>
               <a:t>16/03/2023</a:t>
             </a:fld>
@@ -1956,7 +1956,7 @@
           <a:bodyPr/>
           <a:lstStyle/>
           <a:p>
-            <a:fld id="{07D6E830-3857-4018-A05C-1F17EE413AEB}" type="datetimeFigureOut">
+            <a:fld id="{5DD48A49-9815-4513-90CC-62F19CAA6D63}" type="datetime1">
               <a:rPr lang="en-GB" smtClean="0"/>
               <a:t>16/03/2023</a:t>
             </a:fld>
@@ -2335,7 +2335,7 @@
           <a:bodyPr/>
           <a:lstStyle/>
           <a:p>
-            <a:fld id="{07D6E830-3857-4018-A05C-1F17EE413AEB}" type="datetimeFigureOut">
+            <a:fld id="{93057C43-9045-49E8-B7A3-71E80566AD06}" type="datetime1">
               <a:rPr lang="en-GB" smtClean="0"/>
               <a:t>16/03/2023</a:t>
             </a:fld>
@@ -2453,7 +2453,7 @@
           <a:bodyPr/>
           <a:lstStyle/>
           <a:p>
-            <a:fld id="{07D6E830-3857-4018-A05C-1F17EE413AEB}" type="datetimeFigureOut">
+            <a:fld id="{54025B13-BF31-46E8-982A-2ED3FCFA48DA}" type="datetime1">
               <a:rPr lang="en-GB" smtClean="0"/>
               <a:t>16/03/2023</a:t>
             </a:fld>
@@ -2624,7 +2624,7 @@
           <a:bodyPr/>
           <a:lstStyle/>
           <a:p>
-            <a:fld id="{07D6E830-3857-4018-A05C-1F17EE413AEB}" type="datetimeFigureOut">
+            <a:fld id="{2590BB9A-9F38-4311-AFD1-18CFBC892021}" type="datetime1">
               <a:rPr lang="en-GB" smtClean="0"/>
               <a:t>16/03/2023</a:t>
             </a:fld>
@@ -2978,7 +2978,7 @@
             </a:lvl1pPr>
           </a:lstStyle>
           <a:p>
-            <a:fld id="{07D6E830-3857-4018-A05C-1F17EE413AEB}" type="datetimeFigureOut">
+            <a:fld id="{2CC61C17-5B2E-4990-ADE8-952260F13B96}" type="datetime1">
               <a:rPr lang="en-GB" smtClean="0"/>
               <a:t>16/03/2023</a:t>
             </a:fld>
@@ -3355,7 +3355,7 @@
           <a:bodyPr/>
           <a:lstStyle/>
           <a:p>
-            <a:fld id="{07D6E830-3857-4018-A05C-1F17EE413AEB}" type="datetimeFigureOut">
+            <a:fld id="{62978B63-641D-4728-8F47-4FB668375423}" type="datetime1">
               <a:rPr lang="en-GB" smtClean="0"/>
               <a:t>16/03/2023</a:t>
             </a:fld>
@@ -3642,7 +3642,7 @@
             </a:lvl1pPr>
           </a:lstStyle>
           <a:p>
-            <a:fld id="{07D6E830-3857-4018-A05C-1F17EE413AEB}" type="datetimeFigureOut">
+            <a:fld id="{3B44AA80-655D-4C03-94DB-39C85CD4544A}" type="datetime1">
               <a:rPr lang="en-GB" smtClean="0"/>
               <a:t>16/03/2023</a:t>
             </a:fld>
@@ -3783,6 +3783,7 @@
     <p:sldLayoutId id="2147483735" r:id="rId10"/>
     <p:sldLayoutId id="2147483736" r:id="rId11"/>
   </p:sldLayoutIdLst>
+  <p:hf hdr="0" ftr="0" dt="0"/>
   <p:txStyles>
     <p:titleStyle>
       <a:lvl1pPr algn="l" defTabSz="914400" rtl="0" eaLnBrk="1" latinLnBrk="0" hangingPunct="1">
@@ -4590,6 +4591,35 @@
           </a:p>
         </p:txBody>
       </p:sp>
+      <p:sp>
+        <p:nvSpPr>
+          <p:cNvPr id="4" name="Segnaposto numero diapositiva 3">
+            <a:extLst>
+              <a:ext uri="{FF2B5EF4-FFF2-40B4-BE49-F238E27FC236}">
+                <a16:creationId xmlns:a16="http://schemas.microsoft.com/office/drawing/2014/main" id="{0A6CBB8A-1C02-D0C9-4BDF-3E59C946CE13}"/>
+              </a:ext>
+            </a:extLst>
+          </p:cNvPr>
+          <p:cNvSpPr>
+            <a:spLocks noGrp="1"/>
+          </p:cNvSpPr>
+          <p:nvPr>
+            <p:ph type="sldNum" sz="quarter" idx="12"/>
+          </p:nvPr>
+        </p:nvSpPr>
+        <p:spPr/>
+        <p:txBody>
+          <a:bodyPr/>
+          <a:lstStyle/>
+          <a:p>
+            <a:fld id="{4004699A-5B17-40B7-9FB2-69AF2109F71D}" type="slidenum">
+              <a:rPr lang="en-GB" smtClean="0"/>
+              <a:t>1</a:t>
+            </a:fld>
+            <a:endParaRPr lang="en-GB"/>
+          </a:p>
+        </p:txBody>
+      </p:sp>
     </p:spTree>
     <p:extLst>
       <p:ext uri="{BB962C8B-B14F-4D97-AF65-F5344CB8AC3E}">
@@ -4783,19 +4813,10 @@
             </a:pPr>
             <a:r>
               <a:rPr lang="en-GB" dirty="0">
-                <a:latin typeface="Exo 2 Thin Condensed" panose="00000306000000000000" pitchFamily="50" charset="0"/>
-              </a:rPr>
-              <a:t> </a:t>
-            </a:r>
-            <a:r>
-              <a:rPr lang="en-GB" dirty="0">
-                <a:latin typeface="Exo 2 Condensed" panose="00000806000000000000" pitchFamily="50" charset="0"/>
-              </a:rPr>
-              <a:t>Say if a user can set a reserve as collateral or not</a:t>
-            </a:r>
-            <a:endParaRPr lang="en-GB" dirty="0">
-              <a:latin typeface="Exo 2 Thin Condensed" panose="00000306000000000000" pitchFamily="50" charset="0"/>
-            </a:endParaRPr>
+                <a:latin typeface="Exo 2 Condensed" panose="00000506000000000000" pitchFamily="50" charset="0"/>
+              </a:rPr>
+              <a:t> Say if a user can set a reserve as collateral or not (HF)</a:t>
+            </a:r>
           </a:p>
         </p:txBody>
       </p:sp>
@@ -4848,10 +4869,10 @@
       </p:pic>
       <p:sp>
         <p:nvSpPr>
-          <p:cNvPr id="4" name="CasellaDiTesto 3">
+          <p:cNvPr id="5" name="CasellaDiTesto 4">
             <a:extLst>
               <a:ext uri="{FF2B5EF4-FFF2-40B4-BE49-F238E27FC236}">
-                <a16:creationId xmlns:a16="http://schemas.microsoft.com/office/drawing/2014/main" id="{80663C6B-2734-F66C-A6F0-4208B97C26F0}"/>
+                <a16:creationId xmlns:a16="http://schemas.microsoft.com/office/drawing/2014/main" id="{3942D6EB-3653-2A4A-5FFA-F419F1791128}"/>
               </a:ext>
             </a:extLst>
           </p:cNvPr>
@@ -4860,7 +4881,7 @@
         </p:nvSpPr>
         <p:spPr>
           <a:xfrm>
-            <a:off x="3837991" y="6457354"/>
+            <a:off x="3837991" y="6466879"/>
             <a:ext cx="4516017" cy="369332"/>
           </a:xfrm>
           <a:prstGeom prst="rect">
@@ -4876,49 +4897,78 @@
           <a:p>
             <a:r>
               <a:rPr lang="it-IT" b="1" dirty="0" err="1">
-                <a:latin typeface="Exo 2 Thin Condensed" panose="00000306000000000000" pitchFamily="50" charset="0"/>
+                <a:latin typeface="Exo 2 Condensed" panose="00000506000000000000" pitchFamily="50" charset="0"/>
               </a:rPr>
               <a:t>ProtoAave</a:t>
             </a:r>
             <a:r>
               <a:rPr lang="it-IT" b="1" dirty="0">
-                <a:latin typeface="Exo 2 Thin Condensed" panose="00000306000000000000" pitchFamily="50" charset="0"/>
+                <a:latin typeface="Exo 2 Condensed" panose="00000506000000000000" pitchFamily="50" charset="0"/>
               </a:rPr>
               <a:t>: a </a:t>
             </a:r>
             <a:r>
               <a:rPr lang="it-IT" b="1" dirty="0" err="1">
-                <a:latin typeface="Exo 2 Thin Condensed" panose="00000306000000000000" pitchFamily="50" charset="0"/>
+                <a:latin typeface="Exo 2 Condensed" panose="00000506000000000000" pitchFamily="50" charset="0"/>
               </a:rPr>
               <a:t>minimal</a:t>
             </a:r>
             <a:r>
               <a:rPr lang="it-IT" b="1" dirty="0">
-                <a:latin typeface="Exo 2 Thin Condensed" panose="00000306000000000000" pitchFamily="50" charset="0"/>
+                <a:latin typeface="Exo 2 Condensed" panose="00000506000000000000" pitchFamily="50" charset="0"/>
               </a:rPr>
               <a:t> </a:t>
             </a:r>
             <a:r>
               <a:rPr lang="it-IT" b="1" dirty="0" err="1">
-                <a:latin typeface="Exo 2 Thin Condensed" panose="00000306000000000000" pitchFamily="50" charset="0"/>
+                <a:latin typeface="Exo 2 Condensed" panose="00000506000000000000" pitchFamily="50" charset="0"/>
               </a:rPr>
               <a:t>implementation</a:t>
             </a:r>
             <a:r>
               <a:rPr lang="it-IT" b="1" dirty="0">
-                <a:latin typeface="Exo 2 Thin Condensed" panose="00000306000000000000" pitchFamily="50" charset="0"/>
+                <a:latin typeface="Exo 2 Condensed" panose="00000506000000000000" pitchFamily="50" charset="0"/>
               </a:rPr>
               <a:t> of </a:t>
             </a:r>
             <a:r>
               <a:rPr lang="it-IT" b="1" dirty="0" err="1">
-                <a:latin typeface="Exo 2 Thin Condensed" panose="00000306000000000000" pitchFamily="50" charset="0"/>
+                <a:latin typeface="Exo 2 Condensed" panose="00000506000000000000" pitchFamily="50" charset="0"/>
               </a:rPr>
               <a:t>Aave</a:t>
             </a:r>
             <a:endParaRPr lang="it-IT" b="1" dirty="0">
-              <a:latin typeface="Exo 2 Thin Condensed" panose="00000306000000000000" pitchFamily="50" charset="0"/>
+              <a:latin typeface="Exo 2 Condensed" panose="00000506000000000000" pitchFamily="50" charset="0"/>
             </a:endParaRPr>
+          </a:p>
+        </p:txBody>
+      </p:sp>
+      <p:sp>
+        <p:nvSpPr>
+          <p:cNvPr id="6" name="Segnaposto numero diapositiva 5">
+            <a:extLst>
+              <a:ext uri="{FF2B5EF4-FFF2-40B4-BE49-F238E27FC236}">
+                <a16:creationId xmlns:a16="http://schemas.microsoft.com/office/drawing/2014/main" id="{45001D67-7400-8664-4432-9A9E05C590CB}"/>
+              </a:ext>
+            </a:extLst>
+          </p:cNvPr>
+          <p:cNvSpPr>
+            <a:spLocks noGrp="1"/>
+          </p:cNvSpPr>
+          <p:nvPr>
+            <p:ph type="sldNum" sz="quarter" idx="12"/>
+          </p:nvPr>
+        </p:nvSpPr>
+        <p:spPr/>
+        <p:txBody>
+          <a:bodyPr/>
+          <a:lstStyle/>
+          <a:p>
+            <a:fld id="{4004699A-5B17-40B7-9FB2-69AF2109F71D}" type="slidenum">
+              <a:rPr lang="en-GB" smtClean="0"/>
+              <a:t>10</a:t>
+            </a:fld>
+            <a:endParaRPr lang="en-GB"/>
           </a:p>
         </p:txBody>
       </p:sp>
@@ -5016,7 +5066,7 @@
             <p:ph idx="1"/>
             <p:extLst>
               <p:ext uri="{D42A27DB-BD31-4B8C-83A1-F6EECF244321}">
-                <p14:modId xmlns:p14="http://schemas.microsoft.com/office/powerpoint/2010/main" val="4114400250"/>
+                <p14:modId xmlns:p14="http://schemas.microsoft.com/office/powerpoint/2010/main" val="2138655369"/>
               </p:ext>
             </p:extLst>
           </p:nvPr>
@@ -5074,13 +5124,13 @@
                     <a:p>
                       <a:pPr algn="ctr"/>
                       <a:r>
-                        <a:rPr lang="en-GB" dirty="0" err="1">
-                          <a:latin typeface="Exo 2 Thin Condensed" panose="00000306000000000000" pitchFamily="50" charset="0"/>
+                        <a:rPr lang="en-GB" b="1" dirty="0" err="1">
+                          <a:latin typeface="Exo 2 Condensed" panose="00000506000000000000" pitchFamily="50" charset="0"/>
                         </a:rPr>
                         <a:t>Aave</a:t>
                       </a:r>
-                      <a:endParaRPr lang="en-GB" dirty="0">
-                        <a:latin typeface="Exo 2 Thin Condensed" panose="00000306000000000000" pitchFamily="50" charset="0"/>
+                      <a:endParaRPr lang="en-GB" b="1" dirty="0">
+                        <a:latin typeface="Exo 2 Condensed" panose="00000506000000000000" pitchFamily="50" charset="0"/>
                       </a:endParaRPr>
                     </a:p>
                   </a:txBody>
@@ -5093,13 +5143,13 @@
                     <a:p>
                       <a:pPr algn="ctr"/>
                       <a:r>
-                        <a:rPr lang="en-GB" dirty="0" err="1">
-                          <a:latin typeface="Exo 2 Thin Condensed" panose="00000306000000000000" pitchFamily="50" charset="0"/>
+                        <a:rPr lang="en-GB" b="1" dirty="0" err="1">
+                          <a:latin typeface="Exo 2 Condensed" panose="00000506000000000000" pitchFamily="50" charset="0"/>
                         </a:rPr>
                         <a:t>ProtoAave</a:t>
                       </a:r>
-                      <a:endParaRPr lang="en-GB" dirty="0">
-                        <a:latin typeface="Exo 2 Thin Condensed" panose="00000306000000000000" pitchFamily="50" charset="0"/>
+                      <a:endParaRPr lang="en-GB" b="1" dirty="0">
+                        <a:latin typeface="Exo 2 Condensed" panose="00000506000000000000" pitchFamily="50" charset="0"/>
                       </a:endParaRPr>
                     </a:p>
                   </a:txBody>
@@ -5118,7 +5168,7 @@
                     <a:lstStyle/>
                     <a:p>
                       <a:r>
-                        <a:rPr lang="en-GB" dirty="0">
+                        <a:rPr lang="en-GB" b="1" dirty="0">
                           <a:latin typeface="Exo 2 Condensed" panose="00000806000000000000" pitchFamily="50" charset="0"/>
                         </a:rPr>
                         <a:t>ERC20 tokens</a:t>
@@ -5134,7 +5184,7 @@
                     <a:p>
                       <a:pPr algn="ctr"/>
                       <a:endParaRPr lang="en-GB" dirty="0">
-                        <a:latin typeface="Exo 2 Thin Condensed" panose="00000306000000000000" pitchFamily="50" charset="0"/>
+                        <a:latin typeface="Exo 2 Condensed" panose="00000506000000000000" pitchFamily="50" charset="0"/>
                       </a:endParaRPr>
                     </a:p>
                   </a:txBody>
@@ -5147,7 +5197,7 @@
                     <a:p>
                       <a:pPr algn="ctr"/>
                       <a:endParaRPr lang="en-GB" dirty="0">
-                        <a:latin typeface="Exo 2 Thin Condensed" panose="00000306000000000000" pitchFamily="50" charset="0"/>
+                        <a:latin typeface="Exo 2 Condensed" panose="00000506000000000000" pitchFamily="50" charset="0"/>
                       </a:endParaRPr>
                     </a:p>
                   </a:txBody>
@@ -5166,7 +5216,7 @@
                     <a:lstStyle/>
                     <a:p>
                       <a:r>
-                        <a:rPr lang="en-GB" dirty="0">
+                        <a:rPr lang="en-GB" b="1" dirty="0">
                           <a:latin typeface="Exo 2 Condensed" panose="00000806000000000000" pitchFamily="50" charset="0"/>
                         </a:rPr>
                         <a:t>Deposit and borrow Ethers</a:t>
@@ -5182,7 +5232,7 @@
                     <a:p>
                       <a:pPr algn="ctr"/>
                       <a:endParaRPr lang="en-GB" dirty="0">
-                        <a:latin typeface="Exo 2 Thin Condensed" panose="00000306000000000000" pitchFamily="50" charset="0"/>
+                        <a:latin typeface="Exo 2 Condensed" panose="00000506000000000000" pitchFamily="50" charset="0"/>
                       </a:endParaRPr>
                     </a:p>
                   </a:txBody>
@@ -5195,7 +5245,7 @@
                     <a:p>
                       <a:pPr algn="ctr"/>
                       <a:endParaRPr lang="en-GB" dirty="0">
-                        <a:latin typeface="Exo 2 Thin Condensed" panose="00000306000000000000" pitchFamily="50" charset="0"/>
+                        <a:latin typeface="Exo 2 Condensed" panose="00000506000000000000" pitchFamily="50" charset="0"/>
                       </a:endParaRPr>
                     </a:p>
                   </a:txBody>
@@ -5214,7 +5264,7 @@
                     <a:lstStyle/>
                     <a:p>
                       <a:r>
-                        <a:rPr lang="en-GB" dirty="0">
+                        <a:rPr lang="en-GB" b="1" dirty="0">
                           <a:latin typeface="Exo 2 Condensed" panose="00000806000000000000" pitchFamily="50" charset="0"/>
                         </a:rPr>
                         <a:t>Interest rates</a:t>
@@ -5231,7 +5281,7 @@
                       <a:pPr algn="ctr"/>
                       <a:r>
                         <a:rPr lang="en-GB" dirty="0">
-                          <a:latin typeface="Exo 2 Thin Condensed" panose="00000306000000000000" pitchFamily="50" charset="0"/>
+                          <a:latin typeface="Exo 2 Condensed" panose="00000506000000000000" pitchFamily="50" charset="0"/>
                         </a:rPr>
                         <a:t>Variable or stable</a:t>
                       </a:r>
@@ -5247,7 +5297,7 @@
                       <a:pPr algn="ctr"/>
                       <a:r>
                         <a:rPr lang="en-GB" dirty="0">
-                          <a:latin typeface="Exo 2 Thin Condensed" panose="00000306000000000000" pitchFamily="50" charset="0"/>
+                          <a:latin typeface="Exo 2 Condensed" panose="00000506000000000000" pitchFamily="50" charset="0"/>
                         </a:rPr>
                         <a:t>Only variable</a:t>
                       </a:r>
@@ -5268,13 +5318,13 @@
                     <a:lstStyle/>
                     <a:p>
                       <a:r>
-                        <a:rPr lang="en-GB" dirty="0" err="1">
+                        <a:rPr lang="en-GB" b="1" dirty="0" err="1">
                           <a:latin typeface="Exo 2 Condensed" panose="00000806000000000000" pitchFamily="50" charset="0"/>
                         </a:rPr>
                         <a:t>aTokens</a:t>
                       </a:r>
                       <a:r>
-                        <a:rPr lang="en-GB" dirty="0">
+                        <a:rPr lang="en-GB" b="1" dirty="0">
                           <a:latin typeface="Exo 2 Condensed" panose="00000806000000000000" pitchFamily="50" charset="0"/>
                         </a:rPr>
                         <a:t> (minted) implementation</a:t>
@@ -5291,7 +5341,7 @@
                       <a:pPr algn="ctr"/>
                       <a:r>
                         <a:rPr lang="en-GB" dirty="0">
-                          <a:latin typeface="Exo 2 Thin Condensed" panose="00000306000000000000" pitchFamily="50" charset="0"/>
+                          <a:latin typeface="Exo 2 Condensed" panose="00000506000000000000" pitchFamily="50" charset="0"/>
                         </a:rPr>
                         <a:t>ERC20 contract</a:t>
                       </a:r>
@@ -5307,7 +5357,7 @@
                       <a:pPr algn="ctr"/>
                       <a:r>
                         <a:rPr lang="en-GB" dirty="0">
-                          <a:latin typeface="Exo 2 Thin Condensed" panose="00000306000000000000" pitchFamily="50" charset="0"/>
+                          <a:latin typeface="Exo 2 Condensed" panose="00000506000000000000" pitchFamily="50" charset="0"/>
                         </a:rPr>
                         <a:t>In a Solidity mapping</a:t>
                       </a:r>
@@ -5805,7 +5855,7 @@
             </a:pPr>
             <a:r>
               <a:rPr lang="en-GB" dirty="0">
-                <a:latin typeface="Exo 2 Thin Condensed" panose="00000306000000000000" pitchFamily="50" charset="0"/>
+                <a:latin typeface="Exo 2 Condensed" panose="00000506000000000000" pitchFamily="50" charset="0"/>
               </a:rPr>
               <a:t> In </a:t>
             </a:r>
@@ -5819,23 +5869,17 @@
               <a:rPr lang="en-GB" dirty="0">
                 <a:latin typeface="Exo 2 Condensed" panose="00000506000000000000" pitchFamily="50" charset="0"/>
               </a:rPr>
-              <a:t>, </a:t>
+              <a:t>, a reserve can be activated or deactivates, </a:t>
+            </a:r>
+            <a:r>
+              <a:rPr lang="en-GB" dirty="0" err="1">
+                <a:latin typeface="Exo 2 Condensed" panose="00000506000000000000" pitchFamily="50" charset="0"/>
+              </a:rPr>
+              <a:t>freezed</a:t>
             </a:r>
             <a:r>
               <a:rPr lang="en-GB" dirty="0">
-                <a:latin typeface="Exo 2 Thin Condensed" panose="00000306000000000000" pitchFamily="50" charset="0"/>
-              </a:rPr>
-              <a:t>a reserve can be activated or deactivates, </a:t>
-            </a:r>
-            <a:r>
-              <a:rPr lang="en-GB" dirty="0" err="1">
-                <a:latin typeface="Exo 2 Thin Condensed" panose="00000306000000000000" pitchFamily="50" charset="0"/>
-              </a:rPr>
-              <a:t>freezed</a:t>
-            </a:r>
-            <a:r>
-              <a:rPr lang="en-GB" dirty="0">
-                <a:latin typeface="Exo 2 Thin Condensed" panose="00000306000000000000" pitchFamily="50" charset="0"/>
+                <a:latin typeface="Exo 2 Condensed" panose="00000506000000000000" pitchFamily="50" charset="0"/>
               </a:rPr>
               <a:t> or not, enabled or not for borrows or collateral</a:t>
             </a:r>
@@ -5849,31 +5893,19 @@
               <a:rPr lang="en-GB" dirty="0">
                 <a:latin typeface="Exo 2 Condensed" panose="00000506000000000000" pitchFamily="50" charset="0"/>
               </a:rPr>
-              <a:t> </a:t>
+              <a:t> In </a:t>
+            </a:r>
+            <a:r>
+              <a:rPr lang="en-GB" dirty="0" err="1">
+                <a:latin typeface="Exo 2 Condensed" panose="00000506000000000000" pitchFamily="50" charset="0"/>
+              </a:rPr>
+              <a:t>ProtoAave</a:t>
             </a:r>
             <a:r>
               <a:rPr lang="en-GB" dirty="0">
-                <a:latin typeface="Exo 2 Thin Condensed" panose="00000306000000000000" pitchFamily="50" charset="0"/>
-              </a:rPr>
-              <a:t>In </a:t>
-            </a:r>
-            <a:r>
-              <a:rPr lang="en-GB" dirty="0" err="1">
-                <a:latin typeface="Exo 2 Condensed" panose="00000506000000000000" pitchFamily="50" charset="0"/>
-              </a:rPr>
-              <a:t>ProtoAave</a:t>
-            </a:r>
-            <a:r>
-              <a:rPr lang="en-GB" dirty="0">
-                <a:latin typeface="Exo 2 Condensed" panose="00000506000000000000" pitchFamily="50" charset="0"/>
-              </a:rPr>
-              <a:t>, </a:t>
-            </a:r>
-            <a:r>
-              <a:rPr lang="en-GB" dirty="0">
-                <a:latin typeface="Exo 2 Thin Condensed" panose="00000306000000000000" pitchFamily="50" charset="0"/>
-              </a:rPr>
-              <a:t>once the reserve is added, it is ready for all operations</a:t>
+                <a:latin typeface="Exo 2 Condensed" panose="00000506000000000000" pitchFamily="50" charset="0"/>
+              </a:rPr>
+              <a:t>, once the reserve is added, it is ready for all operations</a:t>
             </a:r>
           </a:p>
           <a:p>
@@ -5882,7 +5914,7 @@
               <a:buChar char="Ø"/>
             </a:pPr>
             <a:endParaRPr lang="en-GB" dirty="0">
-              <a:latin typeface="Exo 2 Thin Condensed" panose="00000306000000000000" pitchFamily="50" charset="0"/>
+              <a:latin typeface="Exo 2 Condensed" panose="00000506000000000000" pitchFamily="50" charset="0"/>
             </a:endParaRPr>
           </a:p>
           <a:p>
@@ -5892,7 +5924,7 @@
             </a:pPr>
             <a:r>
               <a:rPr lang="en-GB" dirty="0">
-                <a:latin typeface="Exo 2 Thin Condensed" panose="00000306000000000000" pitchFamily="50" charset="0"/>
+                <a:latin typeface="Exo 2 Condensed" panose="00000506000000000000" pitchFamily="50" charset="0"/>
               </a:rPr>
               <a:t> Other differences: data structures holding users data and reserves data</a:t>
             </a:r>
@@ -5901,10 +5933,10 @@
       </p:sp>
       <p:sp>
         <p:nvSpPr>
-          <p:cNvPr id="3" name="CasellaDiTesto 2">
+          <p:cNvPr id="4" name="CasellaDiTesto 3">
             <a:extLst>
               <a:ext uri="{FF2B5EF4-FFF2-40B4-BE49-F238E27FC236}">
-                <a16:creationId xmlns:a16="http://schemas.microsoft.com/office/drawing/2014/main" id="{903220B2-A29C-8D43-91D7-15B5605096B2}"/>
+                <a16:creationId xmlns:a16="http://schemas.microsoft.com/office/drawing/2014/main" id="{798574ED-D795-5E18-C8A3-47A027B09281}"/>
               </a:ext>
             </a:extLst>
           </p:cNvPr>
@@ -5913,7 +5945,7 @@
         </p:nvSpPr>
         <p:spPr>
           <a:xfrm>
-            <a:off x="3837991" y="6457354"/>
+            <a:off x="3837991" y="6466879"/>
             <a:ext cx="4516017" cy="369332"/>
           </a:xfrm>
           <a:prstGeom prst="rect">
@@ -5929,49 +5961,78 @@
           <a:p>
             <a:r>
               <a:rPr lang="it-IT" b="1" dirty="0" err="1">
-                <a:latin typeface="Exo 2 Thin Condensed" panose="00000306000000000000" pitchFamily="50" charset="0"/>
+                <a:latin typeface="Exo 2 Condensed" panose="00000506000000000000" pitchFamily="50" charset="0"/>
               </a:rPr>
               <a:t>ProtoAave</a:t>
             </a:r>
             <a:r>
               <a:rPr lang="it-IT" b="1" dirty="0">
-                <a:latin typeface="Exo 2 Thin Condensed" panose="00000306000000000000" pitchFamily="50" charset="0"/>
+                <a:latin typeface="Exo 2 Condensed" panose="00000506000000000000" pitchFamily="50" charset="0"/>
               </a:rPr>
               <a:t>: a </a:t>
             </a:r>
             <a:r>
               <a:rPr lang="it-IT" b="1" dirty="0" err="1">
-                <a:latin typeface="Exo 2 Thin Condensed" panose="00000306000000000000" pitchFamily="50" charset="0"/>
+                <a:latin typeface="Exo 2 Condensed" panose="00000506000000000000" pitchFamily="50" charset="0"/>
               </a:rPr>
               <a:t>minimal</a:t>
             </a:r>
             <a:r>
               <a:rPr lang="it-IT" b="1" dirty="0">
-                <a:latin typeface="Exo 2 Thin Condensed" panose="00000306000000000000" pitchFamily="50" charset="0"/>
+                <a:latin typeface="Exo 2 Condensed" panose="00000506000000000000" pitchFamily="50" charset="0"/>
               </a:rPr>
               <a:t> </a:t>
             </a:r>
             <a:r>
               <a:rPr lang="it-IT" b="1" dirty="0" err="1">
-                <a:latin typeface="Exo 2 Thin Condensed" panose="00000306000000000000" pitchFamily="50" charset="0"/>
+                <a:latin typeface="Exo 2 Condensed" panose="00000506000000000000" pitchFamily="50" charset="0"/>
               </a:rPr>
               <a:t>implementation</a:t>
             </a:r>
             <a:r>
               <a:rPr lang="it-IT" b="1" dirty="0">
-                <a:latin typeface="Exo 2 Thin Condensed" panose="00000306000000000000" pitchFamily="50" charset="0"/>
+                <a:latin typeface="Exo 2 Condensed" panose="00000506000000000000" pitchFamily="50" charset="0"/>
               </a:rPr>
               <a:t> of </a:t>
             </a:r>
             <a:r>
               <a:rPr lang="it-IT" b="1" dirty="0" err="1">
-                <a:latin typeface="Exo 2 Thin Condensed" panose="00000306000000000000" pitchFamily="50" charset="0"/>
+                <a:latin typeface="Exo 2 Condensed" panose="00000506000000000000" pitchFamily="50" charset="0"/>
               </a:rPr>
               <a:t>Aave</a:t>
             </a:r>
             <a:endParaRPr lang="it-IT" b="1" dirty="0">
-              <a:latin typeface="Exo 2 Thin Condensed" panose="00000306000000000000" pitchFamily="50" charset="0"/>
+              <a:latin typeface="Exo 2 Condensed" panose="00000506000000000000" pitchFamily="50" charset="0"/>
             </a:endParaRPr>
+          </a:p>
+        </p:txBody>
+      </p:sp>
+      <p:sp>
+        <p:nvSpPr>
+          <p:cNvPr id="5" name="Segnaposto numero diapositiva 4">
+            <a:extLst>
+              <a:ext uri="{FF2B5EF4-FFF2-40B4-BE49-F238E27FC236}">
+                <a16:creationId xmlns:a16="http://schemas.microsoft.com/office/drawing/2014/main" id="{49409A42-718B-3A22-4EE7-1541CD4BE74D}"/>
+              </a:ext>
+            </a:extLst>
+          </p:cNvPr>
+          <p:cNvSpPr>
+            <a:spLocks noGrp="1"/>
+          </p:cNvSpPr>
+          <p:nvPr>
+            <p:ph type="sldNum" sz="quarter" idx="12"/>
+          </p:nvPr>
+        </p:nvSpPr>
+        <p:spPr/>
+        <p:txBody>
+          <a:bodyPr/>
+          <a:lstStyle/>
+          <a:p>
+            <a:fld id="{4004699A-5B17-40B7-9FB2-69AF2109F71D}" type="slidenum">
+              <a:rPr lang="en-GB" smtClean="0"/>
+              <a:t>11</a:t>
+            </a:fld>
+            <a:endParaRPr lang="en-GB"/>
           </a:p>
         </p:txBody>
       </p:sp>
@@ -6148,10 +6209,10 @@
       </p:sp>
       <p:sp>
         <p:nvSpPr>
-          <p:cNvPr id="4" name="CasellaDiTesto 3">
+          <p:cNvPr id="5" name="CasellaDiTesto 4">
             <a:extLst>
               <a:ext uri="{FF2B5EF4-FFF2-40B4-BE49-F238E27FC236}">
-                <a16:creationId xmlns:a16="http://schemas.microsoft.com/office/drawing/2014/main" id="{B2172DBF-E14F-A5FC-1971-664C42D428F6}"/>
+                <a16:creationId xmlns:a16="http://schemas.microsoft.com/office/drawing/2014/main" id="{94C44F8D-F10C-3C0A-E93C-91722746EB8F}"/>
               </a:ext>
             </a:extLst>
           </p:cNvPr>
@@ -6160,7 +6221,7 @@
         </p:nvSpPr>
         <p:spPr>
           <a:xfrm>
-            <a:off x="3837991" y="6457354"/>
+            <a:off x="3837991" y="6466879"/>
             <a:ext cx="4516017" cy="369332"/>
           </a:xfrm>
           <a:prstGeom prst="rect">
@@ -6176,49 +6237,78 @@
           <a:p>
             <a:r>
               <a:rPr lang="it-IT" b="1" dirty="0" err="1">
-                <a:latin typeface="Exo 2 Thin Condensed" panose="00000306000000000000" pitchFamily="50" charset="0"/>
+                <a:latin typeface="Exo 2 Condensed" panose="00000506000000000000" pitchFamily="50" charset="0"/>
               </a:rPr>
               <a:t>ProtoAave</a:t>
             </a:r>
             <a:r>
               <a:rPr lang="it-IT" b="1" dirty="0">
-                <a:latin typeface="Exo 2 Thin Condensed" panose="00000306000000000000" pitchFamily="50" charset="0"/>
+                <a:latin typeface="Exo 2 Condensed" panose="00000506000000000000" pitchFamily="50" charset="0"/>
               </a:rPr>
               <a:t>: a </a:t>
             </a:r>
             <a:r>
               <a:rPr lang="it-IT" b="1" dirty="0" err="1">
-                <a:latin typeface="Exo 2 Thin Condensed" panose="00000306000000000000" pitchFamily="50" charset="0"/>
+                <a:latin typeface="Exo 2 Condensed" panose="00000506000000000000" pitchFamily="50" charset="0"/>
               </a:rPr>
               <a:t>minimal</a:t>
             </a:r>
             <a:r>
               <a:rPr lang="it-IT" b="1" dirty="0">
-                <a:latin typeface="Exo 2 Thin Condensed" panose="00000306000000000000" pitchFamily="50" charset="0"/>
+                <a:latin typeface="Exo 2 Condensed" panose="00000506000000000000" pitchFamily="50" charset="0"/>
               </a:rPr>
               <a:t> </a:t>
             </a:r>
             <a:r>
               <a:rPr lang="it-IT" b="1" dirty="0" err="1">
-                <a:latin typeface="Exo 2 Thin Condensed" panose="00000306000000000000" pitchFamily="50" charset="0"/>
+                <a:latin typeface="Exo 2 Condensed" panose="00000506000000000000" pitchFamily="50" charset="0"/>
               </a:rPr>
               <a:t>implementation</a:t>
             </a:r>
             <a:r>
               <a:rPr lang="it-IT" b="1" dirty="0">
-                <a:latin typeface="Exo 2 Thin Condensed" panose="00000306000000000000" pitchFamily="50" charset="0"/>
+                <a:latin typeface="Exo 2 Condensed" panose="00000506000000000000" pitchFamily="50" charset="0"/>
               </a:rPr>
               <a:t> of </a:t>
             </a:r>
             <a:r>
               <a:rPr lang="it-IT" b="1" dirty="0" err="1">
-                <a:latin typeface="Exo 2 Thin Condensed" panose="00000306000000000000" pitchFamily="50" charset="0"/>
+                <a:latin typeface="Exo 2 Condensed" panose="00000506000000000000" pitchFamily="50" charset="0"/>
               </a:rPr>
               <a:t>Aave</a:t>
             </a:r>
             <a:endParaRPr lang="it-IT" b="1" dirty="0">
-              <a:latin typeface="Exo 2 Thin Condensed" panose="00000306000000000000" pitchFamily="50" charset="0"/>
+              <a:latin typeface="Exo 2 Condensed" panose="00000506000000000000" pitchFamily="50" charset="0"/>
             </a:endParaRPr>
+          </a:p>
+        </p:txBody>
+      </p:sp>
+      <p:sp>
+        <p:nvSpPr>
+          <p:cNvPr id="6" name="Segnaposto numero diapositiva 5">
+            <a:extLst>
+              <a:ext uri="{FF2B5EF4-FFF2-40B4-BE49-F238E27FC236}">
+                <a16:creationId xmlns:a16="http://schemas.microsoft.com/office/drawing/2014/main" id="{16CA169D-91C9-D59C-CED5-2D76E3C397BC}"/>
+              </a:ext>
+            </a:extLst>
+          </p:cNvPr>
+          <p:cNvSpPr>
+            <a:spLocks noGrp="1"/>
+          </p:cNvSpPr>
+          <p:nvPr>
+            <p:ph type="sldNum" sz="quarter" idx="12"/>
+          </p:nvPr>
+        </p:nvSpPr>
+        <p:spPr/>
+        <p:txBody>
+          <a:bodyPr/>
+          <a:lstStyle/>
+          <a:p>
+            <a:fld id="{4004699A-5B17-40B7-9FB2-69AF2109F71D}" type="slidenum">
+              <a:rPr lang="en-GB" smtClean="0"/>
+              <a:t>12</a:t>
+            </a:fld>
+            <a:endParaRPr lang="en-GB"/>
           </a:p>
         </p:txBody>
       </p:sp>
@@ -6332,7 +6422,13 @@
               <a:rPr lang="en-GB" dirty="0">
                 <a:latin typeface="Exo 2 Condensed" panose="00000506000000000000" pitchFamily="50" charset="0"/>
               </a:rPr>
-              <a:t> Upload all contracts in ./contracts</a:t>
+              <a:t> Upload all contracts in </a:t>
+            </a:r>
+            <a:r>
+              <a:rPr lang="en-GB" dirty="0">
+                <a:latin typeface="Consolas" panose="020B0609020204030204" pitchFamily="49" charset="0"/>
+              </a:rPr>
+              <a:t>./contracts</a:t>
             </a:r>
           </a:p>
           <a:p>
@@ -6357,15 +6453,21 @@
             </a:r>
             <a:r>
               <a:rPr lang="en-GB" dirty="0" err="1">
-                <a:latin typeface="Exo 2 Condensed" panose="00000506000000000000" pitchFamily="50" charset="0"/>
+                <a:latin typeface="Consolas" panose="020B0609020204030204" pitchFamily="49" charset="0"/>
               </a:rPr>
               <a:t>npm</a:t>
             </a:r>
             <a:r>
               <a:rPr lang="en-GB" dirty="0">
-                <a:latin typeface="Exo 2 Condensed" panose="00000506000000000000" pitchFamily="50" charset="0"/>
-              </a:rPr>
-              <a:t> run build”</a:t>
+                <a:latin typeface="Consolas" panose="020B0609020204030204" pitchFamily="49" charset="0"/>
+              </a:rPr>
+              <a:t> run build</a:t>
+            </a:r>
+            <a:r>
+              <a:rPr lang="en-GB" dirty="0">
+                <a:latin typeface="Exo 2 Condensed" panose="00000506000000000000" pitchFamily="50" charset="0"/>
+              </a:rPr>
+              <a:t>”</a:t>
             </a:r>
           </a:p>
           <a:p>
@@ -6377,19 +6479,43 @@
               <a:rPr lang="en-GB" dirty="0">
                 <a:latin typeface="Exo 2 Condensed" panose="00000506000000000000" pitchFamily="50" charset="0"/>
               </a:rPr>
-              <a:t>(ABIs are .</a:t>
+              <a:t>(ABIs are </a:t>
+            </a:r>
+            <a:r>
+              <a:rPr lang="en-GB" dirty="0">
+                <a:latin typeface="Consolas" panose="020B0609020204030204" pitchFamily="49" charset="0"/>
+              </a:rPr>
+              <a:t>.</a:t>
             </a:r>
             <a:r>
               <a:rPr lang="en-GB" dirty="0" err="1">
-                <a:latin typeface="Exo 2 Condensed" panose="00000506000000000000" pitchFamily="50" charset="0"/>
+                <a:latin typeface="Consolas" panose="020B0609020204030204" pitchFamily="49" charset="0"/>
               </a:rPr>
               <a:t>json</a:t>
             </a:r>
             <a:r>
               <a:rPr lang="en-GB" dirty="0">
-                <a:latin typeface="Exo 2 Condensed" panose="00000506000000000000" pitchFamily="50" charset="0"/>
-              </a:rPr>
-              <a:t> files in ./build)</a:t>
+                <a:latin typeface="Consolas" panose="020B0609020204030204" pitchFamily="49" charset="0"/>
+              </a:rPr>
+              <a:t> </a:t>
+            </a:r>
+            <a:r>
+              <a:rPr lang="en-GB" dirty="0">
+                <a:latin typeface="Exo 2 Condensed" panose="00000506000000000000" pitchFamily="50" charset="0"/>
+              </a:rPr>
+              <a:t>files in </a:t>
+            </a:r>
+            <a:r>
+              <a:rPr lang="en-GB" dirty="0">
+                <a:latin typeface="Consolas" panose="020B0609020204030204" pitchFamily="49" charset="0"/>
+              </a:rPr>
+              <a:t>./build</a:t>
+            </a:r>
+            <a:r>
+              <a:rPr lang="en-GB" dirty="0">
+                <a:latin typeface="Exo 2 Condensed" panose="00000506000000000000" pitchFamily="50" charset="0"/>
+              </a:rPr>
+              <a:t>)</a:t>
             </a:r>
           </a:p>
           <a:p>
@@ -6410,19 +6536,31 @@
               <a:rPr lang="en-GB" dirty="0">
                 <a:latin typeface="Exo 2 Condensed" panose="00000506000000000000" pitchFamily="50" charset="0"/>
               </a:rPr>
-              <a:t> Write tests in .</a:t>
+              <a:t> Write tests in </a:t>
+            </a:r>
+            <a:r>
+              <a:rPr lang="en-GB" dirty="0">
+                <a:latin typeface="Consolas" panose="020B0609020204030204" pitchFamily="49" charset="0"/>
+              </a:rPr>
+              <a:t>.</a:t>
             </a:r>
             <a:r>
               <a:rPr lang="en-GB" dirty="0" err="1">
-                <a:latin typeface="Exo 2 Condensed" panose="00000506000000000000" pitchFamily="50" charset="0"/>
+                <a:latin typeface="Consolas" panose="020B0609020204030204" pitchFamily="49" charset="0"/>
               </a:rPr>
               <a:t>ts</a:t>
             </a:r>
             <a:r>
               <a:rPr lang="en-GB" dirty="0">
-                <a:latin typeface="Exo 2 Condensed" panose="00000506000000000000" pitchFamily="50" charset="0"/>
-              </a:rPr>
-              <a:t> files</a:t>
+                <a:latin typeface="Consolas" panose="020B0609020204030204" pitchFamily="49" charset="0"/>
+              </a:rPr>
+              <a:t> </a:t>
+            </a:r>
+            <a:r>
+              <a:rPr lang="en-GB" dirty="0">
+                <a:latin typeface="Exo 2 Condensed" panose="00000506000000000000" pitchFamily="50" charset="0"/>
+              </a:rPr>
+              <a:t>files</a:t>
             </a:r>
           </a:p>
           <a:p>
@@ -6447,15 +6585,21 @@
             </a:r>
             <a:r>
               <a:rPr lang="en-GB" dirty="0" err="1">
-                <a:latin typeface="Exo 2 Condensed" panose="00000506000000000000" pitchFamily="50" charset="0"/>
+                <a:latin typeface="Consolas" panose="020B0609020204030204" pitchFamily="49" charset="0"/>
               </a:rPr>
               <a:t>npm</a:t>
             </a:r>
             <a:r>
               <a:rPr lang="en-GB" dirty="0">
-                <a:latin typeface="Exo 2 Condensed" panose="00000506000000000000" pitchFamily="50" charset="0"/>
-              </a:rPr>
-              <a:t> test”</a:t>
+                <a:latin typeface="Consolas" panose="020B0609020204030204" pitchFamily="49" charset="0"/>
+              </a:rPr>
+              <a:t> test</a:t>
+            </a:r>
+            <a:r>
+              <a:rPr lang="en-GB" dirty="0">
+                <a:latin typeface="Exo 2 Condensed" panose="00000506000000000000" pitchFamily="50" charset="0"/>
+              </a:rPr>
+              <a:t>”</a:t>
             </a:r>
           </a:p>
           <a:p>
@@ -6471,10 +6615,10 @@
       </p:sp>
       <p:sp>
         <p:nvSpPr>
-          <p:cNvPr id="4" name="CasellaDiTesto 3">
+          <p:cNvPr id="5" name="CasellaDiTesto 4">
             <a:extLst>
               <a:ext uri="{FF2B5EF4-FFF2-40B4-BE49-F238E27FC236}">
-                <a16:creationId xmlns:a16="http://schemas.microsoft.com/office/drawing/2014/main" id="{D53F9B7C-09F6-F36D-8666-D17A70A9C7E3}"/>
+                <a16:creationId xmlns:a16="http://schemas.microsoft.com/office/drawing/2014/main" id="{C2945CE2-EB42-D680-F4D8-675D4865FFB3}"/>
               </a:ext>
             </a:extLst>
           </p:cNvPr>
@@ -6483,7 +6627,7 @@
         </p:nvSpPr>
         <p:spPr>
           <a:xfrm>
-            <a:off x="3837991" y="6457354"/>
+            <a:off x="3837991" y="6466879"/>
             <a:ext cx="4516017" cy="369332"/>
           </a:xfrm>
           <a:prstGeom prst="rect">
@@ -6499,49 +6643,78 @@
           <a:p>
             <a:r>
               <a:rPr lang="it-IT" b="1" dirty="0" err="1">
-                <a:latin typeface="Exo 2 Thin Condensed" panose="00000306000000000000" pitchFamily="50" charset="0"/>
+                <a:latin typeface="Exo 2 Condensed" panose="00000506000000000000" pitchFamily="50" charset="0"/>
               </a:rPr>
               <a:t>ProtoAave</a:t>
             </a:r>
             <a:r>
               <a:rPr lang="it-IT" b="1" dirty="0">
-                <a:latin typeface="Exo 2 Thin Condensed" panose="00000306000000000000" pitchFamily="50" charset="0"/>
+                <a:latin typeface="Exo 2 Condensed" panose="00000506000000000000" pitchFamily="50" charset="0"/>
               </a:rPr>
               <a:t>: a </a:t>
             </a:r>
             <a:r>
               <a:rPr lang="it-IT" b="1" dirty="0" err="1">
-                <a:latin typeface="Exo 2 Thin Condensed" panose="00000306000000000000" pitchFamily="50" charset="0"/>
+                <a:latin typeface="Exo 2 Condensed" panose="00000506000000000000" pitchFamily="50" charset="0"/>
               </a:rPr>
               <a:t>minimal</a:t>
             </a:r>
             <a:r>
               <a:rPr lang="it-IT" b="1" dirty="0">
-                <a:latin typeface="Exo 2 Thin Condensed" panose="00000306000000000000" pitchFamily="50" charset="0"/>
+                <a:latin typeface="Exo 2 Condensed" panose="00000506000000000000" pitchFamily="50" charset="0"/>
               </a:rPr>
               <a:t> </a:t>
             </a:r>
             <a:r>
               <a:rPr lang="it-IT" b="1" dirty="0" err="1">
-                <a:latin typeface="Exo 2 Thin Condensed" panose="00000306000000000000" pitchFamily="50" charset="0"/>
+                <a:latin typeface="Exo 2 Condensed" panose="00000506000000000000" pitchFamily="50" charset="0"/>
               </a:rPr>
               <a:t>implementation</a:t>
             </a:r>
             <a:r>
               <a:rPr lang="it-IT" b="1" dirty="0">
-                <a:latin typeface="Exo 2 Thin Condensed" panose="00000306000000000000" pitchFamily="50" charset="0"/>
+                <a:latin typeface="Exo 2 Condensed" panose="00000506000000000000" pitchFamily="50" charset="0"/>
               </a:rPr>
               <a:t> of </a:t>
             </a:r>
             <a:r>
               <a:rPr lang="it-IT" b="1" dirty="0" err="1">
-                <a:latin typeface="Exo 2 Thin Condensed" panose="00000306000000000000" pitchFamily="50" charset="0"/>
+                <a:latin typeface="Exo 2 Condensed" panose="00000506000000000000" pitchFamily="50" charset="0"/>
               </a:rPr>
               <a:t>Aave</a:t>
             </a:r>
             <a:endParaRPr lang="it-IT" b="1" dirty="0">
-              <a:latin typeface="Exo 2 Thin Condensed" panose="00000306000000000000" pitchFamily="50" charset="0"/>
+              <a:latin typeface="Exo 2 Condensed" panose="00000506000000000000" pitchFamily="50" charset="0"/>
             </a:endParaRPr>
+          </a:p>
+        </p:txBody>
+      </p:sp>
+      <p:sp>
+        <p:nvSpPr>
+          <p:cNvPr id="6" name="Segnaposto numero diapositiva 5">
+            <a:extLst>
+              <a:ext uri="{FF2B5EF4-FFF2-40B4-BE49-F238E27FC236}">
+                <a16:creationId xmlns:a16="http://schemas.microsoft.com/office/drawing/2014/main" id="{6E835FD6-DC74-048B-5CCD-03EA461ABF02}"/>
+              </a:ext>
+            </a:extLst>
+          </p:cNvPr>
+          <p:cNvSpPr>
+            <a:spLocks noGrp="1"/>
+          </p:cNvSpPr>
+          <p:nvPr>
+            <p:ph type="sldNum" sz="quarter" idx="12"/>
+          </p:nvPr>
+        </p:nvSpPr>
+        <p:spPr/>
+        <p:txBody>
+          <a:bodyPr/>
+          <a:lstStyle/>
+          <a:p>
+            <a:fld id="{4004699A-5B17-40B7-9FB2-69AF2109F71D}" type="slidenum">
+              <a:rPr lang="en-GB" smtClean="0"/>
+              <a:t>13</a:t>
+            </a:fld>
+            <a:endParaRPr lang="en-GB"/>
           </a:p>
         </p:txBody>
       </p:sp>
@@ -6758,10 +6931,10 @@
       </p:pic>
       <p:sp>
         <p:nvSpPr>
-          <p:cNvPr id="8" name="CasellaDiTesto 7">
+          <p:cNvPr id="4" name="CasellaDiTesto 3">
             <a:extLst>
               <a:ext uri="{FF2B5EF4-FFF2-40B4-BE49-F238E27FC236}">
-                <a16:creationId xmlns:a16="http://schemas.microsoft.com/office/drawing/2014/main" id="{17CDBE87-C14E-AA63-C891-3AF2620F40A7}"/>
+                <a16:creationId xmlns:a16="http://schemas.microsoft.com/office/drawing/2014/main" id="{80D437FB-C8E1-2CB5-C673-53B21F385DCE}"/>
               </a:ext>
             </a:extLst>
           </p:cNvPr>
@@ -6770,7 +6943,7 @@
         </p:nvSpPr>
         <p:spPr>
           <a:xfrm>
-            <a:off x="3837991" y="6457354"/>
+            <a:off x="3837991" y="6466879"/>
             <a:ext cx="4516017" cy="369332"/>
           </a:xfrm>
           <a:prstGeom prst="rect">
@@ -6786,49 +6959,78 @@
           <a:p>
             <a:r>
               <a:rPr lang="it-IT" b="1" dirty="0" err="1">
-                <a:latin typeface="Exo 2 Thin Condensed" panose="00000306000000000000" pitchFamily="50" charset="0"/>
+                <a:latin typeface="Exo 2 Condensed" panose="00000506000000000000" pitchFamily="50" charset="0"/>
               </a:rPr>
               <a:t>ProtoAave</a:t>
             </a:r>
             <a:r>
               <a:rPr lang="it-IT" b="1" dirty="0">
-                <a:latin typeface="Exo 2 Thin Condensed" panose="00000306000000000000" pitchFamily="50" charset="0"/>
+                <a:latin typeface="Exo 2 Condensed" panose="00000506000000000000" pitchFamily="50" charset="0"/>
               </a:rPr>
               <a:t>: a </a:t>
             </a:r>
             <a:r>
               <a:rPr lang="it-IT" b="1" dirty="0" err="1">
-                <a:latin typeface="Exo 2 Thin Condensed" panose="00000306000000000000" pitchFamily="50" charset="0"/>
+                <a:latin typeface="Exo 2 Condensed" panose="00000506000000000000" pitchFamily="50" charset="0"/>
               </a:rPr>
               <a:t>minimal</a:t>
             </a:r>
             <a:r>
               <a:rPr lang="it-IT" b="1" dirty="0">
-                <a:latin typeface="Exo 2 Thin Condensed" panose="00000306000000000000" pitchFamily="50" charset="0"/>
+                <a:latin typeface="Exo 2 Condensed" panose="00000506000000000000" pitchFamily="50" charset="0"/>
               </a:rPr>
               <a:t> </a:t>
             </a:r>
             <a:r>
               <a:rPr lang="it-IT" b="1" dirty="0" err="1">
-                <a:latin typeface="Exo 2 Thin Condensed" panose="00000306000000000000" pitchFamily="50" charset="0"/>
+                <a:latin typeface="Exo 2 Condensed" panose="00000506000000000000" pitchFamily="50" charset="0"/>
               </a:rPr>
               <a:t>implementation</a:t>
             </a:r>
             <a:r>
               <a:rPr lang="it-IT" b="1" dirty="0">
-                <a:latin typeface="Exo 2 Thin Condensed" panose="00000306000000000000" pitchFamily="50" charset="0"/>
+                <a:latin typeface="Exo 2 Condensed" panose="00000506000000000000" pitchFamily="50" charset="0"/>
               </a:rPr>
               <a:t> of </a:t>
             </a:r>
             <a:r>
               <a:rPr lang="it-IT" b="1" dirty="0" err="1">
-                <a:latin typeface="Exo 2 Thin Condensed" panose="00000306000000000000" pitchFamily="50" charset="0"/>
+                <a:latin typeface="Exo 2 Condensed" panose="00000506000000000000" pitchFamily="50" charset="0"/>
               </a:rPr>
               <a:t>Aave</a:t>
             </a:r>
             <a:endParaRPr lang="it-IT" b="1" dirty="0">
-              <a:latin typeface="Exo 2 Thin Condensed" panose="00000306000000000000" pitchFamily="50" charset="0"/>
+              <a:latin typeface="Exo 2 Condensed" panose="00000506000000000000" pitchFamily="50" charset="0"/>
             </a:endParaRPr>
+          </a:p>
+        </p:txBody>
+      </p:sp>
+      <p:sp>
+        <p:nvSpPr>
+          <p:cNvPr id="6" name="Segnaposto numero diapositiva 5">
+            <a:extLst>
+              <a:ext uri="{FF2B5EF4-FFF2-40B4-BE49-F238E27FC236}">
+                <a16:creationId xmlns:a16="http://schemas.microsoft.com/office/drawing/2014/main" id="{F060EFD1-8168-1FED-F545-F32937AE4BD0}"/>
+              </a:ext>
+            </a:extLst>
+          </p:cNvPr>
+          <p:cNvSpPr>
+            <a:spLocks noGrp="1"/>
+          </p:cNvSpPr>
+          <p:nvPr>
+            <p:ph type="sldNum" sz="quarter" idx="12"/>
+          </p:nvPr>
+        </p:nvSpPr>
+        <p:spPr/>
+        <p:txBody>
+          <a:bodyPr/>
+          <a:lstStyle/>
+          <a:p>
+            <a:fld id="{4004699A-5B17-40B7-9FB2-69AF2109F71D}" type="slidenum">
+              <a:rPr lang="en-GB" smtClean="0"/>
+              <a:t>14</a:t>
+            </a:fld>
+            <a:endParaRPr lang="en-GB"/>
           </a:p>
         </p:txBody>
       </p:sp>
@@ -6910,7 +7112,9 @@
         </p:nvSpPr>
         <p:spPr/>
         <p:txBody>
-          <a:bodyPr/>
+          <a:bodyPr>
+            <a:normAutofit fontScale="92500" lnSpcReduction="10000"/>
+          </a:bodyPr>
           <a:lstStyle/>
           <a:p>
             <a:pPr>
@@ -6921,11 +7125,134 @@
               <a:rPr lang="en-GB" sz="2400" dirty="0">
                 <a:latin typeface="Exo 2 Condensed" panose="00000506000000000000" pitchFamily="50" charset="0"/>
               </a:rPr>
-              <a:t> All tests</a:t>
-            </a:r>
+              <a:t> Tests involve:</a:t>
+            </a:r>
+          </a:p>
+          <a:p>
+            <a:pPr>
+              <a:buFont typeface="Wingdings" panose="05000000000000000000" pitchFamily="2" charset="2"/>
+              <a:buChar char="Ø"/>
+            </a:pPr>
+            <a:endParaRPr lang="en-GB" sz="2400" dirty="0">
+              <a:latin typeface="Exo 2 Condensed" panose="00000506000000000000" pitchFamily="50" charset="0"/>
+            </a:endParaRPr>
+          </a:p>
+          <a:p>
+            <a:pPr lvl="1">
+              <a:buFont typeface="Wingdings" panose="05000000000000000000" pitchFamily="2" charset="2"/>
+              <a:buChar char="Ø"/>
+            </a:pPr>
+            <a:r>
+              <a:rPr lang="en-GB" dirty="0">
+                <a:latin typeface="Exo 2 Condensed" panose="00000506000000000000" pitchFamily="50" charset="0"/>
+              </a:rPr>
+              <a:t> ERC20 contract</a:t>
+            </a:r>
+          </a:p>
+          <a:p>
+            <a:pPr lvl="1">
+              <a:buFont typeface="Wingdings" panose="05000000000000000000" pitchFamily="2" charset="2"/>
+              <a:buChar char="Ø"/>
+            </a:pPr>
             <a:endParaRPr lang="en-GB" dirty="0">
               <a:latin typeface="Exo 2 Condensed" panose="00000506000000000000" pitchFamily="50" charset="0"/>
             </a:endParaRPr>
+          </a:p>
+          <a:p>
+            <a:pPr lvl="1">
+              <a:buFont typeface="Wingdings" panose="05000000000000000000" pitchFamily="2" charset="2"/>
+              <a:buChar char="Ø"/>
+            </a:pPr>
+            <a:r>
+              <a:rPr lang="en-GB" dirty="0">
+                <a:latin typeface="Exo 2 Condensed" panose="00000506000000000000" pitchFamily="50" charset="0"/>
+              </a:rPr>
+              <a:t> LP configuration</a:t>
+            </a:r>
+          </a:p>
+          <a:p>
+            <a:pPr lvl="1">
+              <a:buFont typeface="Wingdings" panose="05000000000000000000" pitchFamily="2" charset="2"/>
+              <a:buChar char="Ø"/>
+            </a:pPr>
+            <a:endParaRPr lang="en-GB" dirty="0">
+              <a:latin typeface="Exo 2 Condensed" panose="00000506000000000000" pitchFamily="50" charset="0"/>
+            </a:endParaRPr>
+          </a:p>
+          <a:p>
+            <a:pPr lvl="1">
+              <a:buFont typeface="Wingdings" panose="05000000000000000000" pitchFamily="2" charset="2"/>
+              <a:buChar char="Ø"/>
+            </a:pPr>
+            <a:r>
+              <a:rPr lang="en-GB" dirty="0">
+                <a:latin typeface="Exo 2 Condensed" panose="00000506000000000000" pitchFamily="50" charset="0"/>
+              </a:rPr>
+              <a:t> LP Borrow function</a:t>
+            </a:r>
+          </a:p>
+          <a:p>
+            <a:pPr lvl="1">
+              <a:buFont typeface="Wingdings" panose="05000000000000000000" pitchFamily="2" charset="2"/>
+              <a:buChar char="Ø"/>
+            </a:pPr>
+            <a:endParaRPr lang="en-GB" dirty="0">
+              <a:latin typeface="Exo 2 Condensed" panose="00000506000000000000" pitchFamily="50" charset="0"/>
+            </a:endParaRPr>
+          </a:p>
+          <a:p>
+            <a:pPr lvl="1">
+              <a:buFont typeface="Wingdings" panose="05000000000000000000" pitchFamily="2" charset="2"/>
+              <a:buChar char="Ø"/>
+            </a:pPr>
+            <a:r>
+              <a:rPr lang="en-GB" dirty="0">
+                <a:latin typeface="Exo 2 Condensed" panose="00000506000000000000" pitchFamily="50" charset="0"/>
+              </a:rPr>
+              <a:t> LP Deposit function</a:t>
+            </a:r>
+          </a:p>
+          <a:p>
+            <a:pPr lvl="1">
+              <a:buFont typeface="Wingdings" panose="05000000000000000000" pitchFamily="2" charset="2"/>
+              <a:buChar char="Ø"/>
+            </a:pPr>
+            <a:endParaRPr lang="en-GB" dirty="0">
+              <a:latin typeface="Exo 2 Condensed" panose="00000506000000000000" pitchFamily="50" charset="0"/>
+            </a:endParaRPr>
+          </a:p>
+          <a:p>
+            <a:pPr lvl="1">
+              <a:buFont typeface="Wingdings" panose="05000000000000000000" pitchFamily="2" charset="2"/>
+              <a:buChar char="Ø"/>
+            </a:pPr>
+            <a:r>
+              <a:rPr lang="en-GB" dirty="0">
+                <a:latin typeface="Exo 2 Condensed" panose="00000506000000000000" pitchFamily="50" charset="0"/>
+              </a:rPr>
+              <a:t> Health factor</a:t>
+            </a:r>
+          </a:p>
+          <a:p>
+            <a:pPr lvl="1">
+              <a:buFont typeface="Wingdings" panose="05000000000000000000" pitchFamily="2" charset="2"/>
+              <a:buChar char="Ø"/>
+            </a:pPr>
+            <a:endParaRPr lang="en-GB" dirty="0">
+              <a:latin typeface="Exo 2 Condensed" panose="00000506000000000000" pitchFamily="50" charset="0"/>
+            </a:endParaRPr>
+          </a:p>
+          <a:p>
+            <a:pPr lvl="1">
+              <a:buFont typeface="Wingdings" panose="05000000000000000000" pitchFamily="2" charset="2"/>
+              <a:buChar char="Ø"/>
+            </a:pPr>
+            <a:r>
+              <a:rPr lang="en-GB" dirty="0">
+                <a:latin typeface="Exo 2 Condensed" panose="00000506000000000000" pitchFamily="50" charset="0"/>
+              </a:rPr>
+              <a:t> Interests</a:t>
+            </a:r>
           </a:p>
           <a:p>
             <a:pPr lvl="1">
@@ -6976,10 +7303,10 @@
       </p:pic>
       <p:sp>
         <p:nvSpPr>
-          <p:cNvPr id="8" name="CasellaDiTesto 7">
+          <p:cNvPr id="4" name="CasellaDiTesto 3">
             <a:extLst>
               <a:ext uri="{FF2B5EF4-FFF2-40B4-BE49-F238E27FC236}">
-                <a16:creationId xmlns:a16="http://schemas.microsoft.com/office/drawing/2014/main" id="{5CD1E18B-8CB1-CA1D-67DF-BF7D6CB26D64}"/>
+                <a16:creationId xmlns:a16="http://schemas.microsoft.com/office/drawing/2014/main" id="{2CE8B882-B646-484A-8A51-D9990F68529C}"/>
               </a:ext>
             </a:extLst>
           </p:cNvPr>
@@ -6988,7 +7315,7 @@
         </p:nvSpPr>
         <p:spPr>
           <a:xfrm>
-            <a:off x="3837991" y="6457354"/>
+            <a:off x="3837991" y="6466879"/>
             <a:ext cx="4516017" cy="369332"/>
           </a:xfrm>
           <a:prstGeom prst="rect">
@@ -7004,49 +7331,78 @@
           <a:p>
             <a:r>
               <a:rPr lang="it-IT" b="1" dirty="0" err="1">
-                <a:latin typeface="Exo 2 Thin Condensed" panose="00000306000000000000" pitchFamily="50" charset="0"/>
+                <a:latin typeface="Exo 2 Condensed" panose="00000506000000000000" pitchFamily="50" charset="0"/>
               </a:rPr>
               <a:t>ProtoAave</a:t>
             </a:r>
             <a:r>
               <a:rPr lang="it-IT" b="1" dirty="0">
-                <a:latin typeface="Exo 2 Thin Condensed" panose="00000306000000000000" pitchFamily="50" charset="0"/>
+                <a:latin typeface="Exo 2 Condensed" panose="00000506000000000000" pitchFamily="50" charset="0"/>
               </a:rPr>
               <a:t>: a </a:t>
             </a:r>
             <a:r>
               <a:rPr lang="it-IT" b="1" dirty="0" err="1">
-                <a:latin typeface="Exo 2 Thin Condensed" panose="00000306000000000000" pitchFamily="50" charset="0"/>
+                <a:latin typeface="Exo 2 Condensed" panose="00000506000000000000" pitchFamily="50" charset="0"/>
               </a:rPr>
               <a:t>minimal</a:t>
             </a:r>
             <a:r>
               <a:rPr lang="it-IT" b="1" dirty="0">
-                <a:latin typeface="Exo 2 Thin Condensed" panose="00000306000000000000" pitchFamily="50" charset="0"/>
+                <a:latin typeface="Exo 2 Condensed" panose="00000506000000000000" pitchFamily="50" charset="0"/>
               </a:rPr>
               <a:t> </a:t>
             </a:r>
             <a:r>
               <a:rPr lang="it-IT" b="1" dirty="0" err="1">
-                <a:latin typeface="Exo 2 Thin Condensed" panose="00000306000000000000" pitchFamily="50" charset="0"/>
+                <a:latin typeface="Exo 2 Condensed" panose="00000506000000000000" pitchFamily="50" charset="0"/>
               </a:rPr>
               <a:t>implementation</a:t>
             </a:r>
             <a:r>
               <a:rPr lang="it-IT" b="1" dirty="0">
-                <a:latin typeface="Exo 2 Thin Condensed" panose="00000306000000000000" pitchFamily="50" charset="0"/>
+                <a:latin typeface="Exo 2 Condensed" panose="00000506000000000000" pitchFamily="50" charset="0"/>
               </a:rPr>
               <a:t> of </a:t>
             </a:r>
             <a:r>
               <a:rPr lang="it-IT" b="1" dirty="0" err="1">
-                <a:latin typeface="Exo 2 Thin Condensed" panose="00000306000000000000" pitchFamily="50" charset="0"/>
+                <a:latin typeface="Exo 2 Condensed" panose="00000506000000000000" pitchFamily="50" charset="0"/>
               </a:rPr>
               <a:t>Aave</a:t>
             </a:r>
             <a:endParaRPr lang="it-IT" b="1" dirty="0">
-              <a:latin typeface="Exo 2 Thin Condensed" panose="00000306000000000000" pitchFamily="50" charset="0"/>
+              <a:latin typeface="Exo 2 Condensed" panose="00000506000000000000" pitchFamily="50" charset="0"/>
             </a:endParaRPr>
+          </a:p>
+        </p:txBody>
+      </p:sp>
+      <p:sp>
+        <p:nvSpPr>
+          <p:cNvPr id="5" name="Segnaposto numero diapositiva 4">
+            <a:extLst>
+              <a:ext uri="{FF2B5EF4-FFF2-40B4-BE49-F238E27FC236}">
+                <a16:creationId xmlns:a16="http://schemas.microsoft.com/office/drawing/2014/main" id="{42E10737-B44E-3026-33F4-6AED573BADC7}"/>
+              </a:ext>
+            </a:extLst>
+          </p:cNvPr>
+          <p:cNvSpPr>
+            <a:spLocks noGrp="1"/>
+          </p:cNvSpPr>
+          <p:nvPr>
+            <p:ph type="sldNum" sz="quarter" idx="12"/>
+          </p:nvPr>
+        </p:nvSpPr>
+        <p:spPr/>
+        <p:txBody>
+          <a:bodyPr/>
+          <a:lstStyle/>
+          <a:p>
+            <a:fld id="{4004699A-5B17-40B7-9FB2-69AF2109F71D}" type="slidenum">
+              <a:rPr lang="en-GB" smtClean="0"/>
+              <a:t>15</a:t>
+            </a:fld>
+            <a:endParaRPr lang="en-GB"/>
           </a:p>
         </p:txBody>
       </p:sp>
@@ -7230,10 +7586,10 @@
       </p:sp>
       <p:sp>
         <p:nvSpPr>
-          <p:cNvPr id="4" name="CasellaDiTesto 3">
+          <p:cNvPr id="5" name="CasellaDiTesto 4">
             <a:extLst>
               <a:ext uri="{FF2B5EF4-FFF2-40B4-BE49-F238E27FC236}">
-                <a16:creationId xmlns:a16="http://schemas.microsoft.com/office/drawing/2014/main" id="{E0D1775D-F720-B037-83AB-18988CAB421D}"/>
+                <a16:creationId xmlns:a16="http://schemas.microsoft.com/office/drawing/2014/main" id="{74F95F2C-D831-B5B4-9D46-BBF6D0888762}"/>
               </a:ext>
             </a:extLst>
           </p:cNvPr>
@@ -7242,7 +7598,7 @@
         </p:nvSpPr>
         <p:spPr>
           <a:xfrm>
-            <a:off x="3837991" y="6457354"/>
+            <a:off x="3837991" y="6466879"/>
             <a:ext cx="4516017" cy="369332"/>
           </a:xfrm>
           <a:prstGeom prst="rect">
@@ -7258,49 +7614,78 @@
           <a:p>
             <a:r>
               <a:rPr lang="it-IT" b="1" dirty="0" err="1">
-                <a:latin typeface="Exo 2 Thin Condensed" panose="00000306000000000000" pitchFamily="50" charset="0"/>
+                <a:latin typeface="Exo 2 Condensed" panose="00000506000000000000" pitchFamily="50" charset="0"/>
               </a:rPr>
               <a:t>ProtoAave</a:t>
             </a:r>
             <a:r>
               <a:rPr lang="it-IT" b="1" dirty="0">
-                <a:latin typeface="Exo 2 Thin Condensed" panose="00000306000000000000" pitchFamily="50" charset="0"/>
+                <a:latin typeface="Exo 2 Condensed" panose="00000506000000000000" pitchFamily="50" charset="0"/>
               </a:rPr>
               <a:t>: a </a:t>
             </a:r>
             <a:r>
               <a:rPr lang="it-IT" b="1" dirty="0" err="1">
-                <a:latin typeface="Exo 2 Thin Condensed" panose="00000306000000000000" pitchFamily="50" charset="0"/>
+                <a:latin typeface="Exo 2 Condensed" panose="00000506000000000000" pitchFamily="50" charset="0"/>
               </a:rPr>
               <a:t>minimal</a:t>
             </a:r>
             <a:r>
               <a:rPr lang="it-IT" b="1" dirty="0">
-                <a:latin typeface="Exo 2 Thin Condensed" panose="00000306000000000000" pitchFamily="50" charset="0"/>
+                <a:latin typeface="Exo 2 Condensed" panose="00000506000000000000" pitchFamily="50" charset="0"/>
               </a:rPr>
               <a:t> </a:t>
             </a:r>
             <a:r>
               <a:rPr lang="it-IT" b="1" dirty="0" err="1">
-                <a:latin typeface="Exo 2 Thin Condensed" panose="00000306000000000000" pitchFamily="50" charset="0"/>
+                <a:latin typeface="Exo 2 Condensed" panose="00000506000000000000" pitchFamily="50" charset="0"/>
               </a:rPr>
               <a:t>implementation</a:t>
             </a:r>
             <a:r>
               <a:rPr lang="it-IT" b="1" dirty="0">
-                <a:latin typeface="Exo 2 Thin Condensed" panose="00000306000000000000" pitchFamily="50" charset="0"/>
+                <a:latin typeface="Exo 2 Condensed" panose="00000506000000000000" pitchFamily="50" charset="0"/>
               </a:rPr>
               <a:t> of </a:t>
             </a:r>
             <a:r>
               <a:rPr lang="it-IT" b="1" dirty="0" err="1">
-                <a:latin typeface="Exo 2 Thin Condensed" panose="00000306000000000000" pitchFamily="50" charset="0"/>
+                <a:latin typeface="Exo 2 Condensed" panose="00000506000000000000" pitchFamily="50" charset="0"/>
               </a:rPr>
               <a:t>Aave</a:t>
             </a:r>
             <a:endParaRPr lang="it-IT" b="1" dirty="0">
-              <a:latin typeface="Exo 2 Thin Condensed" panose="00000306000000000000" pitchFamily="50" charset="0"/>
+              <a:latin typeface="Exo 2 Condensed" panose="00000506000000000000" pitchFamily="50" charset="0"/>
             </a:endParaRPr>
+          </a:p>
+        </p:txBody>
+      </p:sp>
+      <p:sp>
+        <p:nvSpPr>
+          <p:cNvPr id="6" name="Segnaposto numero diapositiva 5">
+            <a:extLst>
+              <a:ext uri="{FF2B5EF4-FFF2-40B4-BE49-F238E27FC236}">
+                <a16:creationId xmlns:a16="http://schemas.microsoft.com/office/drawing/2014/main" id="{BD09618D-7181-003D-898A-2E0F98CF0995}"/>
+              </a:ext>
+            </a:extLst>
+          </p:cNvPr>
+          <p:cNvSpPr>
+            <a:spLocks noGrp="1"/>
+          </p:cNvSpPr>
+          <p:nvPr>
+            <p:ph type="sldNum" sz="quarter" idx="12"/>
+          </p:nvPr>
+        </p:nvSpPr>
+        <p:spPr/>
+        <p:txBody>
+          <a:bodyPr/>
+          <a:lstStyle/>
+          <a:p>
+            <a:fld id="{4004699A-5B17-40B7-9FB2-69AF2109F71D}" type="slidenum">
+              <a:rPr lang="en-GB" smtClean="0"/>
+              <a:t>16</a:t>
+            </a:fld>
+            <a:endParaRPr lang="en-GB"/>
           </a:p>
         </p:txBody>
       </p:sp>
@@ -7477,19 +7862,19 @@
             </a:r>
             <a:r>
               <a:rPr lang="en-GB" dirty="0">
-                <a:latin typeface="Exo 2 Thin Condensed" panose="00000306000000000000" pitchFamily="50" charset="0"/>
+                <a:latin typeface="Exo 2 Condensed" panose="00000506000000000000" pitchFamily="50" charset="0"/>
               </a:rPr>
               <a:t>summarize the main features of </a:t>
             </a:r>
             <a:r>
               <a:rPr lang="en-GB" dirty="0" err="1">
-                <a:latin typeface="Exo 2 Thin Condensed" panose="00000306000000000000" pitchFamily="50" charset="0"/>
+                <a:latin typeface="Exo 2 Condensed" panose="00000506000000000000" pitchFamily="50" charset="0"/>
               </a:rPr>
               <a:t>Aave</a:t>
             </a:r>
             <a:r>
               <a:rPr lang="en-GB" dirty="0">
-                <a:latin typeface="Exo 2 Thin Condensed" panose="00000306000000000000" pitchFamily="50" charset="0"/>
+                <a:latin typeface="Exo 2 Condensed" panose="00000506000000000000" pitchFamily="50" charset="0"/>
               </a:rPr>
               <a:t>, focusing mainly on borrow and deposit actions, on collateral and interests</a:t>
             </a:r>
@@ -7535,49 +7920,78 @@
           <a:p>
             <a:r>
               <a:rPr lang="it-IT" b="1" dirty="0" err="1">
-                <a:latin typeface="Exo 2 Thin Condensed" panose="00000306000000000000" pitchFamily="50" charset="0"/>
+                <a:latin typeface="Exo 2 Condensed" panose="00000506000000000000" pitchFamily="50" charset="0"/>
               </a:rPr>
               <a:t>ProtoAave</a:t>
             </a:r>
             <a:r>
               <a:rPr lang="it-IT" b="1" dirty="0">
-                <a:latin typeface="Exo 2 Thin Condensed" panose="00000306000000000000" pitchFamily="50" charset="0"/>
+                <a:latin typeface="Exo 2 Condensed" panose="00000506000000000000" pitchFamily="50" charset="0"/>
               </a:rPr>
               <a:t>: a </a:t>
             </a:r>
             <a:r>
               <a:rPr lang="it-IT" b="1" dirty="0" err="1">
-                <a:latin typeface="Exo 2 Thin Condensed" panose="00000306000000000000" pitchFamily="50" charset="0"/>
+                <a:latin typeface="Exo 2 Condensed" panose="00000506000000000000" pitchFamily="50" charset="0"/>
               </a:rPr>
               <a:t>minimal</a:t>
             </a:r>
             <a:r>
               <a:rPr lang="it-IT" b="1" dirty="0">
-                <a:latin typeface="Exo 2 Thin Condensed" panose="00000306000000000000" pitchFamily="50" charset="0"/>
+                <a:latin typeface="Exo 2 Condensed" panose="00000506000000000000" pitchFamily="50" charset="0"/>
               </a:rPr>
               <a:t> </a:t>
             </a:r>
             <a:r>
               <a:rPr lang="it-IT" b="1" dirty="0" err="1">
-                <a:latin typeface="Exo 2 Thin Condensed" panose="00000306000000000000" pitchFamily="50" charset="0"/>
+                <a:latin typeface="Exo 2 Condensed" panose="00000506000000000000" pitchFamily="50" charset="0"/>
               </a:rPr>
               <a:t>implementation</a:t>
             </a:r>
             <a:r>
               <a:rPr lang="it-IT" b="1" dirty="0">
-                <a:latin typeface="Exo 2 Thin Condensed" panose="00000306000000000000" pitchFamily="50" charset="0"/>
+                <a:latin typeface="Exo 2 Condensed" panose="00000506000000000000" pitchFamily="50" charset="0"/>
               </a:rPr>
               <a:t> of </a:t>
             </a:r>
             <a:r>
               <a:rPr lang="it-IT" b="1" dirty="0" err="1">
-                <a:latin typeface="Exo 2 Thin Condensed" panose="00000306000000000000" pitchFamily="50" charset="0"/>
+                <a:latin typeface="Exo 2 Condensed" panose="00000506000000000000" pitchFamily="50" charset="0"/>
               </a:rPr>
               <a:t>Aave</a:t>
             </a:r>
             <a:endParaRPr lang="it-IT" b="1" dirty="0">
-              <a:latin typeface="Exo 2 Thin Condensed" panose="00000306000000000000" pitchFamily="50" charset="0"/>
+              <a:latin typeface="Exo 2 Condensed" panose="00000506000000000000" pitchFamily="50" charset="0"/>
             </a:endParaRPr>
+          </a:p>
+        </p:txBody>
+      </p:sp>
+      <p:sp>
+        <p:nvSpPr>
+          <p:cNvPr id="5" name="Segnaposto numero diapositiva 4">
+            <a:extLst>
+              <a:ext uri="{FF2B5EF4-FFF2-40B4-BE49-F238E27FC236}">
+                <a16:creationId xmlns:a16="http://schemas.microsoft.com/office/drawing/2014/main" id="{716E9C1B-B455-B953-E121-40E2EF374B7B}"/>
+              </a:ext>
+            </a:extLst>
+          </p:cNvPr>
+          <p:cNvSpPr>
+            <a:spLocks noGrp="1"/>
+          </p:cNvSpPr>
+          <p:nvPr>
+            <p:ph type="sldNum" sz="quarter" idx="12"/>
+          </p:nvPr>
+        </p:nvSpPr>
+        <p:spPr/>
+        <p:txBody>
+          <a:bodyPr/>
+          <a:lstStyle/>
+          <a:p>
+            <a:fld id="{4004699A-5B17-40B7-9FB2-69AF2109F71D}" type="slidenum">
+              <a:rPr lang="en-GB" smtClean="0"/>
+              <a:t>2</a:t>
+            </a:fld>
+            <a:endParaRPr lang="en-GB"/>
           </a:p>
         </p:txBody>
       </p:sp>
@@ -7717,7 +8131,7 @@
             <a:pPr marL="201168" lvl="1" indent="0">
               <a:buNone/>
             </a:pPr>
-            <a:endParaRPr lang="en-GB" sz="2000" dirty="0">
+            <a:endParaRPr lang="en-GB" sz="2400" dirty="0">
               <a:latin typeface="Exo 2 Condensed" panose="00000506000000000000" pitchFamily="50" charset="0"/>
             </a:endParaRPr>
           </a:p>
@@ -7727,16 +8141,10 @@
               <a:buChar char="Ø"/>
             </a:pPr>
             <a:r>
-              <a:rPr lang="en-GB" sz="1600" dirty="0">
-                <a:latin typeface="Exo 2 Condensed" panose="00000506000000000000" pitchFamily="50" charset="0"/>
-              </a:rPr>
-              <a:t> </a:t>
-            </a:r>
-            <a:r>
-              <a:rPr lang="en-GB" sz="1600" dirty="0">
-                <a:latin typeface="Exo 2 Thin Condensed" panose="00000306000000000000" pitchFamily="50" charset="0"/>
-              </a:rPr>
-              <a:t>financial system based on blockchain</a:t>
+              <a:rPr lang="en-GB" sz="1800" dirty="0">
+                <a:latin typeface="Exo 2 Condensed" panose="00000506000000000000" pitchFamily="50" charset="0"/>
+              </a:rPr>
+              <a:t> financial system based on blockchain</a:t>
             </a:r>
           </a:p>
           <a:p>
@@ -7745,8 +8153,8 @@
               <a:buChar char="Ø"/>
             </a:pPr>
             <a:r>
-              <a:rPr lang="en-GB" sz="1600" dirty="0">
-                <a:latin typeface="Exo 2 Thin Condensed" panose="00000306000000000000" pitchFamily="50" charset="0"/>
+              <a:rPr lang="en-GB" sz="1800" dirty="0">
+                <a:latin typeface="Exo 2 Condensed" panose="00000506000000000000" pitchFamily="50" charset="0"/>
               </a:rPr>
               <a:t> actions are executed without a trusted authority</a:t>
             </a:r>
@@ -7757,8 +8165,8 @@
               <a:buChar char="Ø"/>
             </a:pPr>
             <a:r>
-              <a:rPr lang="en-GB" sz="1600" dirty="0">
-                <a:latin typeface="Exo 2 Thin Condensed" panose="00000306000000000000" pitchFamily="50" charset="0"/>
+              <a:rPr lang="en-GB" sz="1800" dirty="0">
+                <a:latin typeface="Exo 2 Condensed" panose="00000506000000000000" pitchFamily="50" charset="0"/>
               </a:rPr>
               <a:t> users have a direct and total control of their assets</a:t>
             </a:r>
@@ -7768,8 +8176,8 @@
               <a:buFont typeface="Wingdings" panose="05000000000000000000" pitchFamily="2" charset="2"/>
               <a:buChar char="Ø"/>
             </a:pPr>
-            <a:endParaRPr lang="en-GB" sz="1600" dirty="0">
-              <a:latin typeface="Exo 2 Thin Condensed" panose="00000306000000000000" pitchFamily="50" charset="0"/>
+            <a:endParaRPr lang="en-GB" sz="1800" dirty="0">
+              <a:latin typeface="Exo 2 Condensed" panose="00000506000000000000" pitchFamily="50" charset="0"/>
             </a:endParaRPr>
           </a:p>
           <a:p>
@@ -7778,8 +8186,8 @@
               <a:buChar char="Ø"/>
             </a:pPr>
             <a:r>
-              <a:rPr lang="en-GB" sz="1600" dirty="0">
-                <a:latin typeface="Exo 2 Thin Condensed" panose="00000306000000000000" pitchFamily="50" charset="0"/>
+              <a:rPr lang="en-GB" sz="1800" dirty="0">
+                <a:latin typeface="Exo 2 Condensed" panose="00000506000000000000" pitchFamily="50" charset="0"/>
               </a:rPr>
               <a:t> tokens</a:t>
             </a:r>
@@ -7790,8 +8198,8 @@
               <a:buChar char="Ø"/>
             </a:pPr>
             <a:r>
-              <a:rPr lang="en-GB" sz="1600" dirty="0">
-                <a:latin typeface="Exo 2 Thin Condensed" panose="00000306000000000000" pitchFamily="50" charset="0"/>
+              <a:rPr lang="en-GB" sz="1800" dirty="0">
+                <a:latin typeface="Exo 2 Condensed" panose="00000506000000000000" pitchFamily="50" charset="0"/>
               </a:rPr>
               <a:t> cryptocurrencies</a:t>
             </a:r>
@@ -7828,49 +8236,78 @@
           <a:p>
             <a:r>
               <a:rPr lang="it-IT" b="1" dirty="0" err="1">
-                <a:latin typeface="Exo 2 Thin Condensed" panose="00000306000000000000" pitchFamily="50" charset="0"/>
+                <a:latin typeface="Exo 2 Condensed" panose="00000506000000000000" pitchFamily="50" charset="0"/>
               </a:rPr>
               <a:t>ProtoAave</a:t>
             </a:r>
             <a:r>
               <a:rPr lang="it-IT" b="1" dirty="0">
-                <a:latin typeface="Exo 2 Thin Condensed" panose="00000306000000000000" pitchFamily="50" charset="0"/>
+                <a:latin typeface="Exo 2 Condensed" panose="00000506000000000000" pitchFamily="50" charset="0"/>
               </a:rPr>
               <a:t>: a </a:t>
             </a:r>
             <a:r>
               <a:rPr lang="it-IT" b="1" dirty="0" err="1">
-                <a:latin typeface="Exo 2 Thin Condensed" panose="00000306000000000000" pitchFamily="50" charset="0"/>
+                <a:latin typeface="Exo 2 Condensed" panose="00000506000000000000" pitchFamily="50" charset="0"/>
               </a:rPr>
               <a:t>minimal</a:t>
             </a:r>
             <a:r>
               <a:rPr lang="it-IT" b="1" dirty="0">
-                <a:latin typeface="Exo 2 Thin Condensed" panose="00000306000000000000" pitchFamily="50" charset="0"/>
+                <a:latin typeface="Exo 2 Condensed" panose="00000506000000000000" pitchFamily="50" charset="0"/>
               </a:rPr>
               <a:t> </a:t>
             </a:r>
             <a:r>
               <a:rPr lang="it-IT" b="1" dirty="0" err="1">
-                <a:latin typeface="Exo 2 Thin Condensed" panose="00000306000000000000" pitchFamily="50" charset="0"/>
+                <a:latin typeface="Exo 2 Condensed" panose="00000506000000000000" pitchFamily="50" charset="0"/>
               </a:rPr>
               <a:t>implementation</a:t>
             </a:r>
             <a:r>
               <a:rPr lang="it-IT" b="1" dirty="0">
-                <a:latin typeface="Exo 2 Thin Condensed" panose="00000306000000000000" pitchFamily="50" charset="0"/>
+                <a:latin typeface="Exo 2 Condensed" panose="00000506000000000000" pitchFamily="50" charset="0"/>
               </a:rPr>
               <a:t> of </a:t>
             </a:r>
             <a:r>
               <a:rPr lang="it-IT" b="1" dirty="0" err="1">
-                <a:latin typeface="Exo 2 Thin Condensed" panose="00000306000000000000" pitchFamily="50" charset="0"/>
+                <a:latin typeface="Exo 2 Condensed" panose="00000506000000000000" pitchFamily="50" charset="0"/>
               </a:rPr>
               <a:t>Aave</a:t>
             </a:r>
             <a:endParaRPr lang="it-IT" b="1" dirty="0">
-              <a:latin typeface="Exo 2 Thin Condensed" panose="00000306000000000000" pitchFamily="50" charset="0"/>
+              <a:latin typeface="Exo 2 Condensed" panose="00000506000000000000" pitchFamily="50" charset="0"/>
             </a:endParaRPr>
+          </a:p>
+        </p:txBody>
+      </p:sp>
+      <p:sp>
+        <p:nvSpPr>
+          <p:cNvPr id="5" name="Segnaposto numero diapositiva 4">
+            <a:extLst>
+              <a:ext uri="{FF2B5EF4-FFF2-40B4-BE49-F238E27FC236}">
+                <a16:creationId xmlns:a16="http://schemas.microsoft.com/office/drawing/2014/main" id="{4BA768C1-994A-C90B-B4C0-9110EE277B9B}"/>
+              </a:ext>
+            </a:extLst>
+          </p:cNvPr>
+          <p:cNvSpPr>
+            <a:spLocks noGrp="1"/>
+          </p:cNvSpPr>
+          <p:nvPr>
+            <p:ph type="sldNum" sz="quarter" idx="12"/>
+          </p:nvPr>
+        </p:nvSpPr>
+        <p:spPr/>
+        <p:txBody>
+          <a:bodyPr/>
+          <a:lstStyle/>
+          <a:p>
+            <a:fld id="{4004699A-5B17-40B7-9FB2-69AF2109F71D}" type="slidenum">
+              <a:rPr lang="en-GB" smtClean="0"/>
+              <a:t>3</a:t>
+            </a:fld>
+            <a:endParaRPr lang="en-GB"/>
           </a:p>
         </p:txBody>
       </p:sp>
@@ -8020,18 +8457,18 @@
             </a:pPr>
             <a:r>
               <a:rPr lang="en-GB" sz="2000" dirty="0">
-                <a:latin typeface="Exo 2 Thin Condensed" panose="00000306000000000000" pitchFamily="50" charset="0"/>
+                <a:latin typeface="Exo 2 Condensed" panose="00000506000000000000" pitchFamily="50" charset="0"/>
               </a:rPr>
               <a:t>a direct implementation of </a:t>
             </a:r>
             <a:r>
               <a:rPr lang="en-GB" sz="2000" dirty="0" err="1">
-                <a:latin typeface="Exo 2 Thin Condensed" panose="00000306000000000000" pitchFamily="50" charset="0"/>
+                <a:latin typeface="Exo 2 Condensed" panose="00000506000000000000" pitchFamily="50" charset="0"/>
               </a:rPr>
               <a:t>DeFi</a:t>
             </a:r>
             <a:endParaRPr lang="en-GB" sz="2000" dirty="0">
-              <a:latin typeface="Exo 2 Thin Condensed" panose="00000306000000000000" pitchFamily="50" charset="0"/>
+              <a:latin typeface="Exo 2 Condensed" panose="00000506000000000000" pitchFamily="50" charset="0"/>
             </a:endParaRPr>
           </a:p>
           <a:p>
@@ -8041,19 +8478,19 @@
             </a:pPr>
             <a:r>
               <a:rPr lang="en-GB" sz="2000" dirty="0">
-                <a:latin typeface="Exo 2 Thin Condensed" panose="00000306000000000000" pitchFamily="50" charset="0"/>
+                <a:latin typeface="Exo 2 Condensed" panose="00000506000000000000" pitchFamily="50" charset="0"/>
               </a:rPr>
               <a:t>they are decentralized applications (</a:t>
             </a:r>
             <a:r>
               <a:rPr lang="en-GB" sz="2000" b="1" dirty="0" err="1">
-                <a:latin typeface="Exo 2 Thin Condensed" panose="00000306000000000000" pitchFamily="50" charset="0"/>
+                <a:latin typeface="Exo 2 Condensed" panose="00000506000000000000" pitchFamily="50" charset="0"/>
               </a:rPr>
               <a:t>dApps</a:t>
             </a:r>
             <a:r>
               <a:rPr lang="en-GB" sz="2000" dirty="0">
-                <a:latin typeface="Exo 2 Thin Condensed" panose="00000306000000000000" pitchFamily="50" charset="0"/>
+                <a:latin typeface="Exo 2 Condensed" panose="00000506000000000000" pitchFamily="50" charset="0"/>
               </a:rPr>
               <a:t>) </a:t>
             </a:r>
@@ -8065,7 +8502,7 @@
             </a:pPr>
             <a:r>
               <a:rPr lang="en-GB" sz="2000" dirty="0">
-                <a:latin typeface="Exo 2 Thin Condensed" panose="00000306000000000000" pitchFamily="50" charset="0"/>
+                <a:latin typeface="Exo 2 Condensed" panose="00000506000000000000" pitchFamily="50" charset="0"/>
               </a:rPr>
               <a:t>they allow users to deposit and borrow crypto-assets</a:t>
             </a:r>
@@ -8076,7 +8513,7 @@
               <a:buChar char="Ø"/>
             </a:pPr>
             <a:endParaRPr lang="en-GB" sz="2000" dirty="0">
-              <a:latin typeface="Exo 2 Thin Condensed" panose="00000306000000000000" pitchFamily="50" charset="0"/>
+              <a:latin typeface="Exo 2 Condensed" panose="00000506000000000000" pitchFamily="50" charset="0"/>
             </a:endParaRPr>
           </a:p>
           <a:p>
@@ -8086,7 +8523,7 @@
             </a:pPr>
             <a:r>
               <a:rPr lang="en-GB" sz="2000" dirty="0">
-                <a:latin typeface="Exo 2 Thin Condensed" panose="00000306000000000000" pitchFamily="50" charset="0"/>
+                <a:latin typeface="Exo 2 Condensed" panose="00000506000000000000" pitchFamily="50" charset="0"/>
               </a:rPr>
               <a:t>A LP has one or more reserves, each of them representing a specific asset</a:t>
             </a:r>
@@ -8095,10 +8532,10 @@
       </p:sp>
       <p:sp>
         <p:nvSpPr>
-          <p:cNvPr id="4" name="CasellaDiTesto 3">
+          <p:cNvPr id="5" name="CasellaDiTesto 4">
             <a:extLst>
               <a:ext uri="{FF2B5EF4-FFF2-40B4-BE49-F238E27FC236}">
-                <a16:creationId xmlns:a16="http://schemas.microsoft.com/office/drawing/2014/main" id="{576F0653-55AF-72D4-E445-C724523EC85A}"/>
+                <a16:creationId xmlns:a16="http://schemas.microsoft.com/office/drawing/2014/main" id="{362CBF1F-785E-E500-2425-567C58707AAF}"/>
               </a:ext>
             </a:extLst>
           </p:cNvPr>
@@ -8107,7 +8544,7 @@
         </p:nvSpPr>
         <p:spPr>
           <a:xfrm>
-            <a:off x="3837991" y="6457354"/>
+            <a:off x="3837991" y="6466879"/>
             <a:ext cx="4516017" cy="369332"/>
           </a:xfrm>
           <a:prstGeom prst="rect">
@@ -8123,49 +8560,78 @@
           <a:p>
             <a:r>
               <a:rPr lang="it-IT" b="1" dirty="0" err="1">
-                <a:latin typeface="Exo 2 Thin Condensed" panose="00000306000000000000" pitchFamily="50" charset="0"/>
+                <a:latin typeface="Exo 2 Condensed" panose="00000506000000000000" pitchFamily="50" charset="0"/>
               </a:rPr>
               <a:t>ProtoAave</a:t>
             </a:r>
             <a:r>
               <a:rPr lang="it-IT" b="1" dirty="0">
-                <a:latin typeface="Exo 2 Thin Condensed" panose="00000306000000000000" pitchFamily="50" charset="0"/>
+                <a:latin typeface="Exo 2 Condensed" panose="00000506000000000000" pitchFamily="50" charset="0"/>
               </a:rPr>
               <a:t>: a </a:t>
             </a:r>
             <a:r>
               <a:rPr lang="it-IT" b="1" dirty="0" err="1">
-                <a:latin typeface="Exo 2 Thin Condensed" panose="00000306000000000000" pitchFamily="50" charset="0"/>
+                <a:latin typeface="Exo 2 Condensed" panose="00000506000000000000" pitchFamily="50" charset="0"/>
               </a:rPr>
               <a:t>minimal</a:t>
             </a:r>
             <a:r>
               <a:rPr lang="it-IT" b="1" dirty="0">
-                <a:latin typeface="Exo 2 Thin Condensed" panose="00000306000000000000" pitchFamily="50" charset="0"/>
+                <a:latin typeface="Exo 2 Condensed" panose="00000506000000000000" pitchFamily="50" charset="0"/>
               </a:rPr>
               <a:t> </a:t>
             </a:r>
             <a:r>
               <a:rPr lang="it-IT" b="1" dirty="0" err="1">
-                <a:latin typeface="Exo 2 Thin Condensed" panose="00000306000000000000" pitchFamily="50" charset="0"/>
+                <a:latin typeface="Exo 2 Condensed" panose="00000506000000000000" pitchFamily="50" charset="0"/>
               </a:rPr>
               <a:t>implementation</a:t>
             </a:r>
             <a:r>
               <a:rPr lang="it-IT" b="1" dirty="0">
-                <a:latin typeface="Exo 2 Thin Condensed" panose="00000306000000000000" pitchFamily="50" charset="0"/>
+                <a:latin typeface="Exo 2 Condensed" panose="00000506000000000000" pitchFamily="50" charset="0"/>
               </a:rPr>
               <a:t> of </a:t>
             </a:r>
             <a:r>
               <a:rPr lang="it-IT" b="1" dirty="0" err="1">
-                <a:latin typeface="Exo 2 Thin Condensed" panose="00000306000000000000" pitchFamily="50" charset="0"/>
+                <a:latin typeface="Exo 2 Condensed" panose="00000506000000000000" pitchFamily="50" charset="0"/>
               </a:rPr>
               <a:t>Aave</a:t>
             </a:r>
             <a:endParaRPr lang="it-IT" b="1" dirty="0">
-              <a:latin typeface="Exo 2 Thin Condensed" panose="00000306000000000000" pitchFamily="50" charset="0"/>
+              <a:latin typeface="Exo 2 Condensed" panose="00000506000000000000" pitchFamily="50" charset="0"/>
             </a:endParaRPr>
+          </a:p>
+        </p:txBody>
+      </p:sp>
+      <p:sp>
+        <p:nvSpPr>
+          <p:cNvPr id="6" name="Segnaposto numero diapositiva 5">
+            <a:extLst>
+              <a:ext uri="{FF2B5EF4-FFF2-40B4-BE49-F238E27FC236}">
+                <a16:creationId xmlns:a16="http://schemas.microsoft.com/office/drawing/2014/main" id="{7E524965-5655-38CE-CB73-4E20A67B3293}"/>
+              </a:ext>
+            </a:extLst>
+          </p:cNvPr>
+          <p:cNvSpPr>
+            <a:spLocks noGrp="1"/>
+          </p:cNvSpPr>
+          <p:nvPr>
+            <p:ph type="sldNum" sz="quarter" idx="12"/>
+          </p:nvPr>
+        </p:nvSpPr>
+        <p:spPr/>
+        <p:txBody>
+          <a:bodyPr/>
+          <a:lstStyle/>
+          <a:p>
+            <a:fld id="{4004699A-5B17-40B7-9FB2-69AF2109F71D}" type="slidenum">
+              <a:rPr lang="en-GB" smtClean="0"/>
+              <a:t>4</a:t>
+            </a:fld>
+            <a:endParaRPr lang="en-GB"/>
           </a:p>
         </p:txBody>
       </p:sp>
@@ -8308,7 +8774,7 @@
             </a:r>
             <a:r>
               <a:rPr lang="en-GB" sz="1800" dirty="0">
-                <a:latin typeface="Exo 2 Thin Condensed" panose="00000306000000000000" pitchFamily="50" charset="0"/>
+                <a:latin typeface="Exo 2 Condensed" panose="00000506000000000000" pitchFamily="50" charset="0"/>
               </a:rPr>
               <a:t>it represents an amount of crypto-asset deposited as a “security” for loans</a:t>
             </a:r>
@@ -8320,19 +8786,31 @@
             </a:pPr>
             <a:r>
               <a:rPr lang="en-GB" sz="1800" dirty="0">
-                <a:latin typeface="Exo 2 Thin Condensed" panose="00000306000000000000" pitchFamily="50" charset="0"/>
+                <a:latin typeface="Exo 2 Condensed" panose="00000506000000000000" pitchFamily="50" charset="0"/>
               </a:rPr>
               <a:t> loans can be </a:t>
             </a:r>
             <a:r>
               <a:rPr lang="en-GB" sz="1800" dirty="0" err="1">
-                <a:latin typeface="Exo 2 Thin Condensed" panose="00000306000000000000" pitchFamily="50" charset="0"/>
+                <a:latin typeface="Exo 2 Condensed" panose="00000506000000000000" pitchFamily="50" charset="0"/>
               </a:rPr>
               <a:t>under|over-collateralized</a:t>
             </a:r>
             <a:endParaRPr lang="en-GB" sz="1800" dirty="0">
-              <a:latin typeface="Exo 2 Thin Condensed" panose="00000306000000000000" pitchFamily="50" charset="0"/>
+              <a:latin typeface="Exo 2 Condensed" panose="00000506000000000000" pitchFamily="50" charset="0"/>
             </a:endParaRPr>
+          </a:p>
+          <a:p>
+            <a:pPr lvl="3">
+              <a:buFont typeface="Wingdings" panose="05000000000000000000" pitchFamily="2" charset="2"/>
+              <a:buChar char="Ø"/>
+            </a:pPr>
+            <a:r>
+              <a:rPr lang="en-GB" sz="1800" dirty="0">
+                <a:latin typeface="Exo 2 Condensed" panose="00000506000000000000" pitchFamily="50" charset="0"/>
+              </a:rPr>
+              <a:t> liquidation scenario</a:t>
+            </a:r>
           </a:p>
           <a:p>
             <a:pPr lvl="2">
@@ -8341,30 +8819,30 @@
             </a:pPr>
             <a:r>
               <a:rPr lang="en-GB" sz="1800" dirty="0">
-                <a:latin typeface="Exo 2 Thin Condensed" panose="00000306000000000000" pitchFamily="50" charset="0"/>
+                <a:latin typeface="Exo 2 Condensed" panose="00000506000000000000" pitchFamily="50" charset="0"/>
               </a:rPr>
               <a:t> Health Factor = </a:t>
             </a:r>
             <a:r>
               <a:rPr lang="en-GB" sz="1800" dirty="0" err="1">
-                <a:latin typeface="Exo 2 Thin Condensed" panose="00000306000000000000" pitchFamily="50" charset="0"/>
+                <a:latin typeface="Exo 2 Condensed" panose="00000506000000000000" pitchFamily="50" charset="0"/>
               </a:rPr>
               <a:t>UserCollateral</a:t>
             </a:r>
             <a:r>
               <a:rPr lang="en-GB" sz="1800" dirty="0">
-                <a:latin typeface="Exo 2 Thin Condensed" panose="00000306000000000000" pitchFamily="50" charset="0"/>
+                <a:latin typeface="Exo 2 Condensed" panose="00000506000000000000" pitchFamily="50" charset="0"/>
               </a:rPr>
               <a:t>/</a:t>
             </a:r>
             <a:r>
               <a:rPr lang="en-GB" sz="1800" dirty="0" err="1">
-                <a:latin typeface="Exo 2 Thin Condensed" panose="00000306000000000000" pitchFamily="50" charset="0"/>
+                <a:latin typeface="Exo 2 Condensed" panose="00000506000000000000" pitchFamily="50" charset="0"/>
               </a:rPr>
               <a:t>UserBorrows</a:t>
             </a:r>
             <a:endParaRPr lang="en-GB" sz="1800" dirty="0">
-              <a:latin typeface="Exo 2 Thin Condensed" panose="00000306000000000000" pitchFamily="50" charset="0"/>
+              <a:latin typeface="Exo 2 Condensed" panose="00000506000000000000" pitchFamily="50" charset="0"/>
             </a:endParaRPr>
           </a:p>
           <a:p>
@@ -8406,7 +8884,7 @@
               <a:rPr lang="en-GB" sz="2000" dirty="0">
                 <a:latin typeface="Exo 2 Condensed" panose="00000506000000000000" pitchFamily="50" charset="0"/>
               </a:rPr>
-              <a:t> for borrowers:</a:t>
+              <a:t> for borrowers and lenders:</a:t>
             </a:r>
           </a:p>
           <a:p>
@@ -8422,31 +8900,31 @@
             </a:r>
             <a:r>
               <a:rPr lang="en-GB" sz="1800" dirty="0">
-                <a:latin typeface="Exo 2 Thin Condensed" panose="00000306000000000000" pitchFamily="50" charset="0"/>
+                <a:latin typeface="Exo 2 Condensed" panose="00000506000000000000" pitchFamily="50" charset="0"/>
               </a:rPr>
               <a:t>they depends on </a:t>
             </a:r>
             <a:r>
               <a:rPr lang="en-GB" sz="1800" b="1" dirty="0">
-                <a:latin typeface="Exo 2 Thin Condensed" panose="00000306000000000000" pitchFamily="50" charset="0"/>
+                <a:latin typeface="Exo 2 Condensed" panose="00000506000000000000" pitchFamily="50" charset="0"/>
               </a:rPr>
               <a:t>time</a:t>
             </a:r>
             <a:r>
               <a:rPr lang="en-GB" sz="1800" dirty="0">
-                <a:latin typeface="Exo 2 Thin Condensed" panose="00000306000000000000" pitchFamily="50" charset="0"/>
+                <a:latin typeface="Exo 2 Condensed" panose="00000506000000000000" pitchFamily="50" charset="0"/>
               </a:rPr>
               <a:t> and on </a:t>
             </a:r>
             <a:r>
               <a:rPr lang="en-GB" sz="1800" b="1" dirty="0">
-                <a:latin typeface="Exo 2 Thin Condensed" panose="00000306000000000000" pitchFamily="50" charset="0"/>
+                <a:latin typeface="Exo 2 Condensed" panose="00000506000000000000" pitchFamily="50" charset="0"/>
               </a:rPr>
               <a:t>Utilization Rate </a:t>
             </a:r>
             <a:r>
               <a:rPr lang="en-GB" sz="1800" dirty="0">
-                <a:latin typeface="Exo 2 Thin Condensed" panose="00000306000000000000" pitchFamily="50" charset="0"/>
+                <a:latin typeface="Exo 2 Condensed" panose="00000506000000000000" pitchFamily="50" charset="0"/>
               </a:rPr>
               <a:t>of the reserve</a:t>
             </a:r>
@@ -8458,19 +8936,19 @@
             </a:pPr>
             <a:r>
               <a:rPr lang="en-GB" sz="1800" dirty="0">
-                <a:latin typeface="Exo 2 Thin Condensed" panose="00000306000000000000" pitchFamily="50" charset="0"/>
+                <a:latin typeface="Exo 2 Condensed" panose="00000506000000000000" pitchFamily="50" charset="0"/>
               </a:rPr>
               <a:t> If a reserve is </a:t>
             </a:r>
             <a:r>
               <a:rPr lang="en-GB" sz="1800" b="1" dirty="0">
-                <a:latin typeface="Exo 2 Thin Condensed" panose="00000306000000000000" pitchFamily="50" charset="0"/>
+                <a:latin typeface="Exo 2 Condensed" panose="00000506000000000000" pitchFamily="50" charset="0"/>
               </a:rPr>
               <a:t>overused</a:t>
             </a:r>
             <a:r>
               <a:rPr lang="en-GB" sz="1800" dirty="0">
-                <a:latin typeface="Exo 2 Thin Condensed" panose="00000306000000000000" pitchFamily="50" charset="0"/>
+                <a:latin typeface="Exo 2 Condensed" panose="00000506000000000000" pitchFamily="50" charset="0"/>
               </a:rPr>
               <a:t>: high interests must be paid by borrowers, low interests for lenders</a:t>
             </a:r>
@@ -8482,19 +8960,19 @@
             </a:pPr>
             <a:r>
               <a:rPr lang="en-GB" sz="1800" dirty="0">
-                <a:latin typeface="Exo 2 Thin Condensed" panose="00000306000000000000" pitchFamily="50" charset="0"/>
+                <a:latin typeface="Exo 2 Condensed" panose="00000506000000000000" pitchFamily="50" charset="0"/>
               </a:rPr>
               <a:t> If a reserve is </a:t>
             </a:r>
             <a:r>
               <a:rPr lang="en-GB" sz="1800" b="1" dirty="0">
-                <a:latin typeface="Exo 2 Thin Condensed" panose="00000306000000000000" pitchFamily="50" charset="0"/>
+                <a:latin typeface="Exo 2 Condensed" panose="00000506000000000000" pitchFamily="50" charset="0"/>
               </a:rPr>
               <a:t>underused</a:t>
             </a:r>
             <a:r>
               <a:rPr lang="en-GB" sz="1800" dirty="0">
-                <a:latin typeface="Exo 2 Thin Condensed" panose="00000306000000000000" pitchFamily="50" charset="0"/>
+                <a:latin typeface="Exo 2 Condensed" panose="00000506000000000000" pitchFamily="50" charset="0"/>
               </a:rPr>
               <a:t>: low interests must be paid by borrowers, high interests for lenders</a:t>
             </a:r>
@@ -8503,10 +8981,10 @@
       </p:sp>
       <p:sp>
         <p:nvSpPr>
-          <p:cNvPr id="4" name="CasellaDiTesto 3">
+          <p:cNvPr id="5" name="CasellaDiTesto 4">
             <a:extLst>
               <a:ext uri="{FF2B5EF4-FFF2-40B4-BE49-F238E27FC236}">
-                <a16:creationId xmlns:a16="http://schemas.microsoft.com/office/drawing/2014/main" id="{97C0F4CC-7998-CFF8-EE75-E735B5C37244}"/>
+                <a16:creationId xmlns:a16="http://schemas.microsoft.com/office/drawing/2014/main" id="{60134F96-6C8E-6F23-7D36-1CBBDD355E46}"/>
               </a:ext>
             </a:extLst>
           </p:cNvPr>
@@ -8515,7 +8993,7 @@
         </p:nvSpPr>
         <p:spPr>
           <a:xfrm>
-            <a:off x="3837991" y="6457354"/>
+            <a:off x="3837991" y="6466879"/>
             <a:ext cx="4516017" cy="369332"/>
           </a:xfrm>
           <a:prstGeom prst="rect">
@@ -8531,49 +9009,78 @@
           <a:p>
             <a:r>
               <a:rPr lang="it-IT" b="1" dirty="0" err="1">
-                <a:latin typeface="Exo 2 Thin Condensed" panose="00000306000000000000" pitchFamily="50" charset="0"/>
+                <a:latin typeface="Exo 2 Condensed" panose="00000506000000000000" pitchFamily="50" charset="0"/>
               </a:rPr>
               <a:t>ProtoAave</a:t>
             </a:r>
             <a:r>
               <a:rPr lang="it-IT" b="1" dirty="0">
-                <a:latin typeface="Exo 2 Thin Condensed" panose="00000306000000000000" pitchFamily="50" charset="0"/>
+                <a:latin typeface="Exo 2 Condensed" panose="00000506000000000000" pitchFamily="50" charset="0"/>
               </a:rPr>
               <a:t>: a </a:t>
             </a:r>
             <a:r>
               <a:rPr lang="it-IT" b="1" dirty="0" err="1">
-                <a:latin typeface="Exo 2 Thin Condensed" panose="00000306000000000000" pitchFamily="50" charset="0"/>
+                <a:latin typeface="Exo 2 Condensed" panose="00000506000000000000" pitchFamily="50" charset="0"/>
               </a:rPr>
               <a:t>minimal</a:t>
             </a:r>
             <a:r>
               <a:rPr lang="it-IT" b="1" dirty="0">
-                <a:latin typeface="Exo 2 Thin Condensed" panose="00000306000000000000" pitchFamily="50" charset="0"/>
+                <a:latin typeface="Exo 2 Condensed" panose="00000506000000000000" pitchFamily="50" charset="0"/>
               </a:rPr>
               <a:t> </a:t>
             </a:r>
             <a:r>
               <a:rPr lang="it-IT" b="1" dirty="0" err="1">
-                <a:latin typeface="Exo 2 Thin Condensed" panose="00000306000000000000" pitchFamily="50" charset="0"/>
+                <a:latin typeface="Exo 2 Condensed" panose="00000506000000000000" pitchFamily="50" charset="0"/>
               </a:rPr>
               <a:t>implementation</a:t>
             </a:r>
             <a:r>
               <a:rPr lang="it-IT" b="1" dirty="0">
-                <a:latin typeface="Exo 2 Thin Condensed" panose="00000306000000000000" pitchFamily="50" charset="0"/>
+                <a:latin typeface="Exo 2 Condensed" panose="00000506000000000000" pitchFamily="50" charset="0"/>
               </a:rPr>
               <a:t> of </a:t>
             </a:r>
             <a:r>
               <a:rPr lang="it-IT" b="1" dirty="0" err="1">
-                <a:latin typeface="Exo 2 Thin Condensed" panose="00000306000000000000" pitchFamily="50" charset="0"/>
+                <a:latin typeface="Exo 2 Condensed" panose="00000506000000000000" pitchFamily="50" charset="0"/>
               </a:rPr>
               <a:t>Aave</a:t>
             </a:r>
             <a:endParaRPr lang="it-IT" b="1" dirty="0">
-              <a:latin typeface="Exo 2 Thin Condensed" panose="00000306000000000000" pitchFamily="50" charset="0"/>
+              <a:latin typeface="Exo 2 Condensed" panose="00000506000000000000" pitchFamily="50" charset="0"/>
             </a:endParaRPr>
+          </a:p>
+        </p:txBody>
+      </p:sp>
+      <p:sp>
+        <p:nvSpPr>
+          <p:cNvPr id="6" name="Segnaposto numero diapositiva 5">
+            <a:extLst>
+              <a:ext uri="{FF2B5EF4-FFF2-40B4-BE49-F238E27FC236}">
+                <a16:creationId xmlns:a16="http://schemas.microsoft.com/office/drawing/2014/main" id="{9AF12163-65F7-24A9-C56F-A1C09C563B1A}"/>
+              </a:ext>
+            </a:extLst>
+          </p:cNvPr>
+          <p:cNvSpPr>
+            <a:spLocks noGrp="1"/>
+          </p:cNvSpPr>
+          <p:nvPr>
+            <p:ph type="sldNum" sz="quarter" idx="12"/>
+          </p:nvPr>
+        </p:nvSpPr>
+        <p:spPr/>
+        <p:txBody>
+          <a:bodyPr/>
+          <a:lstStyle/>
+          <a:p>
+            <a:fld id="{4004699A-5B17-40B7-9FB2-69AF2109F71D}" type="slidenum">
+              <a:rPr lang="en-GB" smtClean="0"/>
+              <a:t>5</a:t>
+            </a:fld>
+            <a:endParaRPr lang="en-GB"/>
           </a:p>
         </p:txBody>
       </p:sp>
@@ -8715,7 +9222,7 @@
               <a:rPr lang="en-GB" sz="2400" dirty="0">
                 <a:latin typeface="Exo 2 Condensed" panose="00000506000000000000" pitchFamily="50" charset="0"/>
               </a:rPr>
-              <a:t> </a:t>
+              <a:t> (</a:t>
             </a:r>
             <a:r>
               <a:rPr lang="en-GB" sz="2400" dirty="0" err="1">
@@ -8723,6 +9230,18 @@
               </a:rPr>
               <a:t>Metamask</a:t>
             </a:r>
+            <a:r>
+              <a:rPr lang="en-GB" sz="2400" dirty="0">
+                <a:latin typeface="Exo 2 Condensed" panose="00000506000000000000" pitchFamily="50" charset="0"/>
+              </a:rPr>
+              <a:t>)</a:t>
+            </a:r>
+          </a:p>
+          <a:p>
+            <a:pPr>
+              <a:buFont typeface="Wingdings" panose="05000000000000000000" pitchFamily="2" charset="2"/>
+              <a:buChar char="Ø"/>
+            </a:pPr>
             <a:endParaRPr lang="en-GB" sz="2400" dirty="0">
               <a:latin typeface="Exo 2 Condensed" panose="00000506000000000000" pitchFamily="50" charset="0"/>
             </a:endParaRPr>
@@ -8732,15 +9251,6 @@
               <a:buFont typeface="Wingdings" panose="05000000000000000000" pitchFamily="2" charset="2"/>
               <a:buChar char="Ø"/>
             </a:pPr>
-            <a:endParaRPr lang="en-GB" sz="2400" dirty="0">
-              <a:latin typeface="Exo 2 Condensed" panose="00000506000000000000" pitchFamily="50" charset="0"/>
-            </a:endParaRPr>
-          </a:p>
-          <a:p>
-            <a:pPr>
-              <a:buFont typeface="Wingdings" panose="05000000000000000000" pitchFamily="2" charset="2"/>
-              <a:buChar char="Ø"/>
-            </a:pPr>
             <a:r>
               <a:rPr lang="en-GB" sz="2400" dirty="0">
                 <a:latin typeface="Exo 2 Condensed" panose="00000506000000000000" pitchFamily="50" charset="0"/>
@@ -8761,34 +9271,34 @@
             </a:r>
             <a:r>
               <a:rPr lang="en-GB" sz="2200" dirty="0" err="1">
-                <a:latin typeface="Exo 2 Thin Condensed" panose="00000306000000000000" pitchFamily="50" charset="0"/>
+                <a:latin typeface="Exo 2 Condensed" panose="00000506000000000000" pitchFamily="50" charset="0"/>
               </a:rPr>
               <a:t>LendingPool</a:t>
             </a:r>
             <a:r>
               <a:rPr lang="en-GB" sz="2200" dirty="0">
-                <a:latin typeface="Exo 2 Thin Condensed" panose="00000306000000000000" pitchFamily="50" charset="0"/>
+                <a:latin typeface="Exo 2 Condensed" panose="00000506000000000000" pitchFamily="50" charset="0"/>
               </a:rPr>
               <a:t>, ERC20 and its interface, Ownable and the library </a:t>
             </a:r>
             <a:r>
               <a:rPr lang="en-GB" sz="2200" dirty="0" err="1">
-                <a:latin typeface="Exo 2 Thin Condensed" panose="00000306000000000000" pitchFamily="50" charset="0"/>
+                <a:latin typeface="Exo 2 Condensed" panose="00000506000000000000" pitchFamily="50" charset="0"/>
               </a:rPr>
               <a:t>WadRayMath</a:t>
             </a:r>
             <a:endParaRPr lang="en-GB" sz="1600" dirty="0">
-              <a:latin typeface="Exo 2 Thin Condensed" panose="00000306000000000000" pitchFamily="50" charset="0"/>
+              <a:latin typeface="Exo 2 Condensed" panose="00000506000000000000" pitchFamily="50" charset="0"/>
             </a:endParaRPr>
           </a:p>
         </p:txBody>
       </p:sp>
       <p:sp>
         <p:nvSpPr>
-          <p:cNvPr id="4" name="CasellaDiTesto 3">
+          <p:cNvPr id="5" name="CasellaDiTesto 4">
             <a:extLst>
               <a:ext uri="{FF2B5EF4-FFF2-40B4-BE49-F238E27FC236}">
-                <a16:creationId xmlns:a16="http://schemas.microsoft.com/office/drawing/2014/main" id="{F2DAEE18-2E3D-8FE0-FE6E-F0CC20123B45}"/>
+                <a16:creationId xmlns:a16="http://schemas.microsoft.com/office/drawing/2014/main" id="{B0181BC5-F1A5-B406-ADE9-237B39236612}"/>
               </a:ext>
             </a:extLst>
           </p:cNvPr>
@@ -8797,7 +9307,7 @@
         </p:nvSpPr>
         <p:spPr>
           <a:xfrm>
-            <a:off x="3837991" y="6457354"/>
+            <a:off x="3837991" y="6466879"/>
             <a:ext cx="4516017" cy="369332"/>
           </a:xfrm>
           <a:prstGeom prst="rect">
@@ -8813,49 +9323,78 @@
           <a:p>
             <a:r>
               <a:rPr lang="it-IT" b="1" dirty="0" err="1">
-                <a:latin typeface="Exo 2 Thin Condensed" panose="00000306000000000000" pitchFamily="50" charset="0"/>
+                <a:latin typeface="Exo 2 Condensed" panose="00000506000000000000" pitchFamily="50" charset="0"/>
               </a:rPr>
               <a:t>ProtoAave</a:t>
             </a:r>
             <a:r>
               <a:rPr lang="it-IT" b="1" dirty="0">
-                <a:latin typeface="Exo 2 Thin Condensed" panose="00000306000000000000" pitchFamily="50" charset="0"/>
+                <a:latin typeface="Exo 2 Condensed" panose="00000506000000000000" pitchFamily="50" charset="0"/>
               </a:rPr>
               <a:t>: a </a:t>
             </a:r>
             <a:r>
               <a:rPr lang="it-IT" b="1" dirty="0" err="1">
-                <a:latin typeface="Exo 2 Thin Condensed" panose="00000306000000000000" pitchFamily="50" charset="0"/>
+                <a:latin typeface="Exo 2 Condensed" panose="00000506000000000000" pitchFamily="50" charset="0"/>
               </a:rPr>
               <a:t>minimal</a:t>
             </a:r>
             <a:r>
               <a:rPr lang="it-IT" b="1" dirty="0">
-                <a:latin typeface="Exo 2 Thin Condensed" panose="00000306000000000000" pitchFamily="50" charset="0"/>
+                <a:latin typeface="Exo 2 Condensed" panose="00000506000000000000" pitchFamily="50" charset="0"/>
               </a:rPr>
               <a:t> </a:t>
             </a:r>
             <a:r>
               <a:rPr lang="it-IT" b="1" dirty="0" err="1">
-                <a:latin typeface="Exo 2 Thin Condensed" panose="00000306000000000000" pitchFamily="50" charset="0"/>
+                <a:latin typeface="Exo 2 Condensed" panose="00000506000000000000" pitchFamily="50" charset="0"/>
               </a:rPr>
               <a:t>implementation</a:t>
             </a:r>
             <a:r>
               <a:rPr lang="it-IT" b="1" dirty="0">
-                <a:latin typeface="Exo 2 Thin Condensed" panose="00000306000000000000" pitchFamily="50" charset="0"/>
+                <a:latin typeface="Exo 2 Condensed" panose="00000506000000000000" pitchFamily="50" charset="0"/>
               </a:rPr>
               <a:t> of </a:t>
             </a:r>
             <a:r>
               <a:rPr lang="it-IT" b="1" dirty="0" err="1">
-                <a:latin typeface="Exo 2 Thin Condensed" panose="00000306000000000000" pitchFamily="50" charset="0"/>
+                <a:latin typeface="Exo 2 Condensed" panose="00000506000000000000" pitchFamily="50" charset="0"/>
               </a:rPr>
               <a:t>Aave</a:t>
             </a:r>
             <a:endParaRPr lang="it-IT" b="1" dirty="0">
-              <a:latin typeface="Exo 2 Thin Condensed" panose="00000306000000000000" pitchFamily="50" charset="0"/>
+              <a:latin typeface="Exo 2 Condensed" panose="00000506000000000000" pitchFamily="50" charset="0"/>
             </a:endParaRPr>
+          </a:p>
+        </p:txBody>
+      </p:sp>
+      <p:sp>
+        <p:nvSpPr>
+          <p:cNvPr id="6" name="Segnaposto numero diapositiva 5">
+            <a:extLst>
+              <a:ext uri="{FF2B5EF4-FFF2-40B4-BE49-F238E27FC236}">
+                <a16:creationId xmlns:a16="http://schemas.microsoft.com/office/drawing/2014/main" id="{967B9CF3-239A-7755-CF94-039509BF0E0F}"/>
+              </a:ext>
+            </a:extLst>
+          </p:cNvPr>
+          <p:cNvSpPr>
+            <a:spLocks noGrp="1"/>
+          </p:cNvSpPr>
+          <p:nvPr>
+            <p:ph type="sldNum" sz="quarter" idx="12"/>
+          </p:nvPr>
+        </p:nvSpPr>
+        <p:spPr/>
+        <p:txBody>
+          <a:bodyPr/>
+          <a:lstStyle/>
+          <a:p>
+            <a:fld id="{4004699A-5B17-40B7-9FB2-69AF2109F71D}" type="slidenum">
+              <a:rPr lang="en-GB" smtClean="0"/>
+              <a:t>6</a:t>
+            </a:fld>
+            <a:endParaRPr lang="en-GB"/>
           </a:p>
         </p:txBody>
       </p:sp>
@@ -8972,60 +9511,72 @@
               <a:rPr lang="en-GB" dirty="0">
                 <a:latin typeface="Exo 2 Condensed" panose="00000506000000000000" pitchFamily="50" charset="0"/>
               </a:rPr>
-              <a:t> </a:t>
-            </a:r>
-            <a:r>
-              <a:rPr lang="en-GB" dirty="0">
-                <a:latin typeface="Exo 2 Thin Condensed" panose="00000306000000000000" pitchFamily="50" charset="0"/>
-              </a:rPr>
-              <a:t>It focuses on deposit and borrow actions, when they can be executed, how modify the state of the LP and how users’ data change after these actions</a:t>
-            </a:r>
+              <a:t> It focuses on deposit and borrow actions, when they can be executed, how modify the state of the LP and how users’ data change after these actions</a:t>
+            </a:r>
+          </a:p>
+          <a:p>
+            <a:pPr marL="201168" lvl="1" indent="0">
+              <a:buNone/>
+            </a:pPr>
             <a:endParaRPr lang="en-GB" dirty="0">
               <a:latin typeface="Exo 2 Condensed" panose="00000506000000000000" pitchFamily="50" charset="0"/>
             </a:endParaRPr>
           </a:p>
           <a:p>
-            <a:pPr marL="201168" lvl="1" indent="0">
-              <a:buNone/>
+            <a:pPr lvl="1">
+              <a:buFont typeface="Wingdings" panose="05000000000000000000" pitchFamily="2" charset="2"/>
+              <a:buChar char="Ø"/>
             </a:pPr>
             <a:endParaRPr lang="en-GB" dirty="0">
               <a:latin typeface="Exo 2 Condensed" panose="00000506000000000000" pitchFamily="50" charset="0"/>
             </a:endParaRPr>
           </a:p>
           <a:p>
+            <a:pPr>
+              <a:buFont typeface="Wingdings" panose="05000000000000000000" pitchFamily="2" charset="2"/>
+              <a:buChar char="Ø"/>
+            </a:pPr>
+            <a:r>
+              <a:rPr lang="en-GB" dirty="0">
+                <a:latin typeface="Exo 2 Condensed" panose="00000506000000000000" pitchFamily="50" charset="0"/>
+              </a:rPr>
+              <a:t> </a:t>
+            </a:r>
+            <a:r>
+              <a:rPr lang="en-GB" b="1" dirty="0">
+                <a:latin typeface="Exo 2 Condensed" panose="00000506000000000000" pitchFamily="50" charset="0"/>
+              </a:rPr>
+              <a:t>Actors</a:t>
+            </a:r>
+            <a:r>
+              <a:rPr lang="en-GB" dirty="0">
+                <a:latin typeface="Exo 2 Condensed" panose="00000506000000000000" pitchFamily="50" charset="0"/>
+              </a:rPr>
+              <a:t> involved:</a:t>
+            </a:r>
+          </a:p>
+          <a:p>
             <a:pPr lvl="1">
               <a:buFont typeface="Wingdings" panose="05000000000000000000" pitchFamily="2" charset="2"/>
               <a:buChar char="Ø"/>
             </a:pPr>
+            <a:r>
+              <a:rPr lang="en-GB" dirty="0">
+                <a:latin typeface="Exo 2 Condensed" panose="00000506000000000000" pitchFamily="50" charset="0"/>
+              </a:rPr>
+              <a:t> The “Owner” of the Lending Pool: the address that deploys the contract and adds reserves</a:t>
+            </a:r>
+          </a:p>
+          <a:p>
+            <a:pPr lvl="1">
+              <a:buFont typeface="Wingdings" panose="05000000000000000000" pitchFamily="2" charset="2"/>
+              <a:buChar char="Ø"/>
+            </a:pPr>
             <a:endParaRPr lang="en-GB" dirty="0">
               <a:latin typeface="Exo 2 Condensed" panose="00000506000000000000" pitchFamily="50" charset="0"/>
             </a:endParaRPr>
           </a:p>
           <a:p>
-            <a:pPr>
-              <a:buFont typeface="Wingdings" panose="05000000000000000000" pitchFamily="2" charset="2"/>
-              <a:buChar char="Ø"/>
-            </a:pPr>
-            <a:r>
-              <a:rPr lang="en-GB" dirty="0">
-                <a:latin typeface="Exo 2 Condensed" panose="00000506000000000000" pitchFamily="50" charset="0"/>
-              </a:rPr>
-              <a:t> </a:t>
-            </a:r>
-            <a:r>
-              <a:rPr lang="en-GB" b="1" dirty="0">
-                <a:latin typeface="Exo 2 Condensed" panose="00000506000000000000" pitchFamily="50" charset="0"/>
-              </a:rPr>
-              <a:t>Actors</a:t>
-            </a:r>
-            <a:r>
-              <a:rPr lang="en-GB" dirty="0">
-                <a:latin typeface="Exo 2 Condensed" panose="00000506000000000000" pitchFamily="50" charset="0"/>
-              </a:rPr>
-              <a:t> involved:</a:t>
-            </a:r>
-          </a:p>
-          <a:p>
             <a:pPr lvl="1">
               <a:buFont typeface="Wingdings" panose="05000000000000000000" pitchFamily="2" charset="2"/>
               <a:buChar char="Ø"/>
@@ -9034,25 +9585,7 @@
               <a:rPr lang="en-GB" dirty="0">
                 <a:latin typeface="Exo 2 Condensed" panose="00000506000000000000" pitchFamily="50" charset="0"/>
               </a:rPr>
-              <a:t> </a:t>
-            </a:r>
-            <a:r>
-              <a:rPr lang="en-GB" dirty="0">
-                <a:latin typeface="Exo 2 Thin Condensed" panose="00000306000000000000" pitchFamily="50" charset="0"/>
-              </a:rPr>
-              <a:t>The</a:t>
-            </a:r>
-            <a:r>
-              <a:rPr lang="en-GB" dirty="0">
-                <a:latin typeface="Exo 2 Condensed" panose="00000506000000000000" pitchFamily="50" charset="0"/>
-              </a:rPr>
-              <a:t> “Owner” </a:t>
-            </a:r>
-            <a:r>
-              <a:rPr lang="en-GB" dirty="0">
-                <a:latin typeface="Exo 2 Thin Condensed" panose="00000306000000000000" pitchFamily="50" charset="0"/>
-              </a:rPr>
-              <a:t>of the Lending Pool: the address that deploys the contract and adds reserves</a:t>
+              <a:t> Price Oracle: the address set by the owner that can modify tokens’ prices</a:t>
             </a:r>
           </a:p>
           <a:p>
@@ -9073,50 +9606,17 @@
               <a:rPr lang="en-GB" dirty="0">
                 <a:latin typeface="Exo 2 Condensed" panose="00000506000000000000" pitchFamily="50" charset="0"/>
               </a:rPr>
-              <a:t> Price Oracle: </a:t>
-            </a:r>
-            <a:r>
-              <a:rPr lang="en-GB" dirty="0">
-                <a:latin typeface="Exo 2 Thin Condensed" panose="00000306000000000000" pitchFamily="50" charset="0"/>
-              </a:rPr>
-              <a:t>the address set by the owner that can modify tokens’ prices</a:t>
-            </a:r>
-          </a:p>
-          <a:p>
-            <a:pPr lvl="1">
-              <a:buFont typeface="Wingdings" panose="05000000000000000000" pitchFamily="2" charset="2"/>
-              <a:buChar char="Ø"/>
-            </a:pPr>
-            <a:endParaRPr lang="en-GB" dirty="0">
-              <a:latin typeface="Exo 2 Condensed" panose="00000506000000000000" pitchFamily="50" charset="0"/>
-            </a:endParaRPr>
-          </a:p>
-          <a:p>
-            <a:pPr lvl="1">
-              <a:buFont typeface="Wingdings" panose="05000000000000000000" pitchFamily="2" charset="2"/>
-              <a:buChar char="Ø"/>
-            </a:pPr>
-            <a:r>
-              <a:rPr lang="en-GB" dirty="0">
-                <a:latin typeface="Exo 2 Condensed" panose="00000506000000000000" pitchFamily="50" charset="0"/>
-              </a:rPr>
-              <a:t> Users: </a:t>
-            </a:r>
-            <a:r>
-              <a:rPr lang="en-GB" dirty="0">
-                <a:latin typeface="Exo 2 Thin Condensed" panose="00000306000000000000" pitchFamily="50" charset="0"/>
-              </a:rPr>
-              <a:t>borrowers and lenders. They interact with the LP by sending it transactions</a:t>
-            </a:r>
-          </a:p>
-        </p:txBody>
-      </p:sp>
-      <p:sp>
-        <p:nvSpPr>
-          <p:cNvPr id="4" name="CasellaDiTesto 3">
+              <a:t> Users: borrowers and lenders. They interact with the LP by sending it transactions</a:t>
+            </a:r>
+          </a:p>
+        </p:txBody>
+      </p:sp>
+      <p:sp>
+        <p:nvSpPr>
+          <p:cNvPr id="5" name="CasellaDiTesto 4">
             <a:extLst>
               <a:ext uri="{FF2B5EF4-FFF2-40B4-BE49-F238E27FC236}">
-                <a16:creationId xmlns:a16="http://schemas.microsoft.com/office/drawing/2014/main" id="{8B02460C-4BFA-FADE-058E-5C9A26452AA9}"/>
+                <a16:creationId xmlns:a16="http://schemas.microsoft.com/office/drawing/2014/main" id="{04F71CA2-3726-55CE-0BCF-4B0C77559E0B}"/>
               </a:ext>
             </a:extLst>
           </p:cNvPr>
@@ -9125,7 +9625,7 @@
         </p:nvSpPr>
         <p:spPr>
           <a:xfrm>
-            <a:off x="3837991" y="6457354"/>
+            <a:off x="3837991" y="6466879"/>
             <a:ext cx="4516017" cy="369332"/>
           </a:xfrm>
           <a:prstGeom prst="rect">
@@ -9141,49 +9641,78 @@
           <a:p>
             <a:r>
               <a:rPr lang="it-IT" b="1" dirty="0" err="1">
-                <a:latin typeface="Exo 2 Thin Condensed" panose="00000306000000000000" pitchFamily="50" charset="0"/>
+                <a:latin typeface="Exo 2 Condensed" panose="00000506000000000000" pitchFamily="50" charset="0"/>
               </a:rPr>
               <a:t>ProtoAave</a:t>
             </a:r>
             <a:r>
               <a:rPr lang="it-IT" b="1" dirty="0">
-                <a:latin typeface="Exo 2 Thin Condensed" panose="00000306000000000000" pitchFamily="50" charset="0"/>
+                <a:latin typeface="Exo 2 Condensed" panose="00000506000000000000" pitchFamily="50" charset="0"/>
               </a:rPr>
               <a:t>: a </a:t>
             </a:r>
             <a:r>
               <a:rPr lang="it-IT" b="1" dirty="0" err="1">
-                <a:latin typeface="Exo 2 Thin Condensed" panose="00000306000000000000" pitchFamily="50" charset="0"/>
+                <a:latin typeface="Exo 2 Condensed" panose="00000506000000000000" pitchFamily="50" charset="0"/>
               </a:rPr>
               <a:t>minimal</a:t>
             </a:r>
             <a:r>
               <a:rPr lang="it-IT" b="1" dirty="0">
-                <a:latin typeface="Exo 2 Thin Condensed" panose="00000306000000000000" pitchFamily="50" charset="0"/>
+                <a:latin typeface="Exo 2 Condensed" panose="00000506000000000000" pitchFamily="50" charset="0"/>
               </a:rPr>
               <a:t> </a:t>
             </a:r>
             <a:r>
               <a:rPr lang="it-IT" b="1" dirty="0" err="1">
-                <a:latin typeface="Exo 2 Thin Condensed" panose="00000306000000000000" pitchFamily="50" charset="0"/>
+                <a:latin typeface="Exo 2 Condensed" panose="00000506000000000000" pitchFamily="50" charset="0"/>
               </a:rPr>
               <a:t>implementation</a:t>
             </a:r>
             <a:r>
               <a:rPr lang="it-IT" b="1" dirty="0">
-                <a:latin typeface="Exo 2 Thin Condensed" panose="00000306000000000000" pitchFamily="50" charset="0"/>
+                <a:latin typeface="Exo 2 Condensed" panose="00000506000000000000" pitchFamily="50" charset="0"/>
               </a:rPr>
               <a:t> of </a:t>
             </a:r>
             <a:r>
               <a:rPr lang="it-IT" b="1" dirty="0" err="1">
-                <a:latin typeface="Exo 2 Thin Condensed" panose="00000306000000000000" pitchFamily="50" charset="0"/>
+                <a:latin typeface="Exo 2 Condensed" panose="00000506000000000000" pitchFamily="50" charset="0"/>
               </a:rPr>
               <a:t>Aave</a:t>
             </a:r>
             <a:endParaRPr lang="it-IT" b="1" dirty="0">
-              <a:latin typeface="Exo 2 Thin Condensed" panose="00000306000000000000" pitchFamily="50" charset="0"/>
+              <a:latin typeface="Exo 2 Condensed" panose="00000506000000000000" pitchFamily="50" charset="0"/>
             </a:endParaRPr>
+          </a:p>
+        </p:txBody>
+      </p:sp>
+      <p:sp>
+        <p:nvSpPr>
+          <p:cNvPr id="6" name="Segnaposto numero diapositiva 5">
+            <a:extLst>
+              <a:ext uri="{FF2B5EF4-FFF2-40B4-BE49-F238E27FC236}">
+                <a16:creationId xmlns:a16="http://schemas.microsoft.com/office/drawing/2014/main" id="{4A32CD82-05F1-1DC8-33F5-5C204484EC30}"/>
+              </a:ext>
+            </a:extLst>
+          </p:cNvPr>
+          <p:cNvSpPr>
+            <a:spLocks noGrp="1"/>
+          </p:cNvSpPr>
+          <p:nvPr>
+            <p:ph type="sldNum" sz="quarter" idx="12"/>
+          </p:nvPr>
+        </p:nvSpPr>
+        <p:spPr/>
+        <p:txBody>
+          <a:bodyPr/>
+          <a:lstStyle/>
+          <a:p>
+            <a:fld id="{4004699A-5B17-40B7-9FB2-69AF2109F71D}" type="slidenum">
+              <a:rPr lang="en-GB" smtClean="0"/>
+              <a:t>7</a:t>
+            </a:fld>
+            <a:endParaRPr lang="en-GB"/>
           </a:p>
         </p:txBody>
       </p:sp>
@@ -10042,10 +10571,10 @@
       </p:sp>
       <p:sp>
         <p:nvSpPr>
-          <p:cNvPr id="4" name="CasellaDiTesto 3">
+          <p:cNvPr id="5" name="CasellaDiTesto 4">
             <a:extLst>
               <a:ext uri="{FF2B5EF4-FFF2-40B4-BE49-F238E27FC236}">
-                <a16:creationId xmlns:a16="http://schemas.microsoft.com/office/drawing/2014/main" id="{6FCC536C-AED9-E72F-6358-013373DC794A}"/>
+                <a16:creationId xmlns:a16="http://schemas.microsoft.com/office/drawing/2014/main" id="{C652B285-1A37-6A66-1AD5-72AD7CCF4797}"/>
               </a:ext>
             </a:extLst>
           </p:cNvPr>
@@ -10054,7 +10583,7 @@
         </p:nvSpPr>
         <p:spPr>
           <a:xfrm>
-            <a:off x="3837991" y="6457354"/>
+            <a:off x="3837991" y="6466879"/>
             <a:ext cx="4516017" cy="369332"/>
           </a:xfrm>
           <a:prstGeom prst="rect">
@@ -10070,49 +10599,78 @@
           <a:p>
             <a:r>
               <a:rPr lang="it-IT" b="1" dirty="0" err="1">
-                <a:latin typeface="Exo 2 Thin Condensed" panose="00000306000000000000" pitchFamily="50" charset="0"/>
+                <a:latin typeface="Exo 2 Condensed" panose="00000506000000000000" pitchFamily="50" charset="0"/>
               </a:rPr>
               <a:t>ProtoAave</a:t>
             </a:r>
             <a:r>
               <a:rPr lang="it-IT" b="1" dirty="0">
-                <a:latin typeface="Exo 2 Thin Condensed" panose="00000306000000000000" pitchFamily="50" charset="0"/>
+                <a:latin typeface="Exo 2 Condensed" panose="00000506000000000000" pitchFamily="50" charset="0"/>
               </a:rPr>
               <a:t>: a </a:t>
             </a:r>
             <a:r>
               <a:rPr lang="it-IT" b="1" dirty="0" err="1">
-                <a:latin typeface="Exo 2 Thin Condensed" panose="00000306000000000000" pitchFamily="50" charset="0"/>
+                <a:latin typeface="Exo 2 Condensed" panose="00000506000000000000" pitchFamily="50" charset="0"/>
               </a:rPr>
               <a:t>minimal</a:t>
             </a:r>
             <a:r>
               <a:rPr lang="it-IT" b="1" dirty="0">
-                <a:latin typeface="Exo 2 Thin Condensed" panose="00000306000000000000" pitchFamily="50" charset="0"/>
+                <a:latin typeface="Exo 2 Condensed" panose="00000506000000000000" pitchFamily="50" charset="0"/>
               </a:rPr>
               <a:t> </a:t>
             </a:r>
             <a:r>
               <a:rPr lang="it-IT" b="1" dirty="0" err="1">
-                <a:latin typeface="Exo 2 Thin Condensed" panose="00000306000000000000" pitchFamily="50" charset="0"/>
+                <a:latin typeface="Exo 2 Condensed" panose="00000506000000000000" pitchFamily="50" charset="0"/>
               </a:rPr>
               <a:t>implementation</a:t>
             </a:r>
             <a:r>
               <a:rPr lang="it-IT" b="1" dirty="0">
-                <a:latin typeface="Exo 2 Thin Condensed" panose="00000306000000000000" pitchFamily="50" charset="0"/>
+                <a:latin typeface="Exo 2 Condensed" panose="00000506000000000000" pitchFamily="50" charset="0"/>
               </a:rPr>
               <a:t> of </a:t>
             </a:r>
             <a:r>
               <a:rPr lang="it-IT" b="1" dirty="0" err="1">
-                <a:latin typeface="Exo 2 Thin Condensed" panose="00000306000000000000" pitchFamily="50" charset="0"/>
+                <a:latin typeface="Exo 2 Condensed" panose="00000506000000000000" pitchFamily="50" charset="0"/>
               </a:rPr>
               <a:t>Aave</a:t>
             </a:r>
             <a:endParaRPr lang="it-IT" b="1" dirty="0">
-              <a:latin typeface="Exo 2 Thin Condensed" panose="00000306000000000000" pitchFamily="50" charset="0"/>
+              <a:latin typeface="Exo 2 Condensed" panose="00000506000000000000" pitchFamily="50" charset="0"/>
             </a:endParaRPr>
+          </a:p>
+        </p:txBody>
+      </p:sp>
+      <p:sp>
+        <p:nvSpPr>
+          <p:cNvPr id="6" name="Segnaposto numero diapositiva 5">
+            <a:extLst>
+              <a:ext uri="{FF2B5EF4-FFF2-40B4-BE49-F238E27FC236}">
+                <a16:creationId xmlns:a16="http://schemas.microsoft.com/office/drawing/2014/main" id="{BD9181B8-8819-EC56-B243-090BDFAECC76}"/>
+              </a:ext>
+            </a:extLst>
+          </p:cNvPr>
+          <p:cNvSpPr>
+            <a:spLocks noGrp="1"/>
+          </p:cNvSpPr>
+          <p:nvPr>
+            <p:ph type="sldNum" sz="quarter" idx="12"/>
+          </p:nvPr>
+        </p:nvSpPr>
+        <p:spPr/>
+        <p:txBody>
+          <a:bodyPr/>
+          <a:lstStyle/>
+          <a:p>
+            <a:fld id="{4004699A-5B17-40B7-9FB2-69AF2109F71D}" type="slidenum">
+              <a:rPr lang="en-GB" smtClean="0"/>
+              <a:t>8</a:t>
+            </a:fld>
+            <a:endParaRPr lang="en-GB"/>
           </a:p>
         </p:txBody>
       </p:sp>
@@ -10730,10 +11288,10 @@
       </p:sp>
       <p:sp>
         <p:nvSpPr>
-          <p:cNvPr id="4" name="CasellaDiTesto 3">
+          <p:cNvPr id="5" name="CasellaDiTesto 4">
             <a:extLst>
               <a:ext uri="{FF2B5EF4-FFF2-40B4-BE49-F238E27FC236}">
-                <a16:creationId xmlns:a16="http://schemas.microsoft.com/office/drawing/2014/main" id="{83CC29CA-B9A5-49E5-82D5-CC5D5D111458}"/>
+                <a16:creationId xmlns:a16="http://schemas.microsoft.com/office/drawing/2014/main" id="{CF6B6ABC-1DE0-138C-5CEB-AF4D1D991303}"/>
               </a:ext>
             </a:extLst>
           </p:cNvPr>
@@ -10742,7 +11300,7 @@
         </p:nvSpPr>
         <p:spPr>
           <a:xfrm>
-            <a:off x="3837991" y="6457354"/>
+            <a:off x="3837991" y="6466879"/>
             <a:ext cx="4516017" cy="369332"/>
           </a:xfrm>
           <a:prstGeom prst="rect">
@@ -10758,49 +11316,78 @@
           <a:p>
             <a:r>
               <a:rPr lang="it-IT" b="1" dirty="0" err="1">
-                <a:latin typeface="Exo 2 Thin Condensed" panose="00000306000000000000" pitchFamily="50" charset="0"/>
+                <a:latin typeface="Exo 2 Condensed" panose="00000506000000000000" pitchFamily="50" charset="0"/>
               </a:rPr>
               <a:t>ProtoAave</a:t>
             </a:r>
             <a:r>
               <a:rPr lang="it-IT" b="1" dirty="0">
-                <a:latin typeface="Exo 2 Thin Condensed" panose="00000306000000000000" pitchFamily="50" charset="0"/>
+                <a:latin typeface="Exo 2 Condensed" panose="00000506000000000000" pitchFamily="50" charset="0"/>
               </a:rPr>
               <a:t>: a </a:t>
             </a:r>
             <a:r>
               <a:rPr lang="it-IT" b="1" dirty="0" err="1">
-                <a:latin typeface="Exo 2 Thin Condensed" panose="00000306000000000000" pitchFamily="50" charset="0"/>
+                <a:latin typeface="Exo 2 Condensed" panose="00000506000000000000" pitchFamily="50" charset="0"/>
               </a:rPr>
               <a:t>minimal</a:t>
             </a:r>
             <a:r>
               <a:rPr lang="it-IT" b="1" dirty="0">
-                <a:latin typeface="Exo 2 Thin Condensed" panose="00000306000000000000" pitchFamily="50" charset="0"/>
+                <a:latin typeface="Exo 2 Condensed" panose="00000506000000000000" pitchFamily="50" charset="0"/>
               </a:rPr>
               <a:t> </a:t>
             </a:r>
             <a:r>
               <a:rPr lang="it-IT" b="1" dirty="0" err="1">
-                <a:latin typeface="Exo 2 Thin Condensed" panose="00000306000000000000" pitchFamily="50" charset="0"/>
+                <a:latin typeface="Exo 2 Condensed" panose="00000506000000000000" pitchFamily="50" charset="0"/>
               </a:rPr>
               <a:t>implementation</a:t>
             </a:r>
             <a:r>
               <a:rPr lang="it-IT" b="1" dirty="0">
-                <a:latin typeface="Exo 2 Thin Condensed" panose="00000306000000000000" pitchFamily="50" charset="0"/>
+                <a:latin typeface="Exo 2 Condensed" panose="00000506000000000000" pitchFamily="50" charset="0"/>
               </a:rPr>
               <a:t> of </a:t>
             </a:r>
             <a:r>
               <a:rPr lang="it-IT" b="1" dirty="0" err="1">
-                <a:latin typeface="Exo 2 Thin Condensed" panose="00000306000000000000" pitchFamily="50" charset="0"/>
+                <a:latin typeface="Exo 2 Condensed" panose="00000506000000000000" pitchFamily="50" charset="0"/>
               </a:rPr>
               <a:t>Aave</a:t>
             </a:r>
             <a:endParaRPr lang="it-IT" b="1" dirty="0">
-              <a:latin typeface="Exo 2 Thin Condensed" panose="00000306000000000000" pitchFamily="50" charset="0"/>
+              <a:latin typeface="Exo 2 Condensed" panose="00000506000000000000" pitchFamily="50" charset="0"/>
             </a:endParaRPr>
+          </a:p>
+        </p:txBody>
+      </p:sp>
+      <p:sp>
+        <p:nvSpPr>
+          <p:cNvPr id="6" name="Segnaposto numero diapositiva 5">
+            <a:extLst>
+              <a:ext uri="{FF2B5EF4-FFF2-40B4-BE49-F238E27FC236}">
+                <a16:creationId xmlns:a16="http://schemas.microsoft.com/office/drawing/2014/main" id="{4A6D54B7-AE8E-2548-F37C-C7146E6F3ADC}"/>
+              </a:ext>
+            </a:extLst>
+          </p:cNvPr>
+          <p:cNvSpPr>
+            <a:spLocks noGrp="1"/>
+          </p:cNvSpPr>
+          <p:nvPr>
+            <p:ph type="sldNum" sz="quarter" idx="12"/>
+          </p:nvPr>
+        </p:nvSpPr>
+        <p:spPr/>
+        <p:txBody>
+          <a:bodyPr/>
+          <a:lstStyle/>
+          <a:p>
+            <a:fld id="{4004699A-5B17-40B7-9FB2-69AF2109F71D}" type="slidenum">
+              <a:rPr lang="en-GB" smtClean="0"/>
+              <a:t>9</a:t>
+            </a:fld>
+            <a:endParaRPr lang="en-GB"/>
           </a:p>
         </p:txBody>
       </p:sp>
@@ -11393,4 +11980,24 @@
     </a:ext>
   </a:extLst>
 </a:theme>
+</file>
+
+<file path=ppt/webextensions/taskpanes.xml><?xml version="1.0" encoding="utf-8"?>
+<wetp:taskpanes xmlns:wetp="http://schemas.microsoft.com/office/webextensions/taskpanes/2010/11">
+  <wetp:taskpane dockstate="right" visibility="0" width="350" row="0">
+    <wetp:webextensionref xmlns:r="http://schemas.openxmlformats.org/officeDocument/2006/relationships" r:id="rId1"/>
+  </wetp:taskpane>
+</wetp:taskpanes>
+</file>
+
+<file path=ppt/webextensions/webextension1.xml><?xml version="1.0" encoding="utf-8"?>
+<we:webextension xmlns:we="http://schemas.microsoft.com/office/webextensions/webextension/2010/11" id="{A2055474-E2DF-468D-82A9-5906ACDA3357}">
+  <we:reference id="4b785c87-866c-4bad-85d8-5d1ae467ac9a" version="3.5.1.0" store="EXCatalog" storeType="EXCatalog"/>
+  <we:alternateReferences>
+    <we:reference id="WA104381909" version="3.5.1.0" store="it-IT" storeType="OMEX"/>
+  </we:alternateReferences>
+  <we:properties/>
+  <we:bindings/>
+  <we:snapshot xmlns:r="http://schemas.openxmlformats.org/officeDocument/2006/relationships"/>
+</we:webextension>
 </file>
--- a/presentation.pptx
+++ b/presentation.pptx
@@ -212,7 +212,7 @@
           <a:p>
             <a:fld id="{C543CFE1-B4DB-4543-93FA-13ABE5E93B74}" type="datetimeFigureOut">
               <a:rPr lang="en-GB" smtClean="0"/>
-              <a:t>16/03/2023</a:t>
+              <a:t>17/03/2023</a:t>
             </a:fld>
             <a:endParaRPr lang="en-GB"/>
           </a:p>
@@ -706,7 +706,7 @@
           <a:p>
             <a:fld id="{6EDFF47E-6E04-47AF-B188-BDA9F2D90E84}" type="datetime1">
               <a:rPr lang="en-GB" smtClean="0"/>
-              <a:t>16/03/2023</a:t>
+              <a:t>17/03/2023</a:t>
             </a:fld>
             <a:endParaRPr lang="en-GB"/>
           </a:p>
@@ -914,7 +914,7 @@
           <a:p>
             <a:fld id="{31CD0E6D-1768-43D3-A134-15DC0F86A401}" type="datetime1">
               <a:rPr lang="en-GB" smtClean="0"/>
-              <a:t>16/03/2023</a:t>
+              <a:t>17/03/2023</a:t>
             </a:fld>
             <a:endParaRPr lang="en-GB"/>
           </a:p>
@@ -1170,7 +1170,7 @@
           <a:p>
             <a:fld id="{A509CAB6-6580-4B73-A5C4-AEB3B275FB33}" type="datetime1">
               <a:rPr lang="en-GB" smtClean="0"/>
-              <a:t>16/03/2023</a:t>
+              <a:t>17/03/2023</a:t>
             </a:fld>
             <a:endParaRPr lang="en-GB"/>
           </a:p>
@@ -1340,7 +1340,7 @@
           <a:p>
             <a:fld id="{CF975005-264A-4274-98A8-A9A108999B4F}" type="datetime1">
               <a:rPr lang="en-GB" smtClean="0"/>
-              <a:t>16/03/2023</a:t>
+              <a:t>17/03/2023</a:t>
             </a:fld>
             <a:endParaRPr lang="en-GB"/>
           </a:p>
@@ -1683,7 +1683,7 @@
           <a:p>
             <a:fld id="{D9CC8A42-D7ED-44B9-8D3C-19232409ADA9}" type="datetime1">
               <a:rPr lang="en-GB" smtClean="0"/>
-              <a:t>16/03/2023</a:t>
+              <a:t>17/03/2023</a:t>
             </a:fld>
             <a:endParaRPr lang="en-GB"/>
           </a:p>
@@ -1958,7 +1958,7 @@
           <a:p>
             <a:fld id="{5DD48A49-9815-4513-90CC-62F19CAA6D63}" type="datetime1">
               <a:rPr lang="en-GB" smtClean="0"/>
-              <a:t>16/03/2023</a:t>
+              <a:t>17/03/2023</a:t>
             </a:fld>
             <a:endParaRPr lang="en-GB"/>
           </a:p>
@@ -2337,7 +2337,7 @@
           <a:p>
             <a:fld id="{93057C43-9045-49E8-B7A3-71E80566AD06}" type="datetime1">
               <a:rPr lang="en-GB" smtClean="0"/>
-              <a:t>16/03/2023</a:t>
+              <a:t>17/03/2023</a:t>
             </a:fld>
             <a:endParaRPr lang="en-GB"/>
           </a:p>
@@ -2455,7 +2455,7 @@
           <a:p>
             <a:fld id="{54025B13-BF31-46E8-982A-2ED3FCFA48DA}" type="datetime1">
               <a:rPr lang="en-GB" smtClean="0"/>
-              <a:t>16/03/2023</a:t>
+              <a:t>17/03/2023</a:t>
             </a:fld>
             <a:endParaRPr lang="en-GB"/>
           </a:p>
@@ -2626,7 +2626,7 @@
           <a:p>
             <a:fld id="{2590BB9A-9F38-4311-AFD1-18CFBC892021}" type="datetime1">
               <a:rPr lang="en-GB" smtClean="0"/>
-              <a:t>16/03/2023</a:t>
+              <a:t>17/03/2023</a:t>
             </a:fld>
             <a:endParaRPr lang="en-GB"/>
           </a:p>
@@ -2980,7 +2980,7 @@
           <a:p>
             <a:fld id="{2CC61C17-5B2E-4990-ADE8-952260F13B96}" type="datetime1">
               <a:rPr lang="en-GB" smtClean="0"/>
-              <a:t>16/03/2023</a:t>
+              <a:t>17/03/2023</a:t>
             </a:fld>
             <a:endParaRPr lang="en-GB"/>
           </a:p>
@@ -3357,7 +3357,7 @@
           <a:p>
             <a:fld id="{62978B63-641D-4728-8F47-4FB668375423}" type="datetime1">
               <a:rPr lang="en-GB" smtClean="0"/>
-              <a:t>16/03/2023</a:t>
+              <a:t>17/03/2023</a:t>
             </a:fld>
             <a:endParaRPr lang="en-GB"/>
           </a:p>
@@ -3644,7 +3644,7 @@
           <a:p>
             <a:fld id="{3B44AA80-655D-4C03-94DB-39C85CD4544A}" type="datetime1">
               <a:rPr lang="en-GB" smtClean="0"/>
-              <a:t>16/03/2023</a:t>
+              <a:t>17/03/2023</a:t>
             </a:fld>
             <a:endParaRPr lang="en-GB"/>
           </a:p>
@@ -7790,7 +7790,7 @@
               <a:rPr lang="en-GB" b="1" dirty="0">
                 <a:latin typeface="Exo 2 Condensed" panose="00000506000000000000" pitchFamily="50" charset="0"/>
               </a:rPr>
-              <a:t>?</a:t>
+              <a:t>? (borrow, deposit, redeem, liquidations …)</a:t>
             </a:r>
           </a:p>
           <a:p>
@@ -8950,7 +8950,7 @@
               <a:rPr lang="en-GB" sz="1800" dirty="0">
                 <a:latin typeface="Exo 2 Condensed" panose="00000506000000000000" pitchFamily="50" charset="0"/>
               </a:rPr>
-              <a:t>: high interests must be paid by borrowers, low interests for lenders</a:t>
+              <a:t>: high interests must be paid by borrowers, high interests for lenders</a:t>
             </a:r>
           </a:p>
           <a:p>
@@ -8974,7 +8974,7 @@
               <a:rPr lang="en-GB" sz="1800" dirty="0">
                 <a:latin typeface="Exo 2 Condensed" panose="00000506000000000000" pitchFamily="50" charset="0"/>
               </a:rPr>
-              <a:t>: low interests must be paid by borrowers, high interests for lenders</a:t>
+              <a:t>: low interests must be paid by borrowers, low interests for lenders</a:t>
             </a:r>
           </a:p>
         </p:txBody>
@@ -9234,7 +9234,19 @@
               <a:rPr lang="en-GB" sz="2400" dirty="0">
                 <a:latin typeface="Exo 2 Condensed" panose="00000506000000000000" pitchFamily="50" charset="0"/>
               </a:rPr>
-              <a:t>)</a:t>
+              <a:t>) and waffle-</a:t>
+            </a:r>
+            <a:r>
+              <a:rPr lang="en-GB" sz="2400" dirty="0" err="1">
+                <a:latin typeface="Exo 2 Condensed" panose="00000506000000000000" pitchFamily="50" charset="0"/>
+              </a:rPr>
+              <a:t>ethereum</a:t>
+            </a:r>
+            <a:r>
+              <a:rPr lang="en-GB" sz="2400" dirty="0">
+                <a:latin typeface="Exo 2 Condensed" panose="00000506000000000000" pitchFamily="50" charset="0"/>
+              </a:rPr>
+              <a:t> library for testing</a:t>
             </a:r>
           </a:p>
           <a:p>

--- a/presentation.pptx
+++ b/presentation.pptx
@@ -212,7 +212,7 @@
           <a:p>
             <a:fld id="{C543CFE1-B4DB-4543-93FA-13ABE5E93B74}" type="datetimeFigureOut">
               <a:rPr lang="en-GB" smtClean="0"/>
-              <a:t>17/03/2023</a:t>
+              <a:t>18/03/2023</a:t>
             </a:fld>
             <a:endParaRPr lang="en-GB"/>
           </a:p>
@@ -706,7 +706,7 @@
           <a:p>
             <a:fld id="{6EDFF47E-6E04-47AF-B188-BDA9F2D90E84}" type="datetime1">
               <a:rPr lang="en-GB" smtClean="0"/>
-              <a:t>17/03/2023</a:t>
+              <a:t>18/03/2023</a:t>
             </a:fld>
             <a:endParaRPr lang="en-GB"/>
           </a:p>
@@ -914,7 +914,7 @@
           <a:p>
             <a:fld id="{31CD0E6D-1768-43D3-A134-15DC0F86A401}" type="datetime1">
               <a:rPr lang="en-GB" smtClean="0"/>
-              <a:t>17/03/2023</a:t>
+              <a:t>18/03/2023</a:t>
             </a:fld>
             <a:endParaRPr lang="en-GB"/>
           </a:p>
@@ -1170,7 +1170,7 @@
           <a:p>
             <a:fld id="{A509CAB6-6580-4B73-A5C4-AEB3B275FB33}" type="datetime1">
               <a:rPr lang="en-GB" smtClean="0"/>
-              <a:t>17/03/2023</a:t>
+              <a:t>18/03/2023</a:t>
             </a:fld>
             <a:endParaRPr lang="en-GB"/>
           </a:p>
@@ -1340,7 +1340,7 @@
           <a:p>
             <a:fld id="{CF975005-264A-4274-98A8-A9A108999B4F}" type="datetime1">
               <a:rPr lang="en-GB" smtClean="0"/>
-              <a:t>17/03/2023</a:t>
+              <a:t>18/03/2023</a:t>
             </a:fld>
             <a:endParaRPr lang="en-GB"/>
           </a:p>
@@ -1683,7 +1683,7 @@
           <a:p>
             <a:fld id="{D9CC8A42-D7ED-44B9-8D3C-19232409ADA9}" type="datetime1">
               <a:rPr lang="en-GB" smtClean="0"/>
-              <a:t>17/03/2023</a:t>
+              <a:t>18/03/2023</a:t>
             </a:fld>
             <a:endParaRPr lang="en-GB"/>
           </a:p>
@@ -1958,7 +1958,7 @@
           <a:p>
             <a:fld id="{5DD48A49-9815-4513-90CC-62F19CAA6D63}" type="datetime1">
               <a:rPr lang="en-GB" smtClean="0"/>
-              <a:t>17/03/2023</a:t>
+              <a:t>18/03/2023</a:t>
             </a:fld>
             <a:endParaRPr lang="en-GB"/>
           </a:p>
@@ -2337,7 +2337,7 @@
           <a:p>
             <a:fld id="{93057C43-9045-49E8-B7A3-71E80566AD06}" type="datetime1">
               <a:rPr lang="en-GB" smtClean="0"/>
-              <a:t>17/03/2023</a:t>
+              <a:t>18/03/2023</a:t>
             </a:fld>
             <a:endParaRPr lang="en-GB"/>
           </a:p>
@@ -2455,7 +2455,7 @@
           <a:p>
             <a:fld id="{54025B13-BF31-46E8-982A-2ED3FCFA48DA}" type="datetime1">
               <a:rPr lang="en-GB" smtClean="0"/>
-              <a:t>17/03/2023</a:t>
+              <a:t>18/03/2023</a:t>
             </a:fld>
             <a:endParaRPr lang="en-GB"/>
           </a:p>
@@ -2626,7 +2626,7 @@
           <a:p>
             <a:fld id="{2590BB9A-9F38-4311-AFD1-18CFBC892021}" type="datetime1">
               <a:rPr lang="en-GB" smtClean="0"/>
-              <a:t>17/03/2023</a:t>
+              <a:t>18/03/2023</a:t>
             </a:fld>
             <a:endParaRPr lang="en-GB"/>
           </a:p>
@@ -2980,7 +2980,7 @@
           <a:p>
             <a:fld id="{2CC61C17-5B2E-4990-ADE8-952260F13B96}" type="datetime1">
               <a:rPr lang="en-GB" smtClean="0"/>
-              <a:t>17/03/2023</a:t>
+              <a:t>18/03/2023</a:t>
             </a:fld>
             <a:endParaRPr lang="en-GB"/>
           </a:p>
@@ -3357,7 +3357,7 @@
           <a:p>
             <a:fld id="{62978B63-641D-4728-8F47-4FB668375423}" type="datetime1">
               <a:rPr lang="en-GB" smtClean="0"/>
-              <a:t>17/03/2023</a:t>
+              <a:t>18/03/2023</a:t>
             </a:fld>
             <a:endParaRPr lang="en-GB"/>
           </a:p>
@@ -3644,7 +3644,7 @@
           <a:p>
             <a:fld id="{3B44AA80-655D-4C03-94DB-39C85CD4544A}" type="datetime1">
               <a:rPr lang="en-GB" smtClean="0"/>
-              <a:t>17/03/2023</a:t>
+              <a:t>18/03/2023</a:t>
             </a:fld>
             <a:endParaRPr lang="en-GB"/>
           </a:p>
@@ -4616,7 +4616,10 @@
               <a:rPr lang="en-GB" smtClean="0"/>
               <a:t>1</a:t>
             </a:fld>
-            <a:endParaRPr lang="en-GB"/>
+            <a:r>
+              <a:rPr lang="en-GB" dirty="0"/>
+              <a:t>/16</a:t>
+            </a:r>
           </a:p>
         </p:txBody>
       </p:sp>
@@ -4968,7 +4971,10 @@
               <a:rPr lang="en-GB" smtClean="0"/>
               <a:t>10</a:t>
             </a:fld>
-            <a:endParaRPr lang="en-GB"/>
+            <a:r>
+              <a:rPr lang="en-GB" dirty="0"/>
+              <a:t>/16</a:t>
+            </a:r>
           </a:p>
         </p:txBody>
       </p:sp>
@@ -6032,7 +6038,10 @@
               <a:rPr lang="en-GB" smtClean="0"/>
               <a:t>11</a:t>
             </a:fld>
-            <a:endParaRPr lang="en-GB"/>
+            <a:r>
+              <a:rPr lang="en-GB" dirty="0"/>
+              <a:t>/16</a:t>
+            </a:r>
           </a:p>
         </p:txBody>
       </p:sp>
@@ -6145,7 +6154,19 @@
               <a:rPr lang="en-GB" sz="2200" dirty="0">
                 <a:latin typeface="Exo 2 Condensed" panose="00000506000000000000" pitchFamily="50" charset="0"/>
               </a:rPr>
-              <a:t> typescript language</a:t>
+              <a:t> </a:t>
+            </a:r>
+            <a:r>
+              <a:rPr lang="en-GB" sz="2200" b="1" dirty="0">
+                <a:latin typeface="Exo 2 Condensed" panose="00000506000000000000" pitchFamily="50" charset="0"/>
+              </a:rPr>
+              <a:t>typescript</a:t>
+            </a:r>
+            <a:r>
+              <a:rPr lang="en-GB" sz="2200" dirty="0">
+                <a:latin typeface="Exo 2 Condensed" panose="00000506000000000000" pitchFamily="50" charset="0"/>
+              </a:rPr>
+              <a:t> language</a:t>
             </a:r>
           </a:p>
           <a:p>
@@ -6308,7 +6329,10 @@
               <a:rPr lang="en-GB" smtClean="0"/>
               <a:t>12</a:t>
             </a:fld>
-            <a:endParaRPr lang="en-GB"/>
+            <a:r>
+              <a:rPr lang="en-GB" dirty="0"/>
+              <a:t>/16</a:t>
+            </a:r>
           </a:p>
         </p:txBody>
       </p:sp>
@@ -6714,7 +6738,10 @@
               <a:rPr lang="en-GB" smtClean="0"/>
               <a:t>13</a:t>
             </a:fld>
-            <a:endParaRPr lang="en-GB"/>
+            <a:r>
+              <a:rPr lang="en-GB" dirty="0"/>
+              <a:t>/16</a:t>
+            </a:r>
           </a:p>
         </p:txBody>
       </p:sp>
@@ -7030,7 +7057,10 @@
               <a:rPr lang="en-GB" smtClean="0"/>
               <a:t>14</a:t>
             </a:fld>
-            <a:endParaRPr lang="en-GB"/>
+            <a:r>
+              <a:rPr lang="en-GB" dirty="0"/>
+              <a:t>/16</a:t>
+            </a:r>
           </a:p>
         </p:txBody>
       </p:sp>
@@ -7402,7 +7432,10 @@
               <a:rPr lang="en-GB" smtClean="0"/>
               <a:t>15</a:t>
             </a:fld>
-            <a:endParaRPr lang="en-GB"/>
+            <a:r>
+              <a:rPr lang="en-GB" dirty="0"/>
+              <a:t>/16</a:t>
+            </a:r>
           </a:p>
         </p:txBody>
       </p:sp>
@@ -7685,7 +7718,10 @@
               <a:rPr lang="en-GB" smtClean="0"/>
               <a:t>16</a:t>
             </a:fld>
-            <a:endParaRPr lang="en-GB"/>
+            <a:r>
+              <a:rPr lang="en-GB" dirty="0"/>
+              <a:t>/16</a:t>
+            </a:r>
           </a:p>
         </p:txBody>
       </p:sp>
@@ -7982,7 +8018,12 @@
             <p:ph type="sldNum" sz="quarter" idx="12"/>
           </p:nvPr>
         </p:nvSpPr>
-        <p:spPr/>
+        <p:spPr>
+          <a:xfrm>
+            <a:off x="9900458" y="6459785"/>
+            <a:ext cx="1312025" cy="365125"/>
+          </a:xfrm>
+        </p:spPr>
         <p:txBody>
           <a:bodyPr/>
           <a:lstStyle/>
@@ -7991,7 +8032,10 @@
               <a:rPr lang="en-GB" smtClean="0"/>
               <a:t>2</a:t>
             </a:fld>
-            <a:endParaRPr lang="en-GB"/>
+            <a:r>
+              <a:rPr lang="en-GB" dirty="0"/>
+              <a:t>/16</a:t>
+            </a:r>
           </a:p>
         </p:txBody>
       </p:sp>
@@ -8307,7 +8351,10 @@
               <a:rPr lang="en-GB" smtClean="0"/>
               <a:t>3</a:t>
             </a:fld>
-            <a:endParaRPr lang="en-GB"/>
+            <a:r>
+              <a:rPr lang="en-GB" dirty="0"/>
+              <a:t>/16</a:t>
+            </a:r>
           </a:p>
         </p:txBody>
       </p:sp>
@@ -8631,7 +8678,10 @@
               <a:rPr lang="en-GB" smtClean="0"/>
               <a:t>4</a:t>
             </a:fld>
-            <a:endParaRPr lang="en-GB"/>
+            <a:r>
+              <a:rPr lang="en-GB" dirty="0"/>
+              <a:t>/16</a:t>
+            </a:r>
           </a:p>
         </p:txBody>
       </p:sp>
@@ -9080,7 +9130,10 @@
               <a:rPr lang="en-GB" smtClean="0"/>
               <a:t>5</a:t>
             </a:fld>
-            <a:endParaRPr lang="en-GB"/>
+            <a:r>
+              <a:rPr lang="en-GB" dirty="0"/>
+              <a:t>/16</a:t>
+            </a:r>
           </a:p>
         </p:txBody>
       </p:sp>
@@ -9406,7 +9459,10 @@
               <a:rPr lang="en-GB" smtClean="0"/>
               <a:t>6</a:t>
             </a:fld>
-            <a:endParaRPr lang="en-GB"/>
+            <a:r>
+              <a:rPr lang="en-GB" dirty="0"/>
+              <a:t>/16</a:t>
+            </a:r>
           </a:p>
         </p:txBody>
       </p:sp>
@@ -9724,7 +9780,10 @@
               <a:rPr lang="en-GB" smtClean="0"/>
               <a:t>7</a:t>
             </a:fld>
-            <a:endParaRPr lang="en-GB"/>
+            <a:r>
+              <a:rPr lang="en-GB" dirty="0"/>
+              <a:t>/16</a:t>
+            </a:r>
           </a:p>
         </p:txBody>
       </p:sp>
@@ -10682,7 +10741,10 @@
               <a:rPr lang="en-GB" smtClean="0"/>
               <a:t>8</a:t>
             </a:fld>
-            <a:endParaRPr lang="en-GB"/>
+            <a:r>
+              <a:rPr lang="en-GB" dirty="0"/>
+              <a:t>/16</a:t>
+            </a:r>
           </a:p>
         </p:txBody>
       </p:sp>
@@ -10941,7 +11003,31 @@
                 <a:ea typeface="Times New Roman" panose="02020603050405020304" pitchFamily="18" charset="0"/>
                 <a:cs typeface="Courier New" panose="02070309020205020404" pitchFamily="49" charset="0"/>
               </a:rPr>
-              <a:t>	require(amount &gt; 0)</a:t>
+              <a:t>	require(</a:t>
+            </a:r>
+            <a:r>
+              <a:rPr lang="en-GB" sz="1800" dirty="0" err="1">
+                <a:solidFill>
+                  <a:srgbClr val="24292F"/>
+                </a:solidFill>
+                <a:effectLst/>
+                <a:latin typeface="Consolas" panose="020B0609020204030204" pitchFamily="49" charset="0"/>
+                <a:ea typeface="Times New Roman" panose="02020603050405020304" pitchFamily="18" charset="0"/>
+                <a:cs typeface="Courier New" panose="02070309020205020404" pitchFamily="49" charset="0"/>
+              </a:rPr>
+              <a:t>amountToDeposit</a:t>
+            </a:r>
+            <a:r>
+              <a:rPr lang="en-GB" sz="1800" dirty="0">
+                <a:solidFill>
+                  <a:srgbClr val="24292F"/>
+                </a:solidFill>
+                <a:effectLst/>
+                <a:latin typeface="Consolas" panose="020B0609020204030204" pitchFamily="49" charset="0"/>
+                <a:ea typeface="Times New Roman" panose="02020603050405020304" pitchFamily="18" charset="0"/>
+                <a:cs typeface="Courier New" panose="02070309020205020404" pitchFamily="49" charset="0"/>
+              </a:rPr>
+              <a:t> &gt; 0)</a:t>
             </a:r>
             <a:endParaRPr lang="it-IT" sz="1800" dirty="0">
               <a:effectLst/>
@@ -11057,7 +11143,31 @@
                 <a:ea typeface="Times New Roman" panose="02020603050405020304" pitchFamily="18" charset="0"/>
                 <a:cs typeface="Courier New" panose="02070309020205020404" pitchFamily="49" charset="0"/>
               </a:rPr>
-              <a:t>	Transfer the amount to Lending Pool</a:t>
+              <a:t>	Transfer the </a:t>
+            </a:r>
+            <a:r>
+              <a:rPr lang="en-GB" sz="1800" dirty="0" err="1">
+                <a:solidFill>
+                  <a:srgbClr val="24292F"/>
+                </a:solidFill>
+                <a:effectLst/>
+                <a:latin typeface="Consolas" panose="020B0609020204030204" pitchFamily="49" charset="0"/>
+                <a:ea typeface="Times New Roman" panose="02020603050405020304" pitchFamily="18" charset="0"/>
+                <a:cs typeface="Courier New" panose="02070309020205020404" pitchFamily="49" charset="0"/>
+              </a:rPr>
+              <a:t>amountToDeposit</a:t>
+            </a:r>
+            <a:r>
+              <a:rPr lang="en-GB" sz="1800" dirty="0">
+                <a:solidFill>
+                  <a:srgbClr val="24292F"/>
+                </a:solidFill>
+                <a:effectLst/>
+                <a:latin typeface="Consolas" panose="020B0609020204030204" pitchFamily="49" charset="0"/>
+                <a:ea typeface="Times New Roman" panose="02020603050405020304" pitchFamily="18" charset="0"/>
+                <a:cs typeface="Courier New" panose="02070309020205020404" pitchFamily="49" charset="0"/>
+              </a:rPr>
+              <a:t> to Lending Pool</a:t>
             </a:r>
             <a:endParaRPr lang="it-IT" sz="1800" dirty="0">
               <a:effectLst/>
@@ -11399,7 +11509,10 @@
               <a:rPr lang="en-GB" smtClean="0"/>
               <a:t>9</a:t>
             </a:fld>
-            <a:endParaRPr lang="en-GB"/>
+            <a:r>
+              <a:rPr lang="en-GB" dirty="0"/>
+              <a:t>/16</a:t>
+            </a:r>
           </a:p>
         </p:txBody>
       </p:sp>

--- a/presentation.pptx
+++ b/presentation.pptx
@@ -13,12 +13,12 @@
     <p:sldId id="258" r:id="rId4"/>
     <p:sldId id="263" r:id="rId5"/>
     <p:sldId id="264" r:id="rId6"/>
-    <p:sldId id="265" r:id="rId7"/>
-    <p:sldId id="259" r:id="rId8"/>
-    <p:sldId id="266" r:id="rId9"/>
-    <p:sldId id="267" r:id="rId10"/>
-    <p:sldId id="272" r:id="rId11"/>
-    <p:sldId id="260" r:id="rId12"/>
+    <p:sldId id="259" r:id="rId7"/>
+    <p:sldId id="266" r:id="rId8"/>
+    <p:sldId id="267" r:id="rId9"/>
+    <p:sldId id="272" r:id="rId10"/>
+    <p:sldId id="260" r:id="rId11"/>
+    <p:sldId id="265" r:id="rId12"/>
     <p:sldId id="268" r:id="rId13"/>
     <p:sldId id="269" r:id="rId14"/>
     <p:sldId id="270" r:id="rId15"/>
@@ -212,7 +212,7 @@
           <a:p>
             <a:fld id="{C543CFE1-B4DB-4543-93FA-13ABE5E93B74}" type="datetimeFigureOut">
               <a:rPr lang="en-GB" smtClean="0"/>
-              <a:t>18/03/2023</a:t>
+              <a:t>21/03/2023</a:t>
             </a:fld>
             <a:endParaRPr lang="en-GB"/>
           </a:p>
@@ -706,7 +706,7 @@
           <a:p>
             <a:fld id="{6EDFF47E-6E04-47AF-B188-BDA9F2D90E84}" type="datetime1">
               <a:rPr lang="en-GB" smtClean="0"/>
-              <a:t>18/03/2023</a:t>
+              <a:t>21/03/2023</a:t>
             </a:fld>
             <a:endParaRPr lang="en-GB"/>
           </a:p>
@@ -914,7 +914,7 @@
           <a:p>
             <a:fld id="{31CD0E6D-1768-43D3-A134-15DC0F86A401}" type="datetime1">
               <a:rPr lang="en-GB" smtClean="0"/>
-              <a:t>18/03/2023</a:t>
+              <a:t>21/03/2023</a:t>
             </a:fld>
             <a:endParaRPr lang="en-GB"/>
           </a:p>
@@ -1170,7 +1170,7 @@
           <a:p>
             <a:fld id="{A509CAB6-6580-4B73-A5C4-AEB3B275FB33}" type="datetime1">
               <a:rPr lang="en-GB" smtClean="0"/>
-              <a:t>18/03/2023</a:t>
+              <a:t>21/03/2023</a:t>
             </a:fld>
             <a:endParaRPr lang="en-GB"/>
           </a:p>
@@ -1340,7 +1340,7 @@
           <a:p>
             <a:fld id="{CF975005-264A-4274-98A8-A9A108999B4F}" type="datetime1">
               <a:rPr lang="en-GB" smtClean="0"/>
-              <a:t>18/03/2023</a:t>
+              <a:t>21/03/2023</a:t>
             </a:fld>
             <a:endParaRPr lang="en-GB"/>
           </a:p>
@@ -1683,7 +1683,7 @@
           <a:p>
             <a:fld id="{D9CC8A42-D7ED-44B9-8D3C-19232409ADA9}" type="datetime1">
               <a:rPr lang="en-GB" smtClean="0"/>
-              <a:t>18/03/2023</a:t>
+              <a:t>21/03/2023</a:t>
             </a:fld>
             <a:endParaRPr lang="en-GB"/>
           </a:p>
@@ -1958,7 +1958,7 @@
           <a:p>
             <a:fld id="{5DD48A49-9815-4513-90CC-62F19CAA6D63}" type="datetime1">
               <a:rPr lang="en-GB" smtClean="0"/>
-              <a:t>18/03/2023</a:t>
+              <a:t>21/03/2023</a:t>
             </a:fld>
             <a:endParaRPr lang="en-GB"/>
           </a:p>
@@ -2337,7 +2337,7 @@
           <a:p>
             <a:fld id="{93057C43-9045-49E8-B7A3-71E80566AD06}" type="datetime1">
               <a:rPr lang="en-GB" smtClean="0"/>
-              <a:t>18/03/2023</a:t>
+              <a:t>21/03/2023</a:t>
             </a:fld>
             <a:endParaRPr lang="en-GB"/>
           </a:p>
@@ -2455,7 +2455,7 @@
           <a:p>
             <a:fld id="{54025B13-BF31-46E8-982A-2ED3FCFA48DA}" type="datetime1">
               <a:rPr lang="en-GB" smtClean="0"/>
-              <a:t>18/03/2023</a:t>
+              <a:t>21/03/2023</a:t>
             </a:fld>
             <a:endParaRPr lang="en-GB"/>
           </a:p>
@@ -2626,7 +2626,7 @@
           <a:p>
             <a:fld id="{2590BB9A-9F38-4311-AFD1-18CFBC892021}" type="datetime1">
               <a:rPr lang="en-GB" smtClean="0"/>
-              <a:t>18/03/2023</a:t>
+              <a:t>21/03/2023</a:t>
             </a:fld>
             <a:endParaRPr lang="en-GB"/>
           </a:p>
@@ -2980,7 +2980,7 @@
           <a:p>
             <a:fld id="{2CC61C17-5B2E-4990-ADE8-952260F13B96}" type="datetime1">
               <a:rPr lang="en-GB" smtClean="0"/>
-              <a:t>18/03/2023</a:t>
+              <a:t>21/03/2023</a:t>
             </a:fld>
             <a:endParaRPr lang="en-GB"/>
           </a:p>
@@ -3357,7 +3357,7 @@
           <a:p>
             <a:fld id="{62978B63-641D-4728-8F47-4FB668375423}" type="datetime1">
               <a:rPr lang="en-GB" smtClean="0"/>
-              <a:t>18/03/2023</a:t>
+              <a:t>21/03/2023</a:t>
             </a:fld>
             <a:endParaRPr lang="en-GB"/>
           </a:p>
@@ -3644,7 +3644,7 @@
           <a:p>
             <a:fld id="{3B44AA80-655D-4C03-94DB-39C85CD4544A}" type="datetime1">
               <a:rPr lang="en-GB" smtClean="0"/>
-              <a:t>18/03/2023</a:t>
+              <a:t>21/03/2023</a:t>
             </a:fld>
             <a:endParaRPr lang="en-GB"/>
           </a:p>
@@ -4637,361 +4637,6 @@
 </file>
 
 <file path=ppt/slides/slide10.xml><?xml version="1.0" encoding="utf-8"?>
-<p:sld xmlns:a="http://schemas.openxmlformats.org/drawingml/2006/main" xmlns:r="http://schemas.openxmlformats.org/officeDocument/2006/relationships" xmlns:p="http://schemas.openxmlformats.org/presentationml/2006/main">
-  <p:cSld>
-    <p:spTree>
-      <p:nvGrpSpPr>
-        <p:cNvPr id="1" name=""/>
-        <p:cNvGrpSpPr/>
-        <p:nvPr/>
-      </p:nvGrpSpPr>
-      <p:grpSpPr>
-        <a:xfrm>
-          <a:off x="0" y="0"/>
-          <a:ext cx="0" cy="0"/>
-          <a:chOff x="0" y="0"/>
-          <a:chExt cx="0" cy="0"/>
-        </a:xfrm>
-      </p:grpSpPr>
-      <p:sp>
-        <p:nvSpPr>
-          <p:cNvPr id="2" name="Titolo 1">
-            <a:extLst>
-              <a:ext uri="{FF2B5EF4-FFF2-40B4-BE49-F238E27FC236}">
-                <a16:creationId xmlns:a16="http://schemas.microsoft.com/office/drawing/2014/main" id="{F145D48D-9040-C2A2-7E2A-5467BC6A405A}"/>
-              </a:ext>
-            </a:extLst>
-          </p:cNvPr>
-          <p:cNvSpPr>
-            <a:spLocks noGrp="1"/>
-          </p:cNvSpPr>
-          <p:nvPr>
-            <p:ph type="title"/>
-          </p:nvPr>
-        </p:nvSpPr>
-        <p:spPr/>
-        <p:txBody>
-          <a:bodyPr/>
-          <a:lstStyle/>
-          <a:p>
-            <a:r>
-              <a:rPr lang="en-GB" dirty="0" err="1">
-                <a:latin typeface="Exo 2 Condensed" panose="00000506000000000000" pitchFamily="50" charset="0"/>
-              </a:rPr>
-              <a:t>ProtoAave</a:t>
-            </a:r>
-            <a:r>
-              <a:rPr lang="en-GB" dirty="0">
-                <a:latin typeface="Exo 2 Condensed" panose="00000506000000000000" pitchFamily="50" charset="0"/>
-              </a:rPr>
-              <a:t>: other important functions</a:t>
-            </a:r>
-          </a:p>
-        </p:txBody>
-      </p:sp>
-      <p:sp>
-        <p:nvSpPr>
-          <p:cNvPr id="3" name="Segnaposto contenuto 2">
-            <a:extLst>
-              <a:ext uri="{FF2B5EF4-FFF2-40B4-BE49-F238E27FC236}">
-                <a16:creationId xmlns:a16="http://schemas.microsoft.com/office/drawing/2014/main" id="{CFA7FCF4-BD64-86AD-B458-D9DC756DEE0E}"/>
-              </a:ext>
-            </a:extLst>
-          </p:cNvPr>
-          <p:cNvSpPr>
-            <a:spLocks noGrp="1"/>
-          </p:cNvSpPr>
-          <p:nvPr>
-            <p:ph idx="1"/>
-          </p:nvPr>
-        </p:nvSpPr>
-        <p:spPr>
-          <a:xfrm>
-            <a:off x="1097280" y="1845734"/>
-            <a:ext cx="10058400" cy="4611620"/>
-          </a:xfrm>
-        </p:spPr>
-        <p:txBody>
-          <a:bodyPr/>
-          <a:lstStyle/>
-          <a:p>
-            <a:pPr>
-              <a:buFont typeface="Wingdings" panose="05000000000000000000" pitchFamily="2" charset="2"/>
-              <a:buChar char="Ø"/>
-            </a:pPr>
-            <a:r>
-              <a:rPr lang="en-GB" dirty="0">
-                <a:latin typeface="Exo 2 Condensed" panose="00000506000000000000" pitchFamily="50" charset="0"/>
-              </a:rPr>
-              <a:t> User data</a:t>
-            </a:r>
-          </a:p>
-          <a:p>
-            <a:pPr lvl="1">
-              <a:buFont typeface="Wingdings" panose="05000000000000000000" pitchFamily="2" charset="2"/>
-              <a:buChar char="Ø"/>
-            </a:pPr>
-            <a:r>
-              <a:rPr lang="en-GB" dirty="0">
-                <a:latin typeface="Exo 2 Condensed" panose="00000506000000000000" pitchFamily="50" charset="0"/>
-              </a:rPr>
-              <a:t> total liquidity, total collateral, total borrows and health factor</a:t>
-            </a:r>
-          </a:p>
-          <a:p>
-            <a:pPr>
-              <a:buFont typeface="Wingdings" panose="05000000000000000000" pitchFamily="2" charset="2"/>
-              <a:buChar char="Ø"/>
-            </a:pPr>
-            <a:endParaRPr lang="en-GB" dirty="0">
-              <a:latin typeface="Exo 2 Condensed" panose="00000506000000000000" pitchFamily="50" charset="0"/>
-            </a:endParaRPr>
-          </a:p>
-          <a:p>
-            <a:pPr>
-              <a:buFont typeface="Wingdings" panose="05000000000000000000" pitchFamily="2" charset="2"/>
-              <a:buChar char="Ø"/>
-            </a:pPr>
-            <a:r>
-              <a:rPr lang="en-GB" dirty="0">
-                <a:latin typeface="Exo 2 Condensed" panose="00000506000000000000" pitchFamily="50" charset="0"/>
-              </a:rPr>
-              <a:t> Computing interests</a:t>
-            </a:r>
-          </a:p>
-          <a:p>
-            <a:pPr lvl="1">
-              <a:buFont typeface="Wingdings" panose="05000000000000000000" pitchFamily="2" charset="2"/>
-              <a:buChar char="Ø"/>
-            </a:pPr>
-            <a:r>
-              <a:rPr lang="en-GB" dirty="0">
-                <a:latin typeface="Exo 2 Condensed" panose="00000506000000000000" pitchFamily="50" charset="0"/>
-              </a:rPr>
-              <a:t> depends on time and on the utilization of the reserve</a:t>
-            </a:r>
-          </a:p>
-          <a:p>
-            <a:pPr>
-              <a:buFont typeface="Wingdings" panose="05000000000000000000" pitchFamily="2" charset="2"/>
-              <a:buChar char="Ø"/>
-            </a:pPr>
-            <a:endParaRPr lang="en-GB" dirty="0">
-              <a:latin typeface="Exo 2 Condensed" panose="00000506000000000000" pitchFamily="50" charset="0"/>
-            </a:endParaRPr>
-          </a:p>
-          <a:p>
-            <a:pPr marL="0" indent="0">
-              <a:buNone/>
-            </a:pPr>
-            <a:endParaRPr lang="en-GB" dirty="0">
-              <a:latin typeface="Exo 2 Condensed" panose="00000506000000000000" pitchFamily="50" charset="0"/>
-            </a:endParaRPr>
-          </a:p>
-          <a:p>
-            <a:pPr>
-              <a:buFont typeface="Wingdings" panose="05000000000000000000" pitchFamily="2" charset="2"/>
-              <a:buChar char="Ø"/>
-            </a:pPr>
-            <a:r>
-              <a:rPr lang="en-GB" dirty="0">
-                <a:latin typeface="Exo 2 Condensed" panose="00000506000000000000" pitchFamily="50" charset="0"/>
-              </a:rPr>
-              <a:t> Collateral needed to cover a borrow position</a:t>
-            </a:r>
-          </a:p>
-          <a:p>
-            <a:pPr>
-              <a:buFont typeface="Wingdings" panose="05000000000000000000" pitchFamily="2" charset="2"/>
-              <a:buChar char="Ø"/>
-            </a:pPr>
-            <a:endParaRPr lang="en-GB" dirty="0">
-              <a:latin typeface="Exo 2 Condensed" panose="00000506000000000000" pitchFamily="50" charset="0"/>
-            </a:endParaRPr>
-          </a:p>
-          <a:p>
-            <a:pPr>
-              <a:buFont typeface="Wingdings" panose="05000000000000000000" pitchFamily="2" charset="2"/>
-              <a:buChar char="Ø"/>
-            </a:pPr>
-            <a:r>
-              <a:rPr lang="en-GB" dirty="0">
-                <a:latin typeface="Exo 2 Condensed" panose="00000506000000000000" pitchFamily="50" charset="0"/>
-              </a:rPr>
-              <a:t> Say if a user can set a reserve as collateral or not (HF)</a:t>
-            </a:r>
-          </a:p>
-        </p:txBody>
-      </p:sp>
-      <p:pic>
-        <p:nvPicPr>
-          <p:cNvPr id="1026" name="Picture 2" descr="Gauntlet extending support for Interest Rate Curves - Governance - Aave">
-            <a:extLst>
-              <a:ext uri="{FF2B5EF4-FFF2-40B4-BE49-F238E27FC236}">
-                <a16:creationId xmlns:a16="http://schemas.microsoft.com/office/drawing/2014/main" id="{B2071B45-359A-9687-3E17-A4D26A3E0F22}"/>
-              </a:ext>
-            </a:extLst>
-          </p:cNvPr>
-          <p:cNvPicPr>
-            <a:picLocks noChangeAspect="1" noChangeArrowheads="1"/>
-          </p:cNvPicPr>
-          <p:nvPr/>
-        </p:nvPicPr>
-        <p:blipFill>
-          <a:blip r:embed="rId2">
-            <a:extLst>
-              <a:ext uri="{28A0092B-C50C-407E-A947-70E740481C1C}">
-                <a14:useLocalDpi xmlns:a14="http://schemas.microsoft.com/office/drawing/2010/main" val="0"/>
-              </a:ext>
-            </a:extLst>
-          </a:blip>
-          <a:srcRect/>
-          <a:stretch>
-            <a:fillRect/>
-          </a:stretch>
-        </p:blipFill>
-        <p:spPr bwMode="auto">
-          <a:xfrm>
-            <a:off x="6755130" y="2692982"/>
-            <a:ext cx="4163927" cy="2328863"/>
-          </a:xfrm>
-          <a:prstGeom prst="rect">
-            <a:avLst/>
-          </a:prstGeom>
-          <a:noFill/>
-          <a:extLst>
-            <a:ext uri="{909E8E84-426E-40DD-AFC4-6F175D3DCCD1}">
-              <a14:hiddenFill xmlns:a14="http://schemas.microsoft.com/office/drawing/2010/main">
-                <a:solidFill>
-                  <a:srgbClr val="FFFFFF"/>
-                </a:solidFill>
-              </a14:hiddenFill>
-            </a:ext>
-          </a:extLst>
-        </p:spPr>
-      </p:pic>
-      <p:sp>
-        <p:nvSpPr>
-          <p:cNvPr id="5" name="CasellaDiTesto 4">
-            <a:extLst>
-              <a:ext uri="{FF2B5EF4-FFF2-40B4-BE49-F238E27FC236}">
-                <a16:creationId xmlns:a16="http://schemas.microsoft.com/office/drawing/2014/main" id="{3942D6EB-3653-2A4A-5FFA-F419F1791128}"/>
-              </a:ext>
-            </a:extLst>
-          </p:cNvPr>
-          <p:cNvSpPr txBox="1"/>
-          <p:nvPr/>
-        </p:nvSpPr>
-        <p:spPr>
-          <a:xfrm>
-            <a:off x="3837991" y="6466879"/>
-            <a:ext cx="4516017" cy="369332"/>
-          </a:xfrm>
-          <a:prstGeom prst="rect">
-            <a:avLst/>
-          </a:prstGeom>
-          <a:noFill/>
-        </p:spPr>
-        <p:txBody>
-          <a:bodyPr wrap="square" rtlCol="0">
-            <a:spAutoFit/>
-          </a:bodyPr>
-          <a:lstStyle/>
-          <a:p>
-            <a:r>
-              <a:rPr lang="it-IT" b="1" dirty="0" err="1">
-                <a:latin typeface="Exo 2 Condensed" panose="00000506000000000000" pitchFamily="50" charset="0"/>
-              </a:rPr>
-              <a:t>ProtoAave</a:t>
-            </a:r>
-            <a:r>
-              <a:rPr lang="it-IT" b="1" dirty="0">
-                <a:latin typeface="Exo 2 Condensed" panose="00000506000000000000" pitchFamily="50" charset="0"/>
-              </a:rPr>
-              <a:t>: a </a:t>
-            </a:r>
-            <a:r>
-              <a:rPr lang="it-IT" b="1" dirty="0" err="1">
-                <a:latin typeface="Exo 2 Condensed" panose="00000506000000000000" pitchFamily="50" charset="0"/>
-              </a:rPr>
-              <a:t>minimal</a:t>
-            </a:r>
-            <a:r>
-              <a:rPr lang="it-IT" b="1" dirty="0">
-                <a:latin typeface="Exo 2 Condensed" panose="00000506000000000000" pitchFamily="50" charset="0"/>
-              </a:rPr>
-              <a:t> </a:t>
-            </a:r>
-            <a:r>
-              <a:rPr lang="it-IT" b="1" dirty="0" err="1">
-                <a:latin typeface="Exo 2 Condensed" panose="00000506000000000000" pitchFamily="50" charset="0"/>
-              </a:rPr>
-              <a:t>implementation</a:t>
-            </a:r>
-            <a:r>
-              <a:rPr lang="it-IT" b="1" dirty="0">
-                <a:latin typeface="Exo 2 Condensed" panose="00000506000000000000" pitchFamily="50" charset="0"/>
-              </a:rPr>
-              <a:t> of </a:t>
-            </a:r>
-            <a:r>
-              <a:rPr lang="it-IT" b="1" dirty="0" err="1">
-                <a:latin typeface="Exo 2 Condensed" panose="00000506000000000000" pitchFamily="50" charset="0"/>
-              </a:rPr>
-              <a:t>Aave</a:t>
-            </a:r>
-            <a:endParaRPr lang="it-IT" b="1" dirty="0">
-              <a:latin typeface="Exo 2 Condensed" panose="00000506000000000000" pitchFamily="50" charset="0"/>
-            </a:endParaRPr>
-          </a:p>
-        </p:txBody>
-      </p:sp>
-      <p:sp>
-        <p:nvSpPr>
-          <p:cNvPr id="6" name="Segnaposto numero diapositiva 5">
-            <a:extLst>
-              <a:ext uri="{FF2B5EF4-FFF2-40B4-BE49-F238E27FC236}">
-                <a16:creationId xmlns:a16="http://schemas.microsoft.com/office/drawing/2014/main" id="{45001D67-7400-8664-4432-9A9E05C590CB}"/>
-              </a:ext>
-            </a:extLst>
-          </p:cNvPr>
-          <p:cNvSpPr>
-            <a:spLocks noGrp="1"/>
-          </p:cNvSpPr>
-          <p:nvPr>
-            <p:ph type="sldNum" sz="quarter" idx="12"/>
-          </p:nvPr>
-        </p:nvSpPr>
-        <p:spPr/>
-        <p:txBody>
-          <a:bodyPr/>
-          <a:lstStyle/>
-          <a:p>
-            <a:fld id="{4004699A-5B17-40B7-9FB2-69AF2109F71D}" type="slidenum">
-              <a:rPr lang="en-GB" smtClean="0"/>
-              <a:t>10</a:t>
-            </a:fld>
-            <a:r>
-              <a:rPr lang="en-GB" dirty="0"/>
-              <a:t>/16</a:t>
-            </a:r>
-          </a:p>
-        </p:txBody>
-      </p:sp>
-    </p:spTree>
-    <p:extLst>
-      <p:ext uri="{BB962C8B-B14F-4D97-AF65-F5344CB8AC3E}">
-        <p14:creationId xmlns:p14="http://schemas.microsoft.com/office/powerpoint/2010/main" val="1818109427"/>
-      </p:ext>
-    </p:extLst>
-  </p:cSld>
-  <p:clrMapOvr>
-    <a:masterClrMapping/>
-  </p:clrMapOvr>
-</p:sld>
-</file>
-
-<file path=ppt/slides/slide11.xml><?xml version="1.0" encoding="utf-8"?>
 <p:sld xmlns:a="http://schemas.openxmlformats.org/drawingml/2006/main" xmlns:r="http://schemas.openxmlformats.org/officeDocument/2006/relationships" xmlns:p="http://schemas.openxmlformats.org/presentationml/2006/main">
   <p:cSld>
     <p:spTree>
@@ -6036,7 +5681,7 @@
           <a:p>
             <a:fld id="{4004699A-5B17-40B7-9FB2-69AF2109F71D}" type="slidenum">
               <a:rPr lang="en-GB" smtClean="0"/>
-              <a:t>11</a:t>
+              <a:t>10</a:t>
             </a:fld>
             <a:r>
               <a:rPr lang="en-GB" dirty="0"/>
@@ -6049,6 +5694,335 @@
     <p:extLst>
       <p:ext uri="{BB962C8B-B14F-4D97-AF65-F5344CB8AC3E}">
         <p14:creationId xmlns:p14="http://schemas.microsoft.com/office/powerpoint/2010/main" val="141753364"/>
+      </p:ext>
+    </p:extLst>
+  </p:cSld>
+  <p:clrMapOvr>
+    <a:masterClrMapping/>
+  </p:clrMapOvr>
+</p:sld>
+</file>
+
+<file path=ppt/slides/slide11.xml><?xml version="1.0" encoding="utf-8"?>
+<p:sld xmlns:a="http://schemas.openxmlformats.org/drawingml/2006/main" xmlns:r="http://schemas.openxmlformats.org/officeDocument/2006/relationships" xmlns:p="http://schemas.openxmlformats.org/presentationml/2006/main">
+  <p:cSld>
+    <p:spTree>
+      <p:nvGrpSpPr>
+        <p:cNvPr id="1" name=""/>
+        <p:cNvGrpSpPr/>
+        <p:nvPr/>
+      </p:nvGrpSpPr>
+      <p:grpSpPr>
+        <a:xfrm>
+          <a:off x="0" y="0"/>
+          <a:ext cx="0" cy="0"/>
+          <a:chOff x="0" y="0"/>
+          <a:chExt cx="0" cy="0"/>
+        </a:xfrm>
+      </p:grpSpPr>
+      <p:sp>
+        <p:nvSpPr>
+          <p:cNvPr id="2" name="Titolo 1">
+            <a:extLst>
+              <a:ext uri="{FF2B5EF4-FFF2-40B4-BE49-F238E27FC236}">
+                <a16:creationId xmlns:a16="http://schemas.microsoft.com/office/drawing/2014/main" id="{93D68246-8129-AFC5-D7F2-5714BD024BFE}"/>
+              </a:ext>
+            </a:extLst>
+          </p:cNvPr>
+          <p:cNvSpPr>
+            <a:spLocks noGrp="1"/>
+          </p:cNvSpPr>
+          <p:nvPr>
+            <p:ph type="title"/>
+          </p:nvPr>
+        </p:nvSpPr>
+        <p:spPr/>
+        <p:txBody>
+          <a:bodyPr/>
+          <a:lstStyle/>
+          <a:p>
+            <a:r>
+              <a:rPr lang="en-GB" dirty="0">
+                <a:latin typeface="Exo 2 Condensed" panose="00000506000000000000" pitchFamily="50" charset="0"/>
+              </a:rPr>
+              <a:t>Tools used</a:t>
+            </a:r>
+          </a:p>
+        </p:txBody>
+      </p:sp>
+      <p:sp>
+        <p:nvSpPr>
+          <p:cNvPr id="3" name="Segnaposto contenuto 2">
+            <a:extLst>
+              <a:ext uri="{FF2B5EF4-FFF2-40B4-BE49-F238E27FC236}">
+                <a16:creationId xmlns:a16="http://schemas.microsoft.com/office/drawing/2014/main" id="{7F9F13F6-8496-E23A-015B-EAF5F39AC147}"/>
+              </a:ext>
+            </a:extLst>
+          </p:cNvPr>
+          <p:cNvSpPr>
+            <a:spLocks noGrp="1"/>
+          </p:cNvSpPr>
+          <p:nvPr>
+            <p:ph idx="1"/>
+          </p:nvPr>
+        </p:nvSpPr>
+        <p:spPr>
+          <a:xfrm>
+            <a:off x="1097280" y="1845734"/>
+            <a:ext cx="10058400" cy="4521510"/>
+          </a:xfrm>
+        </p:spPr>
+        <p:txBody>
+          <a:bodyPr>
+            <a:normAutofit/>
+          </a:bodyPr>
+          <a:lstStyle/>
+          <a:p>
+            <a:pPr>
+              <a:buFont typeface="Wingdings" panose="05000000000000000000" pitchFamily="2" charset="2"/>
+              <a:buChar char="Ø"/>
+            </a:pPr>
+            <a:r>
+              <a:rPr lang="en-GB" sz="2400" dirty="0">
+                <a:latin typeface="Exo 2 Condensed" panose="00000506000000000000" pitchFamily="50" charset="0"/>
+              </a:rPr>
+              <a:t> Solidity language</a:t>
+            </a:r>
+          </a:p>
+          <a:p>
+            <a:pPr>
+              <a:buFont typeface="Wingdings" panose="05000000000000000000" pitchFamily="2" charset="2"/>
+              <a:buChar char="Ø"/>
+            </a:pPr>
+            <a:endParaRPr lang="en-GB" sz="2400" dirty="0">
+              <a:latin typeface="Exo 2 Condensed" panose="00000506000000000000" pitchFamily="50" charset="0"/>
+            </a:endParaRPr>
+          </a:p>
+          <a:p>
+            <a:pPr>
+              <a:buFont typeface="Wingdings" panose="05000000000000000000" pitchFamily="2" charset="2"/>
+              <a:buChar char="Ø"/>
+            </a:pPr>
+            <a:r>
+              <a:rPr lang="en-GB" sz="2400" dirty="0">
+                <a:latin typeface="Exo 2 Condensed" panose="00000506000000000000" pitchFamily="50" charset="0"/>
+              </a:rPr>
+              <a:t> Remix IDE</a:t>
+            </a:r>
+          </a:p>
+          <a:p>
+            <a:pPr>
+              <a:buFont typeface="Wingdings" panose="05000000000000000000" pitchFamily="2" charset="2"/>
+              <a:buChar char="Ø"/>
+            </a:pPr>
+            <a:endParaRPr lang="en-GB" sz="2400" dirty="0">
+              <a:latin typeface="Exo 2 Condensed" panose="00000506000000000000" pitchFamily="50" charset="0"/>
+            </a:endParaRPr>
+          </a:p>
+          <a:p>
+            <a:pPr>
+              <a:buFont typeface="Wingdings" panose="05000000000000000000" pitchFamily="2" charset="2"/>
+              <a:buChar char="Ø"/>
+            </a:pPr>
+            <a:r>
+              <a:rPr lang="en-GB" sz="2400" dirty="0">
+                <a:latin typeface="Exo 2 Condensed" panose="00000506000000000000" pitchFamily="50" charset="0"/>
+              </a:rPr>
+              <a:t> (</a:t>
+            </a:r>
+            <a:r>
+              <a:rPr lang="en-GB" sz="2400" dirty="0" err="1">
+                <a:latin typeface="Exo 2 Condensed" panose="00000506000000000000" pitchFamily="50" charset="0"/>
+              </a:rPr>
+              <a:t>Metamask</a:t>
+            </a:r>
+            <a:r>
+              <a:rPr lang="en-GB" sz="2400" dirty="0">
+                <a:latin typeface="Exo 2 Condensed" panose="00000506000000000000" pitchFamily="50" charset="0"/>
+              </a:rPr>
+              <a:t>) and waffle-</a:t>
+            </a:r>
+            <a:r>
+              <a:rPr lang="en-GB" sz="2400" dirty="0" err="1">
+                <a:latin typeface="Exo 2 Condensed" panose="00000506000000000000" pitchFamily="50" charset="0"/>
+              </a:rPr>
+              <a:t>ethereum</a:t>
+            </a:r>
+            <a:r>
+              <a:rPr lang="en-GB" sz="2400" dirty="0">
+                <a:latin typeface="Exo 2 Condensed" panose="00000506000000000000" pitchFamily="50" charset="0"/>
+              </a:rPr>
+              <a:t> library for testing</a:t>
+            </a:r>
+          </a:p>
+          <a:p>
+            <a:pPr>
+              <a:buFont typeface="Wingdings" panose="05000000000000000000" pitchFamily="2" charset="2"/>
+              <a:buChar char="Ø"/>
+            </a:pPr>
+            <a:endParaRPr lang="en-GB" sz="2400" dirty="0">
+              <a:latin typeface="Exo 2 Condensed" panose="00000506000000000000" pitchFamily="50" charset="0"/>
+            </a:endParaRPr>
+          </a:p>
+          <a:p>
+            <a:pPr>
+              <a:buFont typeface="Wingdings" panose="05000000000000000000" pitchFamily="2" charset="2"/>
+              <a:buChar char="Ø"/>
+            </a:pPr>
+            <a:r>
+              <a:rPr lang="en-GB" sz="2400" dirty="0">
+                <a:latin typeface="Exo 2 Condensed" panose="00000506000000000000" pitchFamily="50" charset="0"/>
+              </a:rPr>
+              <a:t> 4 smart contracts: </a:t>
+            </a:r>
+          </a:p>
+          <a:p>
+            <a:pPr lvl="1">
+              <a:buFont typeface="Wingdings" panose="05000000000000000000" pitchFamily="2" charset="2"/>
+              <a:buChar char="Ø"/>
+            </a:pPr>
+            <a:r>
+              <a:rPr lang="en-GB" sz="2200" dirty="0">
+                <a:latin typeface="Exo 2 Condensed" panose="00000506000000000000" pitchFamily="50" charset="0"/>
+              </a:rPr>
+              <a:t> </a:t>
+            </a:r>
+            <a:r>
+              <a:rPr lang="en-GB" sz="2200" dirty="0" err="1">
+                <a:latin typeface="Exo 2 Condensed" panose="00000506000000000000" pitchFamily="50" charset="0"/>
+              </a:rPr>
+              <a:t>LendingPool</a:t>
+            </a:r>
+            <a:r>
+              <a:rPr lang="en-GB" sz="2200" dirty="0">
+                <a:latin typeface="Exo 2 Condensed" panose="00000506000000000000" pitchFamily="50" charset="0"/>
+              </a:rPr>
+              <a:t>, ERC20 and its interface, Ownable and the library </a:t>
+            </a:r>
+            <a:r>
+              <a:rPr lang="en-GB" sz="2200" dirty="0" err="1">
+                <a:latin typeface="Exo 2 Condensed" panose="00000506000000000000" pitchFamily="50" charset="0"/>
+              </a:rPr>
+              <a:t>WadRayMath</a:t>
+            </a:r>
+            <a:endParaRPr lang="en-GB" sz="1600" dirty="0">
+              <a:latin typeface="Exo 2 Condensed" panose="00000506000000000000" pitchFamily="50" charset="0"/>
+            </a:endParaRPr>
+          </a:p>
+        </p:txBody>
+      </p:sp>
+      <p:sp>
+        <p:nvSpPr>
+          <p:cNvPr id="5" name="CasellaDiTesto 4">
+            <a:extLst>
+              <a:ext uri="{FF2B5EF4-FFF2-40B4-BE49-F238E27FC236}">
+                <a16:creationId xmlns:a16="http://schemas.microsoft.com/office/drawing/2014/main" id="{B0181BC5-F1A5-B406-ADE9-237B39236612}"/>
+              </a:ext>
+            </a:extLst>
+          </p:cNvPr>
+          <p:cNvSpPr txBox="1"/>
+          <p:nvPr/>
+        </p:nvSpPr>
+        <p:spPr>
+          <a:xfrm>
+            <a:off x="3837991" y="6466879"/>
+            <a:ext cx="4516017" cy="369332"/>
+          </a:xfrm>
+          <a:prstGeom prst="rect">
+            <a:avLst/>
+          </a:prstGeom>
+          <a:noFill/>
+        </p:spPr>
+        <p:txBody>
+          <a:bodyPr wrap="square" rtlCol="0">
+            <a:spAutoFit/>
+          </a:bodyPr>
+          <a:lstStyle/>
+          <a:p>
+            <a:r>
+              <a:rPr lang="it-IT" b="1" dirty="0" err="1">
+                <a:latin typeface="Exo 2 Condensed" panose="00000506000000000000" pitchFamily="50" charset="0"/>
+              </a:rPr>
+              <a:t>ProtoAave</a:t>
+            </a:r>
+            <a:r>
+              <a:rPr lang="it-IT" b="1" dirty="0">
+                <a:latin typeface="Exo 2 Condensed" panose="00000506000000000000" pitchFamily="50" charset="0"/>
+              </a:rPr>
+              <a:t>: a </a:t>
+            </a:r>
+            <a:r>
+              <a:rPr lang="it-IT" b="1" dirty="0" err="1">
+                <a:latin typeface="Exo 2 Condensed" panose="00000506000000000000" pitchFamily="50" charset="0"/>
+              </a:rPr>
+              <a:t>minimal</a:t>
+            </a:r>
+            <a:r>
+              <a:rPr lang="it-IT" b="1" dirty="0">
+                <a:latin typeface="Exo 2 Condensed" panose="00000506000000000000" pitchFamily="50" charset="0"/>
+              </a:rPr>
+              <a:t> </a:t>
+            </a:r>
+            <a:r>
+              <a:rPr lang="it-IT" b="1" dirty="0" err="1">
+                <a:latin typeface="Exo 2 Condensed" panose="00000506000000000000" pitchFamily="50" charset="0"/>
+              </a:rPr>
+              <a:t>implementation</a:t>
+            </a:r>
+            <a:r>
+              <a:rPr lang="it-IT" b="1" dirty="0">
+                <a:latin typeface="Exo 2 Condensed" panose="00000506000000000000" pitchFamily="50" charset="0"/>
+              </a:rPr>
+              <a:t> of </a:t>
+            </a:r>
+            <a:r>
+              <a:rPr lang="it-IT" b="1" dirty="0" err="1">
+                <a:latin typeface="Exo 2 Condensed" panose="00000506000000000000" pitchFamily="50" charset="0"/>
+              </a:rPr>
+              <a:t>Aave</a:t>
+            </a:r>
+            <a:endParaRPr lang="it-IT" b="1" dirty="0">
+              <a:latin typeface="Exo 2 Condensed" panose="00000506000000000000" pitchFamily="50" charset="0"/>
+            </a:endParaRPr>
+          </a:p>
+        </p:txBody>
+      </p:sp>
+      <p:sp>
+        <p:nvSpPr>
+          <p:cNvPr id="6" name="Segnaposto numero diapositiva 5">
+            <a:extLst>
+              <a:ext uri="{FF2B5EF4-FFF2-40B4-BE49-F238E27FC236}">
+                <a16:creationId xmlns:a16="http://schemas.microsoft.com/office/drawing/2014/main" id="{967B9CF3-239A-7755-CF94-039509BF0E0F}"/>
+              </a:ext>
+            </a:extLst>
+          </p:cNvPr>
+          <p:cNvSpPr>
+            <a:spLocks noGrp="1"/>
+          </p:cNvSpPr>
+          <p:nvPr>
+            <p:ph type="sldNum" sz="quarter" idx="12"/>
+          </p:nvPr>
+        </p:nvSpPr>
+        <p:spPr/>
+        <p:txBody>
+          <a:bodyPr/>
+          <a:lstStyle/>
+          <a:p>
+            <a:fld id="{4004699A-5B17-40B7-9FB2-69AF2109F71D}" type="slidenum">
+              <a:rPr lang="en-GB" smtClean="0"/>
+              <a:t>11</a:t>
+            </a:fld>
+            <a:r>
+              <a:rPr lang="en-GB" dirty="0"/>
+              <a:t>/16</a:t>
+            </a:r>
+          </a:p>
+        </p:txBody>
+      </p:sp>
+    </p:spTree>
+    <p:extLst>
+      <p:ext uri="{BB962C8B-B14F-4D97-AF65-F5344CB8AC3E}">
+        <p14:creationId xmlns:p14="http://schemas.microsoft.com/office/powerpoint/2010/main" val="343093207"/>
       </p:ext>
     </p:extLst>
   </p:cSld>
@@ -8979,54 +8953,6 @@
               <a:t>of the reserve</a:t>
             </a:r>
           </a:p>
-          <a:p>
-            <a:pPr lvl="3">
-              <a:buFont typeface="Wingdings" panose="05000000000000000000" pitchFamily="2" charset="2"/>
-              <a:buChar char="Ø"/>
-            </a:pPr>
-            <a:r>
-              <a:rPr lang="en-GB" sz="1800" dirty="0">
-                <a:latin typeface="Exo 2 Condensed" panose="00000506000000000000" pitchFamily="50" charset="0"/>
-              </a:rPr>
-              <a:t> If a reserve is </a:t>
-            </a:r>
-            <a:r>
-              <a:rPr lang="en-GB" sz="1800" b="1" dirty="0">
-                <a:latin typeface="Exo 2 Condensed" panose="00000506000000000000" pitchFamily="50" charset="0"/>
-              </a:rPr>
-              <a:t>overused</a:t>
-            </a:r>
-            <a:r>
-              <a:rPr lang="en-GB" sz="1800" dirty="0">
-                <a:latin typeface="Exo 2 Condensed" panose="00000506000000000000" pitchFamily="50" charset="0"/>
-              </a:rPr>
-              <a:t>: high interests must be paid by borrowers, high interests for lenders</a:t>
-            </a:r>
-          </a:p>
-          <a:p>
-            <a:pPr lvl="3">
-              <a:buFont typeface="Wingdings" panose="05000000000000000000" pitchFamily="2" charset="2"/>
-              <a:buChar char="Ø"/>
-            </a:pPr>
-            <a:r>
-              <a:rPr lang="en-GB" sz="1800" dirty="0">
-                <a:latin typeface="Exo 2 Condensed" panose="00000506000000000000" pitchFamily="50" charset="0"/>
-              </a:rPr>
-              <a:t> If a reserve is </a:t>
-            </a:r>
-            <a:r>
-              <a:rPr lang="en-GB" sz="1800" b="1" dirty="0">
-                <a:latin typeface="Exo 2 Condensed" panose="00000506000000000000" pitchFamily="50" charset="0"/>
-              </a:rPr>
-              <a:t>underused</a:t>
-            </a:r>
-            <a:r>
-              <a:rPr lang="en-GB" sz="1800" dirty="0">
-                <a:latin typeface="Exo 2 Condensed" panose="00000506000000000000" pitchFamily="50" charset="0"/>
-              </a:rPr>
-              <a:t>: low interests must be paid by borrowers, low interests for lenders</a:t>
-            </a:r>
-          </a:p>
         </p:txBody>
       </p:sp>
       <p:sp>
@@ -9172,7 +9098,7 @@
           <p:cNvPr id="2" name="Titolo 1">
             <a:extLst>
               <a:ext uri="{FF2B5EF4-FFF2-40B4-BE49-F238E27FC236}">
-                <a16:creationId xmlns:a16="http://schemas.microsoft.com/office/drawing/2014/main" id="{93D68246-8129-AFC5-D7F2-5714BD024BFE}"/>
+                <a16:creationId xmlns:a16="http://schemas.microsoft.com/office/drawing/2014/main" id="{F145D48D-9040-C2A2-7E2A-5467BC6A405A}"/>
               </a:ext>
             </a:extLst>
           </p:cNvPr>
@@ -9189,11 +9115,14 @@
           <a:lstStyle/>
           <a:p>
             <a:r>
-              <a:rPr lang="en-GB" dirty="0">
-                <a:latin typeface="Exo 2 Condensed" panose="00000506000000000000" pitchFamily="50" charset="0"/>
-              </a:rPr>
-              <a:t>Tools used</a:t>
-            </a:r>
+              <a:rPr lang="en-GB" dirty="0" err="1">
+                <a:latin typeface="Exo 2 Condensed" panose="00000506000000000000" pitchFamily="50" charset="0"/>
+              </a:rPr>
+              <a:t>ProtoAave</a:t>
+            </a:r>
+            <a:endParaRPr lang="en-GB" dirty="0">
+              <a:latin typeface="Exo 2 Condensed" panose="00000506000000000000" pitchFamily="50" charset="0"/>
+            </a:endParaRPr>
           </a:p>
         </p:txBody>
       </p:sp>
@@ -9202,7 +9131,7 @@
           <p:cNvPr id="3" name="Segnaposto contenuto 2">
             <a:extLst>
               <a:ext uri="{FF2B5EF4-FFF2-40B4-BE49-F238E27FC236}">
-                <a16:creationId xmlns:a16="http://schemas.microsoft.com/office/drawing/2014/main" id="{7F9F13F6-8496-E23A-015B-EAF5F39AC147}"/>
+                <a16:creationId xmlns:a16="http://schemas.microsoft.com/office/drawing/2014/main" id="{CFA7FCF4-BD64-86AD-B458-D9DC756DEE0E}"/>
               </a:ext>
             </a:extLst>
           </p:cNvPr>
@@ -9213,16 +9142,9 @@
             <p:ph idx="1"/>
           </p:nvPr>
         </p:nvSpPr>
-        <p:spPr>
-          <a:xfrm>
-            <a:off x="1097280" y="1845734"/>
-            <a:ext cx="10058400" cy="4521510"/>
-          </a:xfrm>
-        </p:spPr>
-        <p:txBody>
-          <a:bodyPr>
-            <a:normAutofit/>
-          </a:bodyPr>
+        <p:spPr/>
+        <p:txBody>
+          <a:bodyPr/>
           <a:lstStyle/>
           <a:p>
             <a:pPr>
@@ -9230,97 +9152,72 @@
               <a:buChar char="Ø"/>
             </a:pPr>
             <a:r>
-              <a:rPr lang="en-GB" sz="2400" dirty="0">
-                <a:latin typeface="Exo 2 Condensed" panose="00000506000000000000" pitchFamily="50" charset="0"/>
-              </a:rPr>
-              <a:t> Solidity language</a:t>
-            </a:r>
+              <a:rPr lang="en-GB" dirty="0">
+                <a:latin typeface="Exo 2 Condensed" panose="00000506000000000000" pitchFamily="50" charset="0"/>
+              </a:rPr>
+              <a:t> A minimal implementation of </a:t>
+            </a:r>
+            <a:r>
+              <a:rPr lang="en-GB" dirty="0" err="1">
+                <a:latin typeface="Exo 2 Condensed" panose="00000506000000000000" pitchFamily="50" charset="0"/>
+              </a:rPr>
+              <a:t>Aave</a:t>
+            </a:r>
+            <a:endParaRPr lang="en-GB" dirty="0">
+              <a:latin typeface="Exo 2 Condensed" panose="00000506000000000000" pitchFamily="50" charset="0"/>
+            </a:endParaRPr>
+          </a:p>
+          <a:p>
+            <a:pPr lvl="1">
+              <a:buFont typeface="Wingdings" panose="05000000000000000000" pitchFamily="2" charset="2"/>
+              <a:buChar char="Ø"/>
+            </a:pPr>
+            <a:r>
+              <a:rPr lang="en-GB" dirty="0">
+                <a:latin typeface="Exo 2 Condensed" panose="00000506000000000000" pitchFamily="50" charset="0"/>
+              </a:rPr>
+              <a:t> It focuses on deposit and borrow actions, when they can be executed, how modify the state of the LP and how users’ data change after these actions</a:t>
+            </a:r>
+          </a:p>
+          <a:p>
+            <a:pPr marL="201168" lvl="1" indent="0">
+              <a:buNone/>
+            </a:pPr>
+            <a:endParaRPr lang="en-GB" dirty="0">
+              <a:latin typeface="Exo 2 Condensed" panose="00000506000000000000" pitchFamily="50" charset="0"/>
+            </a:endParaRPr>
+          </a:p>
+          <a:p>
+            <a:pPr lvl="1">
+              <a:buFont typeface="Wingdings" panose="05000000000000000000" pitchFamily="2" charset="2"/>
+              <a:buChar char="Ø"/>
+            </a:pPr>
+            <a:endParaRPr lang="en-GB" dirty="0">
+              <a:latin typeface="Exo 2 Condensed" panose="00000506000000000000" pitchFamily="50" charset="0"/>
+            </a:endParaRPr>
           </a:p>
           <a:p>
             <a:pPr>
               <a:buFont typeface="Wingdings" panose="05000000000000000000" pitchFamily="2" charset="2"/>
               <a:buChar char="Ø"/>
             </a:pPr>
-            <a:endParaRPr lang="en-GB" sz="2400" dirty="0">
-              <a:latin typeface="Exo 2 Condensed" panose="00000506000000000000" pitchFamily="50" charset="0"/>
-            </a:endParaRPr>
-          </a:p>
-          <a:p>
-            <a:pPr>
-              <a:buFont typeface="Wingdings" panose="05000000000000000000" pitchFamily="2" charset="2"/>
-              <a:buChar char="Ø"/>
-            </a:pPr>
-            <a:r>
-              <a:rPr lang="en-GB" sz="2400" dirty="0">
-                <a:latin typeface="Exo 2 Condensed" panose="00000506000000000000" pitchFamily="50" charset="0"/>
-              </a:rPr>
-              <a:t> Remix IDE</a:t>
-            </a:r>
-          </a:p>
-          <a:p>
-            <a:pPr>
-              <a:buFont typeface="Wingdings" panose="05000000000000000000" pitchFamily="2" charset="2"/>
-              <a:buChar char="Ø"/>
-            </a:pPr>
-            <a:endParaRPr lang="en-GB" sz="2400" dirty="0">
-              <a:latin typeface="Exo 2 Condensed" panose="00000506000000000000" pitchFamily="50" charset="0"/>
-            </a:endParaRPr>
-          </a:p>
-          <a:p>
-            <a:pPr>
-              <a:buFont typeface="Wingdings" panose="05000000000000000000" pitchFamily="2" charset="2"/>
-              <a:buChar char="Ø"/>
-            </a:pPr>
-            <a:r>
-              <a:rPr lang="en-GB" sz="2400" dirty="0">
-                <a:latin typeface="Exo 2 Condensed" panose="00000506000000000000" pitchFamily="50" charset="0"/>
-              </a:rPr>
-              <a:t> (</a:t>
-            </a:r>
-            <a:r>
-              <a:rPr lang="en-GB" sz="2400" dirty="0" err="1">
-                <a:latin typeface="Exo 2 Condensed" panose="00000506000000000000" pitchFamily="50" charset="0"/>
-              </a:rPr>
-              <a:t>Metamask</a:t>
-            </a:r>
-            <a:r>
-              <a:rPr lang="en-GB" sz="2400" dirty="0">
-                <a:latin typeface="Exo 2 Condensed" panose="00000506000000000000" pitchFamily="50" charset="0"/>
-              </a:rPr>
-              <a:t>) and waffle-</a:t>
-            </a:r>
-            <a:r>
-              <a:rPr lang="en-GB" sz="2400" dirty="0" err="1">
-                <a:latin typeface="Exo 2 Condensed" panose="00000506000000000000" pitchFamily="50" charset="0"/>
-              </a:rPr>
-              <a:t>ethereum</a:t>
-            </a:r>
-            <a:r>
-              <a:rPr lang="en-GB" sz="2400" dirty="0">
-                <a:latin typeface="Exo 2 Condensed" panose="00000506000000000000" pitchFamily="50" charset="0"/>
-              </a:rPr>
-              <a:t> library for testing</a:t>
-            </a:r>
-          </a:p>
-          <a:p>
-            <a:pPr>
-              <a:buFont typeface="Wingdings" panose="05000000000000000000" pitchFamily="2" charset="2"/>
-              <a:buChar char="Ø"/>
-            </a:pPr>
-            <a:endParaRPr lang="en-GB" sz="2400" dirty="0">
-              <a:latin typeface="Exo 2 Condensed" panose="00000506000000000000" pitchFamily="50" charset="0"/>
-            </a:endParaRPr>
-          </a:p>
-          <a:p>
-            <a:pPr>
-              <a:buFont typeface="Wingdings" panose="05000000000000000000" pitchFamily="2" charset="2"/>
-              <a:buChar char="Ø"/>
-            </a:pPr>
-            <a:r>
-              <a:rPr lang="en-GB" sz="2400" dirty="0">
-                <a:latin typeface="Exo 2 Condensed" panose="00000506000000000000" pitchFamily="50" charset="0"/>
-              </a:rPr>
-              <a:t> 4 smart contracts: </a:t>
+            <a:r>
+              <a:rPr lang="en-GB" dirty="0">
+                <a:latin typeface="Exo 2 Condensed" panose="00000506000000000000" pitchFamily="50" charset="0"/>
+              </a:rPr>
+              <a:t> </a:t>
+            </a:r>
+            <a:r>
+              <a:rPr lang="en-GB" b="1" dirty="0">
+                <a:latin typeface="Exo 2 Condensed" panose="00000506000000000000" pitchFamily="50" charset="0"/>
+              </a:rPr>
+              <a:t>Actors</a:t>
+            </a:r>
+            <a:r>
+              <a:rPr lang="en-GB" dirty="0">
+                <a:latin typeface="Exo 2 Condensed" panose="00000506000000000000" pitchFamily="50" charset="0"/>
+              </a:rPr>
+              <a:t> involved:</a:t>
             </a:r>
           </a:p>
           <a:p>
@@ -9329,32 +9226,53 @@
               <a:buChar char="Ø"/>
             </a:pPr>
             <a:r>
-              <a:rPr lang="en-GB" sz="2200" dirty="0">
-                <a:latin typeface="Exo 2 Condensed" panose="00000506000000000000" pitchFamily="50" charset="0"/>
-              </a:rPr>
-              <a:t> </a:t>
-            </a:r>
-            <a:r>
-              <a:rPr lang="en-GB" sz="2200" dirty="0" err="1">
-                <a:latin typeface="Exo 2 Condensed" panose="00000506000000000000" pitchFamily="50" charset="0"/>
-              </a:rPr>
-              <a:t>LendingPool</a:t>
-            </a:r>
-            <a:r>
-              <a:rPr lang="en-GB" sz="2200" dirty="0">
-                <a:latin typeface="Exo 2 Condensed" panose="00000506000000000000" pitchFamily="50" charset="0"/>
-              </a:rPr>
-              <a:t>, ERC20 and its interface, Ownable and the library </a:t>
-            </a:r>
-            <a:r>
-              <a:rPr lang="en-GB" sz="2200" dirty="0" err="1">
-                <a:latin typeface="Exo 2 Condensed" panose="00000506000000000000" pitchFamily="50" charset="0"/>
-              </a:rPr>
-              <a:t>WadRayMath</a:t>
-            </a:r>
-            <a:endParaRPr lang="en-GB" sz="1600" dirty="0">
+              <a:rPr lang="en-GB" dirty="0">
+                <a:latin typeface="Exo 2 Condensed" panose="00000506000000000000" pitchFamily="50" charset="0"/>
+              </a:rPr>
+              <a:t> The “Owner” of the Lending Pool: the address that deploys the contract and adds reserves</a:t>
+            </a:r>
+          </a:p>
+          <a:p>
+            <a:pPr lvl="1">
+              <a:buFont typeface="Wingdings" panose="05000000000000000000" pitchFamily="2" charset="2"/>
+              <a:buChar char="Ø"/>
+            </a:pPr>
+            <a:endParaRPr lang="en-GB" dirty="0">
               <a:latin typeface="Exo 2 Condensed" panose="00000506000000000000" pitchFamily="50" charset="0"/>
             </a:endParaRPr>
+          </a:p>
+          <a:p>
+            <a:pPr lvl="1">
+              <a:buFont typeface="Wingdings" panose="05000000000000000000" pitchFamily="2" charset="2"/>
+              <a:buChar char="Ø"/>
+            </a:pPr>
+            <a:r>
+              <a:rPr lang="en-GB" dirty="0">
+                <a:latin typeface="Exo 2 Condensed" panose="00000506000000000000" pitchFamily="50" charset="0"/>
+              </a:rPr>
+              <a:t> Price Oracle: the address set by the owner that can modify tokens’ prices</a:t>
+            </a:r>
+          </a:p>
+          <a:p>
+            <a:pPr lvl="1">
+              <a:buFont typeface="Wingdings" panose="05000000000000000000" pitchFamily="2" charset="2"/>
+              <a:buChar char="Ø"/>
+            </a:pPr>
+            <a:endParaRPr lang="en-GB" dirty="0">
+              <a:latin typeface="Exo 2 Condensed" panose="00000506000000000000" pitchFamily="50" charset="0"/>
+            </a:endParaRPr>
+          </a:p>
+          <a:p>
+            <a:pPr lvl="1">
+              <a:buFont typeface="Wingdings" panose="05000000000000000000" pitchFamily="2" charset="2"/>
+              <a:buChar char="Ø"/>
+            </a:pPr>
+            <a:r>
+              <a:rPr lang="en-GB" dirty="0">
+                <a:latin typeface="Exo 2 Condensed" panose="00000506000000000000" pitchFamily="50" charset="0"/>
+              </a:rPr>
+              <a:t> Users: borrowers and lenders. They interact with the LP by sending it transactions</a:t>
+            </a:r>
           </a:p>
         </p:txBody>
       </p:sp>
@@ -9363,7 +9281,7 @@
           <p:cNvPr id="5" name="CasellaDiTesto 4">
             <a:extLst>
               <a:ext uri="{FF2B5EF4-FFF2-40B4-BE49-F238E27FC236}">
-                <a16:creationId xmlns:a16="http://schemas.microsoft.com/office/drawing/2014/main" id="{B0181BC5-F1A5-B406-ADE9-237B39236612}"/>
+                <a16:creationId xmlns:a16="http://schemas.microsoft.com/office/drawing/2014/main" id="{04F71CA2-3726-55CE-0BCF-4B0C77559E0B}"/>
               </a:ext>
             </a:extLst>
           </p:cNvPr>
@@ -9439,7 +9357,7 @@
           <p:cNvPr id="6" name="Segnaposto numero diapositiva 5">
             <a:extLst>
               <a:ext uri="{FF2B5EF4-FFF2-40B4-BE49-F238E27FC236}">
-                <a16:creationId xmlns:a16="http://schemas.microsoft.com/office/drawing/2014/main" id="{967B9CF3-239A-7755-CF94-039509BF0E0F}"/>
+                <a16:creationId xmlns:a16="http://schemas.microsoft.com/office/drawing/2014/main" id="{4A32CD82-05F1-1DC8-33F5-5C204484EC30}"/>
               </a:ext>
             </a:extLst>
           </p:cNvPr>
@@ -9469,7 +9387,7 @@
     </p:spTree>
     <p:extLst>
       <p:ext uri="{BB962C8B-B14F-4D97-AF65-F5344CB8AC3E}">
-        <p14:creationId xmlns:p14="http://schemas.microsoft.com/office/powerpoint/2010/main" val="846910326"/>
+        <p14:creationId xmlns:p14="http://schemas.microsoft.com/office/powerpoint/2010/main" val="408533690"/>
       </p:ext>
     </p:extLst>
   </p:cSld>
@@ -9523,9 +9441,12 @@
               </a:rPr>
               <a:t>ProtoAave</a:t>
             </a:r>
-            <a:endParaRPr lang="en-GB" dirty="0">
-              <a:latin typeface="Exo 2 Condensed" panose="00000506000000000000" pitchFamily="50" charset="0"/>
-            </a:endParaRPr>
+            <a:r>
+              <a:rPr lang="en-GB" dirty="0">
+                <a:latin typeface="Exo 2 Condensed" panose="00000506000000000000" pitchFamily="50" charset="0"/>
+              </a:rPr>
+              <a:t>: borrow function</a:t>
+            </a:r>
           </a:p>
         </p:txBody>
       </p:sp>
@@ -9545,137 +9466,774 @@
             <p:ph idx="1"/>
           </p:nvPr>
         </p:nvSpPr>
-        <p:spPr/>
-        <p:txBody>
-          <a:bodyPr/>
+        <p:spPr>
+          <a:xfrm>
+            <a:off x="1097280" y="1845733"/>
+            <a:ext cx="10058400" cy="4412453"/>
+          </a:xfrm>
+        </p:spPr>
+        <p:txBody>
+          <a:bodyPr>
+            <a:normAutofit fontScale="62500" lnSpcReduction="20000"/>
+          </a:bodyPr>
           <a:lstStyle/>
           <a:p>
-            <a:pPr>
-              <a:buFont typeface="Wingdings" panose="05000000000000000000" pitchFamily="2" charset="2"/>
-              <a:buChar char="Ø"/>
-            </a:pPr>
-            <a:r>
-              <a:rPr lang="en-GB" dirty="0">
-                <a:latin typeface="Exo 2 Condensed" panose="00000506000000000000" pitchFamily="50" charset="0"/>
-              </a:rPr>
-              <a:t> A minimal implementation of </a:t>
-            </a:r>
-            <a:r>
-              <a:rPr lang="en-GB" dirty="0" err="1">
-                <a:latin typeface="Exo 2 Condensed" panose="00000506000000000000" pitchFamily="50" charset="0"/>
-              </a:rPr>
-              <a:t>Aave</a:t>
-            </a:r>
-            <a:endParaRPr lang="en-GB" dirty="0">
-              <a:latin typeface="Exo 2 Condensed" panose="00000506000000000000" pitchFamily="50" charset="0"/>
+            <a:pPr algn="just">
+              <a:lnSpc>
+                <a:spcPct val="107000"/>
+              </a:lnSpc>
+              <a:spcAft>
+                <a:spcPts val="800"/>
+              </a:spcAft>
+              <a:tabLst>
+                <a:tab pos="581660" algn="l"/>
+                <a:tab pos="1163320" algn="l"/>
+                <a:tab pos="1744980" algn="l"/>
+                <a:tab pos="2326640" algn="l"/>
+                <a:tab pos="2908300" algn="l"/>
+                <a:tab pos="3489960" algn="l"/>
+                <a:tab pos="4071620" algn="l"/>
+                <a:tab pos="4653280" algn="l"/>
+                <a:tab pos="5234940" algn="l"/>
+                <a:tab pos="5816600" algn="l"/>
+                <a:tab pos="6398260" algn="l"/>
+                <a:tab pos="6979920" algn="l"/>
+                <a:tab pos="7561580" algn="l"/>
+                <a:tab pos="8143240" algn="l"/>
+                <a:tab pos="8724900" algn="l"/>
+                <a:tab pos="9306560" algn="l"/>
+              </a:tabLst>
+            </a:pPr>
+            <a:r>
+              <a:rPr lang="en-GB" sz="1800" b="1" dirty="0">
+                <a:solidFill>
+                  <a:srgbClr val="24292F"/>
+                </a:solidFill>
+                <a:effectLst/>
+                <a:latin typeface="Consolas" panose="020B0609020204030204" pitchFamily="49" charset="0"/>
+                <a:ea typeface="Times New Roman" panose="02020603050405020304" pitchFamily="18" charset="0"/>
+                <a:cs typeface="Courier New" panose="02070309020205020404" pitchFamily="49" charset="0"/>
+              </a:rPr>
+              <a:t>borrow</a:t>
+            </a:r>
+            <a:r>
+              <a:rPr lang="en-GB" sz="1800" dirty="0">
+                <a:solidFill>
+                  <a:srgbClr val="24292F"/>
+                </a:solidFill>
+                <a:effectLst/>
+                <a:latin typeface="Consolas" panose="020B0609020204030204" pitchFamily="49" charset="0"/>
+                <a:ea typeface="Times New Roman" panose="02020603050405020304" pitchFamily="18" charset="0"/>
+                <a:cs typeface="Courier New" panose="02070309020205020404" pitchFamily="49" charset="0"/>
+              </a:rPr>
+              <a:t> (address </a:t>
+            </a:r>
+            <a:r>
+              <a:rPr lang="en-GB" sz="1800" b="1" dirty="0">
+                <a:solidFill>
+                  <a:srgbClr val="24292F"/>
+                </a:solidFill>
+                <a:effectLst/>
+                <a:latin typeface="Consolas" panose="020B0609020204030204" pitchFamily="49" charset="0"/>
+                <a:ea typeface="Times New Roman" panose="02020603050405020304" pitchFamily="18" charset="0"/>
+                <a:cs typeface="Courier New" panose="02070309020205020404" pitchFamily="49" charset="0"/>
+              </a:rPr>
+              <a:t>reserve</a:t>
+            </a:r>
+            <a:r>
+              <a:rPr lang="en-GB" sz="1800" dirty="0">
+                <a:solidFill>
+                  <a:srgbClr val="24292F"/>
+                </a:solidFill>
+                <a:effectLst/>
+                <a:latin typeface="Consolas" panose="020B0609020204030204" pitchFamily="49" charset="0"/>
+                <a:ea typeface="Times New Roman" panose="02020603050405020304" pitchFamily="18" charset="0"/>
+                <a:cs typeface="Courier New" panose="02070309020205020404" pitchFamily="49" charset="0"/>
+              </a:rPr>
+              <a:t>, uint256 </a:t>
+            </a:r>
+            <a:r>
+              <a:rPr lang="en-GB" sz="1800" b="1" dirty="0" err="1">
+                <a:solidFill>
+                  <a:srgbClr val="24292F"/>
+                </a:solidFill>
+                <a:effectLst/>
+                <a:latin typeface="Consolas" panose="020B0609020204030204" pitchFamily="49" charset="0"/>
+                <a:ea typeface="Times New Roman" panose="02020603050405020304" pitchFamily="18" charset="0"/>
+                <a:cs typeface="Courier New" panose="02070309020205020404" pitchFamily="49" charset="0"/>
+              </a:rPr>
+              <a:t>amountToBorrow</a:t>
+            </a:r>
+            <a:r>
+              <a:rPr lang="en-GB" sz="1800" dirty="0">
+                <a:solidFill>
+                  <a:srgbClr val="24292F"/>
+                </a:solidFill>
+                <a:effectLst/>
+                <a:latin typeface="Consolas" panose="020B0609020204030204" pitchFamily="49" charset="0"/>
+                <a:ea typeface="Times New Roman" panose="02020603050405020304" pitchFamily="18" charset="0"/>
+                <a:cs typeface="Courier New" panose="02070309020205020404" pitchFamily="49" charset="0"/>
+              </a:rPr>
+              <a:t>){</a:t>
+            </a:r>
+            <a:endParaRPr lang="it-IT" sz="1800" dirty="0">
+              <a:effectLst/>
+              <a:latin typeface="Calibri" panose="020F0502020204030204" pitchFamily="34" charset="0"/>
+              <a:ea typeface="Calibri" panose="020F0502020204030204" pitchFamily="34" charset="0"/>
+              <a:cs typeface="Times New Roman" panose="02020603050405020304" pitchFamily="18" charset="0"/>
             </a:endParaRPr>
           </a:p>
           <a:p>
-            <a:pPr lvl="1">
-              <a:buFont typeface="Wingdings" panose="05000000000000000000" pitchFamily="2" charset="2"/>
-              <a:buChar char="Ø"/>
-            </a:pPr>
-            <a:r>
-              <a:rPr lang="en-GB" dirty="0">
-                <a:latin typeface="Exo 2 Condensed" panose="00000506000000000000" pitchFamily="50" charset="0"/>
-              </a:rPr>
-              <a:t> It focuses on deposit and borrow actions, when they can be executed, how modify the state of the LP and how users’ data change after these actions</a:t>
-            </a:r>
-          </a:p>
-          <a:p>
-            <a:pPr marL="201168" lvl="1" indent="0">
-              <a:buNone/>
-            </a:pPr>
-            <a:endParaRPr lang="en-GB" dirty="0">
-              <a:latin typeface="Exo 2 Condensed" panose="00000506000000000000" pitchFamily="50" charset="0"/>
+            <a:pPr algn="just">
+              <a:lnSpc>
+                <a:spcPct val="107000"/>
+              </a:lnSpc>
+              <a:spcAft>
+                <a:spcPts val="800"/>
+              </a:spcAft>
+              <a:tabLst>
+                <a:tab pos="581660" algn="l"/>
+                <a:tab pos="1163320" algn="l"/>
+                <a:tab pos="1744980" algn="l"/>
+                <a:tab pos="2326640" algn="l"/>
+                <a:tab pos="2908300" algn="l"/>
+                <a:tab pos="3489960" algn="l"/>
+                <a:tab pos="4071620" algn="l"/>
+                <a:tab pos="4653280" algn="l"/>
+                <a:tab pos="5234940" algn="l"/>
+                <a:tab pos="5816600" algn="l"/>
+                <a:tab pos="6398260" algn="l"/>
+                <a:tab pos="6979920" algn="l"/>
+                <a:tab pos="7561580" algn="l"/>
+                <a:tab pos="8143240" algn="l"/>
+                <a:tab pos="8724900" algn="l"/>
+                <a:tab pos="9306560" algn="l"/>
+              </a:tabLst>
+            </a:pPr>
+            <a:r>
+              <a:rPr lang="en-GB" sz="1800" dirty="0">
+                <a:solidFill>
+                  <a:srgbClr val="24292F"/>
+                </a:solidFill>
+                <a:effectLst/>
+                <a:latin typeface="Consolas" panose="020B0609020204030204" pitchFamily="49" charset="0"/>
+                <a:ea typeface="Times New Roman" panose="02020603050405020304" pitchFamily="18" charset="0"/>
+                <a:cs typeface="Courier New" panose="02070309020205020404" pitchFamily="49" charset="0"/>
+              </a:rPr>
+              <a:t>	require(</a:t>
+            </a:r>
+            <a:r>
+              <a:rPr lang="en-GB" sz="1800" dirty="0" err="1">
+                <a:solidFill>
+                  <a:srgbClr val="24292F"/>
+                </a:solidFill>
+                <a:effectLst/>
+                <a:latin typeface="Consolas" panose="020B0609020204030204" pitchFamily="49" charset="0"/>
+                <a:ea typeface="Times New Roman" panose="02020603050405020304" pitchFamily="18" charset="0"/>
+                <a:cs typeface="Courier New" panose="02070309020205020404" pitchFamily="49" charset="0"/>
+              </a:rPr>
+              <a:t>amountToBorrow</a:t>
+            </a:r>
+            <a:r>
+              <a:rPr lang="en-GB" sz="1800" dirty="0">
+                <a:solidFill>
+                  <a:srgbClr val="24292F"/>
+                </a:solidFill>
+                <a:effectLst/>
+                <a:latin typeface="Consolas" panose="020B0609020204030204" pitchFamily="49" charset="0"/>
+                <a:ea typeface="Times New Roman" panose="02020603050405020304" pitchFamily="18" charset="0"/>
+                <a:cs typeface="Courier New" panose="02070309020205020404" pitchFamily="49" charset="0"/>
+              </a:rPr>
+              <a:t> &gt; 0)</a:t>
+            </a:r>
+            <a:endParaRPr lang="it-IT" sz="1800" dirty="0">
+              <a:effectLst/>
+              <a:latin typeface="Calibri" panose="020F0502020204030204" pitchFamily="34" charset="0"/>
+              <a:ea typeface="Calibri" panose="020F0502020204030204" pitchFamily="34" charset="0"/>
+              <a:cs typeface="Times New Roman" panose="02020603050405020304" pitchFamily="18" charset="0"/>
             </a:endParaRPr>
           </a:p>
           <a:p>
-            <a:pPr lvl="1">
-              <a:buFont typeface="Wingdings" panose="05000000000000000000" pitchFamily="2" charset="2"/>
-              <a:buChar char="Ø"/>
-            </a:pPr>
-            <a:endParaRPr lang="en-GB" dirty="0">
-              <a:latin typeface="Exo 2 Condensed" panose="00000506000000000000" pitchFamily="50" charset="0"/>
+            <a:pPr algn="just">
+              <a:lnSpc>
+                <a:spcPct val="107000"/>
+              </a:lnSpc>
+              <a:spcAft>
+                <a:spcPts val="800"/>
+              </a:spcAft>
+              <a:tabLst>
+                <a:tab pos="581660" algn="l"/>
+                <a:tab pos="1163320" algn="l"/>
+                <a:tab pos="1744980" algn="l"/>
+                <a:tab pos="2326640" algn="l"/>
+                <a:tab pos="2908300" algn="l"/>
+                <a:tab pos="3489960" algn="l"/>
+                <a:tab pos="4071620" algn="l"/>
+                <a:tab pos="4653280" algn="l"/>
+                <a:tab pos="5234940" algn="l"/>
+                <a:tab pos="5816600" algn="l"/>
+                <a:tab pos="6398260" algn="l"/>
+                <a:tab pos="6979920" algn="l"/>
+                <a:tab pos="7561580" algn="l"/>
+                <a:tab pos="8143240" algn="l"/>
+                <a:tab pos="8724900" algn="l"/>
+                <a:tab pos="9306560" algn="l"/>
+              </a:tabLst>
+            </a:pPr>
+            <a:r>
+              <a:rPr lang="en-GB" sz="1800" dirty="0">
+                <a:solidFill>
+                  <a:srgbClr val="24292F"/>
+                </a:solidFill>
+                <a:effectLst/>
+                <a:latin typeface="Consolas" panose="020B0609020204030204" pitchFamily="49" charset="0"/>
+                <a:ea typeface="Times New Roman" panose="02020603050405020304" pitchFamily="18" charset="0"/>
+                <a:cs typeface="Courier New" panose="02070309020205020404" pitchFamily="49" charset="0"/>
+              </a:rPr>
+              <a:t>	require(</a:t>
+            </a:r>
+            <a:r>
+              <a:rPr lang="en-GB" sz="1800" dirty="0" err="1">
+                <a:solidFill>
+                  <a:srgbClr val="24292F"/>
+                </a:solidFill>
+                <a:effectLst/>
+                <a:latin typeface="Consolas" panose="020B0609020204030204" pitchFamily="49" charset="0"/>
+                <a:ea typeface="Times New Roman" panose="02020603050405020304" pitchFamily="18" charset="0"/>
+                <a:cs typeface="Courier New" panose="02070309020205020404" pitchFamily="49" charset="0"/>
+              </a:rPr>
+              <a:t>LiquidityOfLendingPool</a:t>
+            </a:r>
+            <a:r>
+              <a:rPr lang="en-GB" sz="1800" dirty="0">
+                <a:solidFill>
+                  <a:srgbClr val="24292F"/>
+                </a:solidFill>
+                <a:effectLst/>
+                <a:latin typeface="Consolas" panose="020B0609020204030204" pitchFamily="49" charset="0"/>
+                <a:ea typeface="Times New Roman" panose="02020603050405020304" pitchFamily="18" charset="0"/>
+                <a:cs typeface="Courier New" panose="02070309020205020404" pitchFamily="49" charset="0"/>
+              </a:rPr>
+              <a:t> &gt;= </a:t>
+            </a:r>
+            <a:r>
+              <a:rPr lang="en-GB" sz="1800" dirty="0" err="1">
+                <a:solidFill>
+                  <a:srgbClr val="24292F"/>
+                </a:solidFill>
+                <a:effectLst/>
+                <a:latin typeface="Consolas" panose="020B0609020204030204" pitchFamily="49" charset="0"/>
+                <a:ea typeface="Times New Roman" panose="02020603050405020304" pitchFamily="18" charset="0"/>
+                <a:cs typeface="Courier New" panose="02070309020205020404" pitchFamily="49" charset="0"/>
+              </a:rPr>
+              <a:t>amountToBorrow</a:t>
+            </a:r>
+            <a:r>
+              <a:rPr lang="en-GB" sz="1800" dirty="0">
+                <a:solidFill>
+                  <a:srgbClr val="24292F"/>
+                </a:solidFill>
+                <a:effectLst/>
+                <a:latin typeface="Consolas" panose="020B0609020204030204" pitchFamily="49" charset="0"/>
+                <a:ea typeface="Times New Roman" panose="02020603050405020304" pitchFamily="18" charset="0"/>
+                <a:cs typeface="Courier New" panose="02070309020205020404" pitchFamily="49" charset="0"/>
+              </a:rPr>
+              <a:t>)</a:t>
+            </a:r>
+            <a:endParaRPr lang="it-IT" sz="1800" dirty="0">
+              <a:effectLst/>
+              <a:latin typeface="Calibri" panose="020F0502020204030204" pitchFamily="34" charset="0"/>
+              <a:ea typeface="Calibri" panose="020F0502020204030204" pitchFamily="34" charset="0"/>
+              <a:cs typeface="Times New Roman" panose="02020603050405020304" pitchFamily="18" charset="0"/>
             </a:endParaRPr>
           </a:p>
           <a:p>
-            <a:pPr>
-              <a:buFont typeface="Wingdings" panose="05000000000000000000" pitchFamily="2" charset="2"/>
-              <a:buChar char="Ø"/>
-            </a:pPr>
-            <a:r>
-              <a:rPr lang="en-GB" dirty="0">
-                <a:latin typeface="Exo 2 Condensed" panose="00000506000000000000" pitchFamily="50" charset="0"/>
+            <a:pPr algn="just">
+              <a:lnSpc>
+                <a:spcPct val="107000"/>
+              </a:lnSpc>
+              <a:spcAft>
+                <a:spcPts val="800"/>
+              </a:spcAft>
+              <a:tabLst>
+                <a:tab pos="581660" algn="l"/>
+                <a:tab pos="1163320" algn="l"/>
+                <a:tab pos="1744980" algn="l"/>
+                <a:tab pos="2326640" algn="l"/>
+                <a:tab pos="2908300" algn="l"/>
+                <a:tab pos="3489960" algn="l"/>
+                <a:tab pos="4071620" algn="l"/>
+                <a:tab pos="4653280" algn="l"/>
+                <a:tab pos="5234940" algn="l"/>
+                <a:tab pos="5816600" algn="l"/>
+                <a:tab pos="6398260" algn="l"/>
+                <a:tab pos="6979920" algn="l"/>
+                <a:tab pos="7561580" algn="l"/>
+                <a:tab pos="8143240" algn="l"/>
+                <a:tab pos="8724900" algn="l"/>
+                <a:tab pos="9306560" algn="l"/>
+              </a:tabLst>
+            </a:pPr>
+            <a:r>
+              <a:rPr lang="en-GB" sz="1800" dirty="0">
+                <a:solidFill>
+                  <a:srgbClr val="24292F"/>
+                </a:solidFill>
+                <a:effectLst/>
+                <a:latin typeface="Consolas" panose="020B0609020204030204" pitchFamily="49" charset="0"/>
+                <a:ea typeface="Times New Roman" panose="02020603050405020304" pitchFamily="18" charset="0"/>
+                <a:cs typeface="Courier New" panose="02070309020205020404" pitchFamily="49" charset="0"/>
+              </a:rPr>
+              <a:t>	Compute User Data //(total liquidity, collateral, borrows, </a:t>
+            </a:r>
+            <a:r>
+              <a:rPr lang="en-GB" sz="1800" dirty="0" err="1">
+                <a:solidFill>
+                  <a:srgbClr val="24292F"/>
+                </a:solidFill>
+                <a:effectLst/>
+                <a:latin typeface="Consolas" panose="020B0609020204030204" pitchFamily="49" charset="0"/>
+                <a:ea typeface="Times New Roman" panose="02020603050405020304" pitchFamily="18" charset="0"/>
+                <a:cs typeface="Courier New" panose="02070309020205020404" pitchFamily="49" charset="0"/>
+              </a:rPr>
+              <a:t>LoanToValue</a:t>
+            </a:r>
+            <a:r>
+              <a:rPr lang="en-GB" sz="1800" dirty="0">
+                <a:solidFill>
+                  <a:srgbClr val="24292F"/>
+                </a:solidFill>
+                <a:effectLst/>
+                <a:latin typeface="Consolas" panose="020B0609020204030204" pitchFamily="49" charset="0"/>
+                <a:ea typeface="Times New Roman" panose="02020603050405020304" pitchFamily="18" charset="0"/>
+                <a:cs typeface="Courier New" panose="02070309020205020404" pitchFamily="49" charset="0"/>
+              </a:rPr>
+              <a:t>, …, HF)</a:t>
+            </a:r>
+            <a:endParaRPr lang="it-IT" sz="1800" dirty="0">
+              <a:effectLst/>
+              <a:latin typeface="Calibri" panose="020F0502020204030204" pitchFamily="34" charset="0"/>
+              <a:ea typeface="Calibri" panose="020F0502020204030204" pitchFamily="34" charset="0"/>
+              <a:cs typeface="Times New Roman" panose="02020603050405020304" pitchFamily="18" charset="0"/>
+            </a:endParaRPr>
+          </a:p>
+          <a:p>
+            <a:pPr algn="just">
+              <a:lnSpc>
+                <a:spcPct val="107000"/>
+              </a:lnSpc>
+              <a:spcAft>
+                <a:spcPts val="800"/>
+              </a:spcAft>
+              <a:tabLst>
+                <a:tab pos="581660" algn="l"/>
+                <a:tab pos="1163320" algn="l"/>
+                <a:tab pos="1744980" algn="l"/>
+                <a:tab pos="2326640" algn="l"/>
+                <a:tab pos="2908300" algn="l"/>
+                <a:tab pos="3489960" algn="l"/>
+                <a:tab pos="4071620" algn="l"/>
+                <a:tab pos="4653280" algn="l"/>
+                <a:tab pos="5234940" algn="l"/>
+                <a:tab pos="5816600" algn="l"/>
+                <a:tab pos="6398260" algn="l"/>
+                <a:tab pos="6979920" algn="l"/>
+                <a:tab pos="7561580" algn="l"/>
+                <a:tab pos="8143240" algn="l"/>
+                <a:tab pos="8724900" algn="l"/>
+                <a:tab pos="9306560" algn="l"/>
+              </a:tabLst>
+            </a:pPr>
+            <a:r>
+              <a:rPr lang="en-GB" sz="1800" dirty="0">
+                <a:solidFill>
+                  <a:srgbClr val="24292F"/>
+                </a:solidFill>
+                <a:effectLst/>
+                <a:latin typeface="Consolas" panose="020B0609020204030204" pitchFamily="49" charset="0"/>
+                <a:ea typeface="Times New Roman" panose="02020603050405020304" pitchFamily="18" charset="0"/>
+                <a:cs typeface="Courier New" panose="02070309020205020404" pitchFamily="49" charset="0"/>
+              </a:rPr>
+              <a:t>	require(HF &gt; threshold) // threshold is </a:t>
+            </a:r>
+            <a:r>
+              <a:rPr lang="en-GB" sz="1800" dirty="0" err="1">
+                <a:solidFill>
+                  <a:srgbClr val="24292F"/>
+                </a:solidFill>
+                <a:effectLst/>
+                <a:latin typeface="Consolas" panose="020B0609020204030204" pitchFamily="49" charset="0"/>
+                <a:ea typeface="Times New Roman" panose="02020603050405020304" pitchFamily="18" charset="0"/>
+                <a:cs typeface="Courier New" panose="02070309020205020404" pitchFamily="49" charset="0"/>
+              </a:rPr>
+              <a:t>tipically</a:t>
+            </a:r>
+            <a:r>
+              <a:rPr lang="en-GB" sz="1800" dirty="0">
+                <a:solidFill>
+                  <a:srgbClr val="24292F"/>
+                </a:solidFill>
+                <a:effectLst/>
+                <a:latin typeface="Consolas" panose="020B0609020204030204" pitchFamily="49" charset="0"/>
+                <a:ea typeface="Times New Roman" panose="02020603050405020304" pitchFamily="18" charset="0"/>
+                <a:cs typeface="Courier New" panose="02070309020205020404" pitchFamily="49" charset="0"/>
+              </a:rPr>
+              <a:t> = 1</a:t>
+            </a:r>
+            <a:endParaRPr lang="it-IT" sz="1800" dirty="0">
+              <a:effectLst/>
+              <a:latin typeface="Calibri" panose="020F0502020204030204" pitchFamily="34" charset="0"/>
+              <a:ea typeface="Calibri" panose="020F0502020204030204" pitchFamily="34" charset="0"/>
+              <a:cs typeface="Times New Roman" panose="02020603050405020304" pitchFamily="18" charset="0"/>
+            </a:endParaRPr>
+          </a:p>
+          <a:p>
+            <a:pPr algn="just">
+              <a:lnSpc>
+                <a:spcPct val="107000"/>
+              </a:lnSpc>
+              <a:spcAft>
+                <a:spcPts val="800"/>
+              </a:spcAft>
+              <a:tabLst>
+                <a:tab pos="581660" algn="l"/>
+                <a:tab pos="1163320" algn="l"/>
+                <a:tab pos="1744980" algn="l"/>
+                <a:tab pos="2326640" algn="l"/>
+                <a:tab pos="2908300" algn="l"/>
+                <a:tab pos="3489960" algn="l"/>
+                <a:tab pos="4071620" algn="l"/>
+                <a:tab pos="4653280" algn="l"/>
+                <a:tab pos="5234940" algn="l"/>
+                <a:tab pos="5816600" algn="l"/>
+                <a:tab pos="6398260" algn="l"/>
+                <a:tab pos="6979920" algn="l"/>
+                <a:tab pos="7561580" algn="l"/>
+                <a:tab pos="8143240" algn="l"/>
+                <a:tab pos="8724900" algn="l"/>
+                <a:tab pos="9306560" algn="l"/>
+              </a:tabLst>
+            </a:pPr>
+            <a:r>
+              <a:rPr lang="en-GB" sz="1800" dirty="0">
+                <a:solidFill>
+                  <a:srgbClr val="24292F"/>
+                </a:solidFill>
+                <a:effectLst/>
+                <a:latin typeface="Consolas" panose="020B0609020204030204" pitchFamily="49" charset="0"/>
+                <a:ea typeface="Times New Roman" panose="02020603050405020304" pitchFamily="18" charset="0"/>
+                <a:cs typeface="Courier New" panose="02070309020205020404" pitchFamily="49" charset="0"/>
+              </a:rPr>
+              <a:t>	Compute the fee (0.0025%) for the </a:t>
+            </a:r>
+            <a:r>
+              <a:rPr lang="en-GB" sz="1800" dirty="0" err="1">
+                <a:solidFill>
+                  <a:srgbClr val="24292F"/>
+                </a:solidFill>
+                <a:effectLst/>
+                <a:latin typeface="Consolas" panose="020B0609020204030204" pitchFamily="49" charset="0"/>
+                <a:ea typeface="Times New Roman" panose="02020603050405020304" pitchFamily="18" charset="0"/>
+                <a:cs typeface="Courier New" panose="02070309020205020404" pitchFamily="49" charset="0"/>
+              </a:rPr>
+              <a:t>amountToBorrow</a:t>
+            </a:r>
+            <a:r>
+              <a:rPr lang="en-GB" sz="1800" dirty="0">
+                <a:solidFill>
+                  <a:srgbClr val="24292F"/>
+                </a:solidFill>
+                <a:effectLst/>
+                <a:latin typeface="Consolas" panose="020B0609020204030204" pitchFamily="49" charset="0"/>
+                <a:ea typeface="Times New Roman" panose="02020603050405020304" pitchFamily="18" charset="0"/>
+                <a:cs typeface="Courier New" panose="02070309020205020404" pitchFamily="49" charset="0"/>
               </a:rPr>
               <a:t> </a:t>
             </a:r>
-            <a:r>
-              <a:rPr lang="en-GB" b="1" dirty="0">
-                <a:latin typeface="Exo 2 Condensed" panose="00000506000000000000" pitchFamily="50" charset="0"/>
-              </a:rPr>
-              <a:t>Actors</a:t>
-            </a:r>
-            <a:r>
-              <a:rPr lang="en-GB" dirty="0">
-                <a:latin typeface="Exo 2 Condensed" panose="00000506000000000000" pitchFamily="50" charset="0"/>
-              </a:rPr>
-              <a:t> involved:</a:t>
-            </a:r>
-          </a:p>
-          <a:p>
-            <a:pPr lvl="1">
-              <a:buFont typeface="Wingdings" panose="05000000000000000000" pitchFamily="2" charset="2"/>
-              <a:buChar char="Ø"/>
-            </a:pPr>
-            <a:r>
-              <a:rPr lang="en-GB" dirty="0">
-                <a:latin typeface="Exo 2 Condensed" panose="00000506000000000000" pitchFamily="50" charset="0"/>
-              </a:rPr>
-              <a:t> The “Owner” of the Lending Pool: the address that deploys the contract and adds reserves</a:t>
-            </a:r>
-          </a:p>
-          <a:p>
-            <a:pPr lvl="1">
-              <a:buFont typeface="Wingdings" panose="05000000000000000000" pitchFamily="2" charset="2"/>
-              <a:buChar char="Ø"/>
-            </a:pPr>
-            <a:endParaRPr lang="en-GB" dirty="0">
-              <a:latin typeface="Exo 2 Condensed" panose="00000506000000000000" pitchFamily="50" charset="0"/>
+            <a:endParaRPr lang="it-IT" sz="1800" dirty="0">
+              <a:effectLst/>
+              <a:latin typeface="Calibri" panose="020F0502020204030204" pitchFamily="34" charset="0"/>
+              <a:ea typeface="Calibri" panose="020F0502020204030204" pitchFamily="34" charset="0"/>
+              <a:cs typeface="Times New Roman" panose="02020603050405020304" pitchFamily="18" charset="0"/>
             </a:endParaRPr>
           </a:p>
           <a:p>
-            <a:pPr lvl="1">
-              <a:buFont typeface="Wingdings" panose="05000000000000000000" pitchFamily="2" charset="2"/>
-              <a:buChar char="Ø"/>
-            </a:pPr>
-            <a:r>
-              <a:rPr lang="en-GB" dirty="0">
-                <a:latin typeface="Exo 2 Condensed" panose="00000506000000000000" pitchFamily="50" charset="0"/>
-              </a:rPr>
-              <a:t> Price Oracle: the address set by the owner that can modify tokens’ prices</a:t>
-            </a:r>
-          </a:p>
-          <a:p>
-            <a:pPr lvl="1">
-              <a:buFont typeface="Wingdings" panose="05000000000000000000" pitchFamily="2" charset="2"/>
-              <a:buChar char="Ø"/>
-            </a:pPr>
-            <a:endParaRPr lang="en-GB" dirty="0">
-              <a:latin typeface="Exo 2 Condensed" panose="00000506000000000000" pitchFamily="50" charset="0"/>
+            <a:pPr algn="just">
+              <a:lnSpc>
+                <a:spcPct val="107000"/>
+              </a:lnSpc>
+              <a:spcAft>
+                <a:spcPts val="800"/>
+              </a:spcAft>
+              <a:tabLst>
+                <a:tab pos="581660" algn="l"/>
+                <a:tab pos="1163320" algn="l"/>
+                <a:tab pos="1744980" algn="l"/>
+                <a:tab pos="2326640" algn="l"/>
+                <a:tab pos="2908300" algn="l"/>
+                <a:tab pos="3489960" algn="l"/>
+                <a:tab pos="4071620" algn="l"/>
+                <a:tab pos="4653280" algn="l"/>
+                <a:tab pos="5234940" algn="l"/>
+                <a:tab pos="5816600" algn="l"/>
+                <a:tab pos="6398260" algn="l"/>
+                <a:tab pos="6979920" algn="l"/>
+                <a:tab pos="7561580" algn="l"/>
+                <a:tab pos="8143240" algn="l"/>
+                <a:tab pos="8724900" algn="l"/>
+                <a:tab pos="9306560" algn="l"/>
+              </a:tabLst>
+            </a:pPr>
+            <a:r>
+              <a:rPr lang="en-GB" sz="1800" dirty="0">
+                <a:solidFill>
+                  <a:srgbClr val="24292F"/>
+                </a:solidFill>
+                <a:effectLst/>
+                <a:latin typeface="Consolas" panose="020B0609020204030204" pitchFamily="49" charset="0"/>
+                <a:ea typeface="Times New Roman" panose="02020603050405020304" pitchFamily="18" charset="0"/>
+                <a:cs typeface="Courier New" panose="02070309020205020404" pitchFamily="49" charset="0"/>
+              </a:rPr>
+              <a:t>	require(fee &gt; 0)</a:t>
+            </a:r>
+            <a:endParaRPr lang="it-IT" sz="1800" dirty="0">
+              <a:effectLst/>
+              <a:latin typeface="Calibri" panose="020F0502020204030204" pitchFamily="34" charset="0"/>
+              <a:ea typeface="Calibri" panose="020F0502020204030204" pitchFamily="34" charset="0"/>
+              <a:cs typeface="Times New Roman" panose="02020603050405020304" pitchFamily="18" charset="0"/>
             </a:endParaRPr>
           </a:p>
           <a:p>
-            <a:pPr lvl="1">
-              <a:buFont typeface="Wingdings" panose="05000000000000000000" pitchFamily="2" charset="2"/>
-              <a:buChar char="Ø"/>
-            </a:pPr>
-            <a:r>
-              <a:rPr lang="en-GB" dirty="0">
-                <a:latin typeface="Exo 2 Condensed" panose="00000506000000000000" pitchFamily="50" charset="0"/>
-              </a:rPr>
-              <a:t> Users: borrowers and lenders. They interact with the LP by sending it transactions</a:t>
-            </a:r>
+            <a:pPr algn="just">
+              <a:lnSpc>
+                <a:spcPct val="107000"/>
+              </a:lnSpc>
+              <a:spcAft>
+                <a:spcPts val="800"/>
+              </a:spcAft>
+              <a:tabLst>
+                <a:tab pos="581660" algn="l"/>
+                <a:tab pos="1163320" algn="l"/>
+                <a:tab pos="1744980" algn="l"/>
+                <a:tab pos="2326640" algn="l"/>
+                <a:tab pos="2908300" algn="l"/>
+                <a:tab pos="3489960" algn="l"/>
+                <a:tab pos="4071620" algn="l"/>
+                <a:tab pos="4653280" algn="l"/>
+                <a:tab pos="5234940" algn="l"/>
+                <a:tab pos="5816600" algn="l"/>
+                <a:tab pos="6398260" algn="l"/>
+                <a:tab pos="6979920" algn="l"/>
+                <a:tab pos="7561580" algn="l"/>
+                <a:tab pos="8143240" algn="l"/>
+                <a:tab pos="8724900" algn="l"/>
+                <a:tab pos="9306560" algn="l"/>
+              </a:tabLst>
+            </a:pPr>
+            <a:r>
+              <a:rPr lang="en-GB" sz="1800" dirty="0">
+                <a:solidFill>
+                  <a:srgbClr val="24292F"/>
+                </a:solidFill>
+                <a:effectLst/>
+                <a:latin typeface="Consolas" panose="020B0609020204030204" pitchFamily="49" charset="0"/>
+                <a:ea typeface="Times New Roman" panose="02020603050405020304" pitchFamily="18" charset="0"/>
+                <a:cs typeface="Courier New" panose="02070309020205020404" pitchFamily="49" charset="0"/>
+              </a:rPr>
+              <a:t>	Compute needed collateral to cover the borrows</a:t>
+            </a:r>
+            <a:endParaRPr lang="it-IT" sz="1800" dirty="0">
+              <a:effectLst/>
+              <a:latin typeface="Calibri" panose="020F0502020204030204" pitchFamily="34" charset="0"/>
+              <a:ea typeface="Calibri" panose="020F0502020204030204" pitchFamily="34" charset="0"/>
+              <a:cs typeface="Times New Roman" panose="02020603050405020304" pitchFamily="18" charset="0"/>
+            </a:endParaRPr>
+          </a:p>
+          <a:p>
+            <a:pPr algn="just">
+              <a:lnSpc>
+                <a:spcPct val="107000"/>
+              </a:lnSpc>
+              <a:spcAft>
+                <a:spcPts val="800"/>
+              </a:spcAft>
+              <a:tabLst>
+                <a:tab pos="581660" algn="l"/>
+                <a:tab pos="1163320" algn="l"/>
+                <a:tab pos="1744980" algn="l"/>
+                <a:tab pos="2326640" algn="l"/>
+                <a:tab pos="2908300" algn="l"/>
+                <a:tab pos="3489960" algn="l"/>
+                <a:tab pos="4071620" algn="l"/>
+                <a:tab pos="4653280" algn="l"/>
+                <a:tab pos="5234940" algn="l"/>
+                <a:tab pos="5816600" algn="l"/>
+                <a:tab pos="6398260" algn="l"/>
+                <a:tab pos="6979920" algn="l"/>
+                <a:tab pos="7561580" algn="l"/>
+                <a:tab pos="8143240" algn="l"/>
+                <a:tab pos="8724900" algn="l"/>
+                <a:tab pos="9306560" algn="l"/>
+              </a:tabLst>
+            </a:pPr>
+            <a:r>
+              <a:rPr lang="en-GB" sz="1800" dirty="0">
+                <a:solidFill>
+                  <a:srgbClr val="24292F"/>
+                </a:solidFill>
+                <a:effectLst/>
+                <a:latin typeface="Consolas" panose="020B0609020204030204" pitchFamily="49" charset="0"/>
+                <a:ea typeface="Times New Roman" panose="02020603050405020304" pitchFamily="18" charset="0"/>
+                <a:cs typeface="Courier New" panose="02070309020205020404" pitchFamily="49" charset="0"/>
+              </a:rPr>
+              <a:t>	require(user’s collateral &gt;= collateral needed)</a:t>
+            </a:r>
+            <a:endParaRPr lang="it-IT" sz="1800" dirty="0">
+              <a:effectLst/>
+              <a:latin typeface="Calibri" panose="020F0502020204030204" pitchFamily="34" charset="0"/>
+              <a:ea typeface="Calibri" panose="020F0502020204030204" pitchFamily="34" charset="0"/>
+              <a:cs typeface="Times New Roman" panose="02020603050405020304" pitchFamily="18" charset="0"/>
+            </a:endParaRPr>
+          </a:p>
+          <a:p>
+            <a:pPr algn="just">
+              <a:lnSpc>
+                <a:spcPct val="107000"/>
+              </a:lnSpc>
+              <a:spcAft>
+                <a:spcPts val="800"/>
+              </a:spcAft>
+              <a:tabLst>
+                <a:tab pos="581660" algn="l"/>
+                <a:tab pos="1163320" algn="l"/>
+                <a:tab pos="1744980" algn="l"/>
+                <a:tab pos="2326640" algn="l"/>
+                <a:tab pos="2908300" algn="l"/>
+                <a:tab pos="3489960" algn="l"/>
+                <a:tab pos="4071620" algn="l"/>
+                <a:tab pos="4653280" algn="l"/>
+                <a:tab pos="5234940" algn="l"/>
+                <a:tab pos="5816600" algn="l"/>
+                <a:tab pos="6398260" algn="l"/>
+                <a:tab pos="6979920" algn="l"/>
+                <a:tab pos="7561580" algn="l"/>
+                <a:tab pos="8143240" algn="l"/>
+                <a:tab pos="8724900" algn="l"/>
+                <a:tab pos="9306560" algn="l"/>
+              </a:tabLst>
+            </a:pPr>
+            <a:r>
+              <a:rPr lang="en-GB" sz="1800" dirty="0">
+                <a:solidFill>
+                  <a:srgbClr val="24292F"/>
+                </a:solidFill>
+                <a:effectLst/>
+                <a:latin typeface="Consolas" panose="020B0609020204030204" pitchFamily="49" charset="0"/>
+                <a:ea typeface="Times New Roman" panose="02020603050405020304" pitchFamily="18" charset="0"/>
+                <a:cs typeface="Courier New" panose="02070309020205020404" pitchFamily="49" charset="0"/>
+              </a:rPr>
+              <a:t>	Update the state of Lending Pool on borrow action</a:t>
+            </a:r>
+            <a:endParaRPr lang="it-IT" sz="1800" dirty="0">
+              <a:effectLst/>
+              <a:latin typeface="Calibri" panose="020F0502020204030204" pitchFamily="34" charset="0"/>
+              <a:ea typeface="Calibri" panose="020F0502020204030204" pitchFamily="34" charset="0"/>
+              <a:cs typeface="Times New Roman" panose="02020603050405020304" pitchFamily="18" charset="0"/>
+            </a:endParaRPr>
+          </a:p>
+          <a:p>
+            <a:pPr algn="just">
+              <a:lnSpc>
+                <a:spcPct val="107000"/>
+              </a:lnSpc>
+              <a:spcAft>
+                <a:spcPts val="800"/>
+              </a:spcAft>
+              <a:tabLst>
+                <a:tab pos="581660" algn="l"/>
+                <a:tab pos="1163320" algn="l"/>
+                <a:tab pos="1744980" algn="l"/>
+                <a:tab pos="2326640" algn="l"/>
+                <a:tab pos="2908300" algn="l"/>
+                <a:tab pos="3489960" algn="l"/>
+                <a:tab pos="4071620" algn="l"/>
+                <a:tab pos="4653280" algn="l"/>
+                <a:tab pos="5234940" algn="l"/>
+                <a:tab pos="5816600" algn="l"/>
+                <a:tab pos="6398260" algn="l"/>
+                <a:tab pos="6979920" algn="l"/>
+                <a:tab pos="7561580" algn="l"/>
+                <a:tab pos="8143240" algn="l"/>
+                <a:tab pos="8724900" algn="l"/>
+                <a:tab pos="9306560" algn="l"/>
+              </a:tabLst>
+            </a:pPr>
+            <a:r>
+              <a:rPr lang="en-GB" sz="1800" dirty="0">
+                <a:solidFill>
+                  <a:srgbClr val="24292F"/>
+                </a:solidFill>
+                <a:effectLst/>
+                <a:latin typeface="Consolas" panose="020B0609020204030204" pitchFamily="49" charset="0"/>
+                <a:ea typeface="Times New Roman" panose="02020603050405020304" pitchFamily="18" charset="0"/>
+                <a:cs typeface="Courier New" panose="02070309020205020404" pitchFamily="49" charset="0"/>
+              </a:rPr>
+              <a:t>	Transfer to </a:t>
+            </a:r>
+            <a:r>
+              <a:rPr lang="en-GB" sz="1800" dirty="0" err="1">
+                <a:solidFill>
+                  <a:srgbClr val="24292F"/>
+                </a:solidFill>
+                <a:effectLst/>
+                <a:latin typeface="Consolas" panose="020B0609020204030204" pitchFamily="49" charset="0"/>
+                <a:ea typeface="Times New Roman" panose="02020603050405020304" pitchFamily="18" charset="0"/>
+                <a:cs typeface="Courier New" panose="02070309020205020404" pitchFamily="49" charset="0"/>
+              </a:rPr>
+              <a:t>msg.sender</a:t>
+            </a:r>
+            <a:r>
+              <a:rPr lang="en-GB" sz="1800" dirty="0">
+                <a:solidFill>
+                  <a:srgbClr val="24292F"/>
+                </a:solidFill>
+                <a:effectLst/>
+                <a:latin typeface="Consolas" panose="020B0609020204030204" pitchFamily="49" charset="0"/>
+                <a:ea typeface="Times New Roman" panose="02020603050405020304" pitchFamily="18" charset="0"/>
+                <a:cs typeface="Courier New" panose="02070309020205020404" pitchFamily="49" charset="0"/>
+              </a:rPr>
+              <a:t> the </a:t>
+            </a:r>
+            <a:r>
+              <a:rPr lang="en-GB" sz="1800" dirty="0" err="1">
+                <a:solidFill>
+                  <a:srgbClr val="24292F"/>
+                </a:solidFill>
+                <a:effectLst/>
+                <a:latin typeface="Consolas" panose="020B0609020204030204" pitchFamily="49" charset="0"/>
+                <a:ea typeface="Times New Roman" panose="02020603050405020304" pitchFamily="18" charset="0"/>
+                <a:cs typeface="Courier New" panose="02070309020205020404" pitchFamily="49" charset="0"/>
+              </a:rPr>
+              <a:t>amountToBorrow</a:t>
+            </a:r>
+            <a:r>
+              <a:rPr lang="en-GB" sz="1800" dirty="0">
+                <a:solidFill>
+                  <a:srgbClr val="24292F"/>
+                </a:solidFill>
+                <a:effectLst/>
+                <a:latin typeface="Consolas" panose="020B0609020204030204" pitchFamily="49" charset="0"/>
+                <a:ea typeface="Times New Roman" panose="02020603050405020304" pitchFamily="18" charset="0"/>
+                <a:cs typeface="Courier New" panose="02070309020205020404" pitchFamily="49" charset="0"/>
+              </a:rPr>
+              <a:t> required</a:t>
+            </a:r>
+            <a:endParaRPr lang="it-IT" sz="1800" dirty="0">
+              <a:effectLst/>
+              <a:latin typeface="Calibri" panose="020F0502020204030204" pitchFamily="34" charset="0"/>
+              <a:ea typeface="Calibri" panose="020F0502020204030204" pitchFamily="34" charset="0"/>
+              <a:cs typeface="Times New Roman" panose="02020603050405020304" pitchFamily="18" charset="0"/>
+            </a:endParaRPr>
           </a:p>
         </p:txBody>
       </p:sp>
@@ -9684,7 +10242,7 @@
           <p:cNvPr id="5" name="CasellaDiTesto 4">
             <a:extLst>
               <a:ext uri="{FF2B5EF4-FFF2-40B4-BE49-F238E27FC236}">
-                <a16:creationId xmlns:a16="http://schemas.microsoft.com/office/drawing/2014/main" id="{04F71CA2-3726-55CE-0BCF-4B0C77559E0B}"/>
+                <a16:creationId xmlns:a16="http://schemas.microsoft.com/office/drawing/2014/main" id="{C652B285-1A37-6A66-1AD5-72AD7CCF4797}"/>
               </a:ext>
             </a:extLst>
           </p:cNvPr>
@@ -9760,7 +10318,7 @@
           <p:cNvPr id="6" name="Segnaposto numero diapositiva 5">
             <a:extLst>
               <a:ext uri="{FF2B5EF4-FFF2-40B4-BE49-F238E27FC236}">
-                <a16:creationId xmlns:a16="http://schemas.microsoft.com/office/drawing/2014/main" id="{4A32CD82-05F1-1DC8-33F5-5C204484EC30}"/>
+                <a16:creationId xmlns:a16="http://schemas.microsoft.com/office/drawing/2014/main" id="{BD9181B8-8819-EC56-B243-090BDFAECC76}"/>
               </a:ext>
             </a:extLst>
           </p:cNvPr>
@@ -9790,7 +10348,7 @@
     </p:spTree>
     <p:extLst>
       <p:ext uri="{BB962C8B-B14F-4D97-AF65-F5344CB8AC3E}">
-        <p14:creationId xmlns:p14="http://schemas.microsoft.com/office/powerpoint/2010/main" val="408533690"/>
+        <p14:creationId xmlns:p14="http://schemas.microsoft.com/office/powerpoint/2010/main" val="1866419259"/>
       </p:ext>
     </p:extLst>
   </p:cSld>
@@ -9848,7 +10406,7 @@
               <a:rPr lang="en-GB" dirty="0">
                 <a:latin typeface="Exo 2 Condensed" panose="00000506000000000000" pitchFamily="50" charset="0"/>
               </a:rPr>
-              <a:t>: borrow function</a:t>
+              <a:t>: deposit function</a:t>
             </a:r>
           </a:p>
         </p:txBody>
@@ -9869,15 +10427,10 @@
             <p:ph idx="1"/>
           </p:nvPr>
         </p:nvSpPr>
-        <p:spPr>
-          <a:xfrm>
-            <a:off x="1097280" y="1845733"/>
-            <a:ext cx="10058400" cy="4412453"/>
-          </a:xfrm>
-        </p:spPr>
+        <p:spPr/>
         <p:txBody>
           <a:bodyPr>
-            <a:normAutofit fontScale="62500" lnSpcReduction="20000"/>
+            <a:normAutofit fontScale="92500" lnSpcReduction="10000"/>
           </a:bodyPr>
           <a:lstStyle/>
           <a:p>
@@ -9917,7 +10470,7 @@
                 <a:ea typeface="Times New Roman" panose="02020603050405020304" pitchFamily="18" charset="0"/>
                 <a:cs typeface="Courier New" panose="02070309020205020404" pitchFamily="49" charset="0"/>
               </a:rPr>
-              <a:t>borrow</a:t>
+              <a:t>deposit</a:t>
             </a:r>
             <a:r>
               <a:rPr lang="en-GB" sz="1800" dirty="0">
@@ -9965,7 +10518,31 @@
                 <a:ea typeface="Times New Roman" panose="02020603050405020304" pitchFamily="18" charset="0"/>
                 <a:cs typeface="Courier New" panose="02070309020205020404" pitchFamily="49" charset="0"/>
               </a:rPr>
-              <a:t>amountToBorrow</a:t>
+              <a:t>amountToDeposit</a:t>
+            </a:r>
+            <a:r>
+              <a:rPr lang="en-GB" sz="1800" dirty="0">
+                <a:solidFill>
+                  <a:srgbClr val="24292F"/>
+                </a:solidFill>
+                <a:effectLst/>
+                <a:latin typeface="Consolas" panose="020B0609020204030204" pitchFamily="49" charset="0"/>
+                <a:ea typeface="Times New Roman" panose="02020603050405020304" pitchFamily="18" charset="0"/>
+                <a:cs typeface="Courier New" panose="02070309020205020404" pitchFamily="49" charset="0"/>
+              </a:rPr>
+              <a:t>, bool </a:t>
+            </a:r>
+            <a:r>
+              <a:rPr lang="en-GB" sz="1800" b="1" dirty="0" err="1">
+                <a:solidFill>
+                  <a:srgbClr val="24292F"/>
+                </a:solidFill>
+                <a:effectLst/>
+                <a:latin typeface="Consolas" panose="020B0609020204030204" pitchFamily="49" charset="0"/>
+                <a:ea typeface="Times New Roman" panose="02020603050405020304" pitchFamily="18" charset="0"/>
+                <a:cs typeface="Courier New" panose="02070309020205020404" pitchFamily="49" charset="0"/>
+              </a:rPr>
+              <a:t>useAsCollateral</a:t>
             </a:r>
             <a:r>
               <a:rPr lang="en-GB" sz="1800" dirty="0">
@@ -10035,7 +10612,7 @@
                 <a:ea typeface="Times New Roman" panose="02020603050405020304" pitchFamily="18" charset="0"/>
                 <a:cs typeface="Courier New" panose="02070309020205020404" pitchFamily="49" charset="0"/>
               </a:rPr>
-              <a:t>amountToBorrow</a:t>
+              <a:t>amountToDeposit</a:t>
             </a:r>
             <a:r>
               <a:rPr lang="en-GB" sz="1800" dirty="0">
@@ -10105,7 +10682,7 @@
                 <a:ea typeface="Times New Roman" panose="02020603050405020304" pitchFamily="18" charset="0"/>
                 <a:cs typeface="Courier New" panose="02070309020205020404" pitchFamily="49" charset="0"/>
               </a:rPr>
-              <a:t>LiquidityOfLendingPool</a:t>
+              <a:t>msg.sender</a:t>
             </a:r>
             <a:r>
               <a:rPr lang="en-GB" sz="1800" dirty="0">
@@ -10117,31 +10694,7 @@
                 <a:ea typeface="Times New Roman" panose="02020603050405020304" pitchFamily="18" charset="0"/>
                 <a:cs typeface="Courier New" panose="02070309020205020404" pitchFamily="49" charset="0"/>
               </a:rPr>
-              <a:t> &gt;= </a:t>
-            </a:r>
-            <a:r>
-              <a:rPr lang="en-GB" sz="1800" dirty="0" err="1">
-                <a:solidFill>
-                  <a:srgbClr val="24292F"/>
-                </a:solidFill>
-                <a:effectLst/>
-                <a:latin typeface="Consolas" panose="020B0609020204030204" pitchFamily="49" charset="0"/>
-                <a:ea typeface="Times New Roman" panose="02020603050405020304" pitchFamily="18" charset="0"/>
-                <a:cs typeface="Courier New" panose="02070309020205020404" pitchFamily="49" charset="0"/>
-              </a:rPr>
-              <a:t>amountToBorrow</a:t>
-            </a:r>
-            <a:r>
-              <a:rPr lang="en-GB" sz="1800" dirty="0">
-                <a:solidFill>
-                  <a:srgbClr val="24292F"/>
-                </a:solidFill>
-                <a:effectLst/>
-                <a:latin typeface="Consolas" panose="020B0609020204030204" pitchFamily="49" charset="0"/>
-                <a:ea typeface="Times New Roman" panose="02020603050405020304" pitchFamily="18" charset="0"/>
-                <a:cs typeface="Courier New" panose="02070309020205020404" pitchFamily="49" charset="0"/>
-              </a:rPr>
-              <a:t>)</a:t>
+              <a:t> allows the deposit) //allowance method of ERC20</a:t>
             </a:r>
             <a:endParaRPr lang="it-IT" sz="1800" dirty="0">
               <a:effectLst/>
@@ -10187,7 +10740,7 @@
                 <a:ea typeface="Times New Roman" panose="02020603050405020304" pitchFamily="18" charset="0"/>
                 <a:cs typeface="Courier New" panose="02070309020205020404" pitchFamily="49" charset="0"/>
               </a:rPr>
-              <a:t>	Compute User Data //(total liquidity, collateral, borrows, </a:t>
+              <a:t>	Transfer the </a:t>
             </a:r>
             <a:r>
               <a:rPr lang="en-GB" sz="1800" dirty="0" err="1">
@@ -10199,7 +10752,7 @@
                 <a:ea typeface="Times New Roman" panose="02020603050405020304" pitchFamily="18" charset="0"/>
                 <a:cs typeface="Courier New" panose="02070309020205020404" pitchFamily="49" charset="0"/>
               </a:rPr>
-              <a:t>LoanToValue</a:t>
+              <a:t>amountToDeposit</a:t>
             </a:r>
             <a:r>
               <a:rPr lang="en-GB" sz="1800" dirty="0">
@@ -10211,7 +10764,7 @@
                 <a:ea typeface="Times New Roman" panose="02020603050405020304" pitchFamily="18" charset="0"/>
                 <a:cs typeface="Courier New" panose="02070309020205020404" pitchFamily="49" charset="0"/>
               </a:rPr>
-              <a:t>, …, HF)</a:t>
+              <a:t> to Lending Pool</a:t>
             </a:r>
             <a:endParaRPr lang="it-IT" sz="1800" dirty="0">
               <a:effectLst/>
@@ -10257,7 +10810,7 @@
                 <a:ea typeface="Times New Roman" panose="02020603050405020304" pitchFamily="18" charset="0"/>
                 <a:cs typeface="Courier New" panose="02070309020205020404" pitchFamily="49" charset="0"/>
               </a:rPr>
-              <a:t>	require(HF &gt; threshold) // threshold is </a:t>
+              <a:t>	Mint an amount of </a:t>
             </a:r>
             <a:r>
               <a:rPr lang="en-GB" sz="1800" dirty="0" err="1">
@@ -10269,19 +10822,7 @@
                 <a:ea typeface="Times New Roman" panose="02020603050405020304" pitchFamily="18" charset="0"/>
                 <a:cs typeface="Courier New" panose="02070309020205020404" pitchFamily="49" charset="0"/>
               </a:rPr>
-              <a:t>tipically</a:t>
-            </a:r>
-            <a:r>
-              <a:rPr lang="en-GB" sz="1800" dirty="0">
-                <a:solidFill>
-                  <a:srgbClr val="24292F"/>
-                </a:solidFill>
-                <a:effectLst/>
-                <a:latin typeface="Consolas" panose="020B0609020204030204" pitchFamily="49" charset="0"/>
-                <a:ea typeface="Times New Roman" panose="02020603050405020304" pitchFamily="18" charset="0"/>
-                <a:cs typeface="Courier New" panose="02070309020205020404" pitchFamily="49" charset="0"/>
-              </a:rPr>
-              <a:t> = 1</a:t>
+              <a:t>aTokens</a:t>
             </a:r>
             <a:endParaRPr lang="it-IT" sz="1800" dirty="0">
               <a:effectLst/>
@@ -10327,31 +10868,7 @@
                 <a:ea typeface="Times New Roman" panose="02020603050405020304" pitchFamily="18" charset="0"/>
                 <a:cs typeface="Courier New" panose="02070309020205020404" pitchFamily="49" charset="0"/>
               </a:rPr>
-              <a:t>	Compute the fee (0.0025%) for the </a:t>
-            </a:r>
-            <a:r>
-              <a:rPr lang="en-GB" sz="1800" dirty="0" err="1">
-                <a:solidFill>
-                  <a:srgbClr val="24292F"/>
-                </a:solidFill>
-                <a:effectLst/>
-                <a:latin typeface="Consolas" panose="020B0609020204030204" pitchFamily="49" charset="0"/>
-                <a:ea typeface="Times New Roman" panose="02020603050405020304" pitchFamily="18" charset="0"/>
-                <a:cs typeface="Courier New" panose="02070309020205020404" pitchFamily="49" charset="0"/>
-              </a:rPr>
-              <a:t>amountToBorrow</a:t>
-            </a:r>
-            <a:r>
-              <a:rPr lang="en-GB" sz="1800" dirty="0">
-                <a:solidFill>
-                  <a:srgbClr val="24292F"/>
-                </a:solidFill>
-                <a:effectLst/>
-                <a:latin typeface="Consolas" panose="020B0609020204030204" pitchFamily="49" charset="0"/>
-                <a:ea typeface="Times New Roman" panose="02020603050405020304" pitchFamily="18" charset="0"/>
-                <a:cs typeface="Courier New" panose="02070309020205020404" pitchFamily="49" charset="0"/>
-              </a:rPr>
-              <a:t> </a:t>
+              <a:t>	Update the state of the reserve</a:t>
             </a:r>
             <a:endParaRPr lang="it-IT" sz="1800" dirty="0">
               <a:effectLst/>
@@ -10397,7 +10914,7 @@
                 <a:ea typeface="Times New Roman" panose="02020603050405020304" pitchFamily="18" charset="0"/>
                 <a:cs typeface="Courier New" panose="02070309020205020404" pitchFamily="49" charset="0"/>
               </a:rPr>
-              <a:t>	require(fee &gt; 0)</a:t>
+              <a:t>	Eventually set user uses this reserve as collateral</a:t>
             </a:r>
             <a:endParaRPr lang="it-IT" sz="1800" dirty="0">
               <a:effectLst/>
@@ -10443,7 +10960,7 @@
                 <a:ea typeface="Times New Roman" panose="02020603050405020304" pitchFamily="18" charset="0"/>
                 <a:cs typeface="Courier New" panose="02070309020205020404" pitchFamily="49" charset="0"/>
               </a:rPr>
-              <a:t>	Compute needed collateral to cover the borrows</a:t>
+              <a:t>}</a:t>
             </a:r>
             <a:endParaRPr lang="it-IT" sz="1800" dirty="0">
               <a:effectLst/>
@@ -10479,18 +10996,6 @@
                 <a:tab pos="9306560" algn="l"/>
               </a:tabLst>
             </a:pPr>
-            <a:r>
-              <a:rPr lang="en-GB" sz="1800" dirty="0">
-                <a:solidFill>
-                  <a:srgbClr val="24292F"/>
-                </a:solidFill>
-                <a:effectLst/>
-                <a:latin typeface="Consolas" panose="020B0609020204030204" pitchFamily="49" charset="0"/>
-                <a:ea typeface="Times New Roman" panose="02020603050405020304" pitchFamily="18" charset="0"/>
-                <a:cs typeface="Courier New" panose="02070309020205020404" pitchFamily="49" charset="0"/>
-              </a:rPr>
-              <a:t>	require(user’s collateral &gt;= collateral needed)</a:t>
-            </a:r>
             <a:endParaRPr lang="it-IT" sz="1800" dirty="0">
               <a:effectLst/>
               <a:latin typeface="Calibri" panose="020F0502020204030204" pitchFamily="34" charset="0"/>
@@ -10498,146 +11003,6 @@
               <a:cs typeface="Times New Roman" panose="02020603050405020304" pitchFamily="18" charset="0"/>
             </a:endParaRPr>
           </a:p>
-          <a:p>
-            <a:pPr algn="just">
-              <a:lnSpc>
-                <a:spcPct val="107000"/>
-              </a:lnSpc>
-              <a:spcAft>
-                <a:spcPts val="800"/>
-              </a:spcAft>
-              <a:tabLst>
-                <a:tab pos="581660" algn="l"/>
-                <a:tab pos="1163320" algn="l"/>
-                <a:tab pos="1744980" algn="l"/>
-                <a:tab pos="2326640" algn="l"/>
-                <a:tab pos="2908300" algn="l"/>
-                <a:tab pos="3489960" algn="l"/>
-                <a:tab pos="4071620" algn="l"/>
-                <a:tab pos="4653280" algn="l"/>
-                <a:tab pos="5234940" algn="l"/>
-                <a:tab pos="5816600" algn="l"/>
-                <a:tab pos="6398260" algn="l"/>
-                <a:tab pos="6979920" algn="l"/>
-                <a:tab pos="7561580" algn="l"/>
-                <a:tab pos="8143240" algn="l"/>
-                <a:tab pos="8724900" algn="l"/>
-                <a:tab pos="9306560" algn="l"/>
-              </a:tabLst>
-            </a:pPr>
-            <a:r>
-              <a:rPr lang="en-GB" sz="1800" dirty="0">
-                <a:solidFill>
-                  <a:srgbClr val="24292F"/>
-                </a:solidFill>
-                <a:effectLst/>
-                <a:latin typeface="Consolas" panose="020B0609020204030204" pitchFamily="49" charset="0"/>
-                <a:ea typeface="Times New Roman" panose="02020603050405020304" pitchFamily="18" charset="0"/>
-                <a:cs typeface="Courier New" panose="02070309020205020404" pitchFamily="49" charset="0"/>
-              </a:rPr>
-              <a:t>	Update the state of Lending Pool on borrow action</a:t>
-            </a:r>
-            <a:endParaRPr lang="it-IT" sz="1800" dirty="0">
-              <a:effectLst/>
-              <a:latin typeface="Calibri" panose="020F0502020204030204" pitchFamily="34" charset="0"/>
-              <a:ea typeface="Calibri" panose="020F0502020204030204" pitchFamily="34" charset="0"/>
-              <a:cs typeface="Times New Roman" panose="02020603050405020304" pitchFamily="18" charset="0"/>
-            </a:endParaRPr>
-          </a:p>
-          <a:p>
-            <a:pPr algn="just">
-              <a:lnSpc>
-                <a:spcPct val="107000"/>
-              </a:lnSpc>
-              <a:spcAft>
-                <a:spcPts val="800"/>
-              </a:spcAft>
-              <a:tabLst>
-                <a:tab pos="581660" algn="l"/>
-                <a:tab pos="1163320" algn="l"/>
-                <a:tab pos="1744980" algn="l"/>
-                <a:tab pos="2326640" algn="l"/>
-                <a:tab pos="2908300" algn="l"/>
-                <a:tab pos="3489960" algn="l"/>
-                <a:tab pos="4071620" algn="l"/>
-                <a:tab pos="4653280" algn="l"/>
-                <a:tab pos="5234940" algn="l"/>
-                <a:tab pos="5816600" algn="l"/>
-                <a:tab pos="6398260" algn="l"/>
-                <a:tab pos="6979920" algn="l"/>
-                <a:tab pos="7561580" algn="l"/>
-                <a:tab pos="8143240" algn="l"/>
-                <a:tab pos="8724900" algn="l"/>
-                <a:tab pos="9306560" algn="l"/>
-              </a:tabLst>
-            </a:pPr>
-            <a:r>
-              <a:rPr lang="en-GB" sz="1800" dirty="0">
-                <a:solidFill>
-                  <a:srgbClr val="24292F"/>
-                </a:solidFill>
-                <a:effectLst/>
-                <a:latin typeface="Consolas" panose="020B0609020204030204" pitchFamily="49" charset="0"/>
-                <a:ea typeface="Times New Roman" panose="02020603050405020304" pitchFamily="18" charset="0"/>
-                <a:cs typeface="Courier New" panose="02070309020205020404" pitchFamily="49" charset="0"/>
-              </a:rPr>
-              <a:t>	Transfer to </a:t>
-            </a:r>
-            <a:r>
-              <a:rPr lang="en-GB" sz="1800" dirty="0" err="1">
-                <a:solidFill>
-                  <a:srgbClr val="24292F"/>
-                </a:solidFill>
-                <a:effectLst/>
-                <a:latin typeface="Consolas" panose="020B0609020204030204" pitchFamily="49" charset="0"/>
-                <a:ea typeface="Times New Roman" panose="02020603050405020304" pitchFamily="18" charset="0"/>
-                <a:cs typeface="Courier New" panose="02070309020205020404" pitchFamily="49" charset="0"/>
-              </a:rPr>
-              <a:t>msg.sender</a:t>
-            </a:r>
-            <a:r>
-              <a:rPr lang="en-GB" sz="1800" dirty="0">
-                <a:solidFill>
-                  <a:srgbClr val="24292F"/>
-                </a:solidFill>
-                <a:effectLst/>
-                <a:latin typeface="Consolas" panose="020B0609020204030204" pitchFamily="49" charset="0"/>
-                <a:ea typeface="Times New Roman" panose="02020603050405020304" pitchFamily="18" charset="0"/>
-                <a:cs typeface="Courier New" panose="02070309020205020404" pitchFamily="49" charset="0"/>
-              </a:rPr>
-              <a:t> the </a:t>
-            </a:r>
-            <a:r>
-              <a:rPr lang="en-GB" sz="1800" dirty="0" err="1">
-                <a:solidFill>
-                  <a:srgbClr val="24292F"/>
-                </a:solidFill>
-                <a:effectLst/>
-                <a:latin typeface="Consolas" panose="020B0609020204030204" pitchFamily="49" charset="0"/>
-                <a:ea typeface="Times New Roman" panose="02020603050405020304" pitchFamily="18" charset="0"/>
-                <a:cs typeface="Courier New" panose="02070309020205020404" pitchFamily="49" charset="0"/>
-              </a:rPr>
-              <a:t>amountToBorrow</a:t>
-            </a:r>
-            <a:r>
-              <a:rPr lang="en-GB" sz="1800" dirty="0">
-                <a:solidFill>
-                  <a:srgbClr val="24292F"/>
-                </a:solidFill>
-                <a:effectLst/>
-                <a:latin typeface="Consolas" panose="020B0609020204030204" pitchFamily="49" charset="0"/>
-                <a:ea typeface="Times New Roman" panose="02020603050405020304" pitchFamily="18" charset="0"/>
-                <a:cs typeface="Courier New" panose="02070309020205020404" pitchFamily="49" charset="0"/>
-              </a:rPr>
-              <a:t> required</a:t>
-            </a:r>
-            <a:endParaRPr lang="it-IT" sz="1800" dirty="0">
-              <a:effectLst/>
-              <a:latin typeface="Calibri" panose="020F0502020204030204" pitchFamily="34" charset="0"/>
-              <a:ea typeface="Calibri" panose="020F0502020204030204" pitchFamily="34" charset="0"/>
-              <a:cs typeface="Times New Roman" panose="02020603050405020304" pitchFamily="18" charset="0"/>
-            </a:endParaRPr>
-          </a:p>
         </p:txBody>
       </p:sp>
       <p:sp>
@@ -10645,7 +11010,7 @@
           <p:cNvPr id="5" name="CasellaDiTesto 4">
             <a:extLst>
               <a:ext uri="{FF2B5EF4-FFF2-40B4-BE49-F238E27FC236}">
-                <a16:creationId xmlns:a16="http://schemas.microsoft.com/office/drawing/2014/main" id="{C652B285-1A37-6A66-1AD5-72AD7CCF4797}"/>
+                <a16:creationId xmlns:a16="http://schemas.microsoft.com/office/drawing/2014/main" id="{CF6B6ABC-1DE0-138C-5CEB-AF4D1D991303}"/>
               </a:ext>
             </a:extLst>
           </p:cNvPr>
@@ -10721,7 +11086,7 @@
           <p:cNvPr id="6" name="Segnaposto numero diapositiva 5">
             <a:extLst>
               <a:ext uri="{FF2B5EF4-FFF2-40B4-BE49-F238E27FC236}">
-                <a16:creationId xmlns:a16="http://schemas.microsoft.com/office/drawing/2014/main" id="{BD9181B8-8819-EC56-B243-090BDFAECC76}"/>
+                <a16:creationId xmlns:a16="http://schemas.microsoft.com/office/drawing/2014/main" id="{4A6D54B7-AE8E-2548-F37C-C7146E6F3ADC}"/>
               </a:ext>
             </a:extLst>
           </p:cNvPr>
@@ -10751,7 +11116,7 @@
     </p:spTree>
     <p:extLst>
       <p:ext uri="{BB962C8B-B14F-4D97-AF65-F5344CB8AC3E}">
-        <p14:creationId xmlns:p14="http://schemas.microsoft.com/office/powerpoint/2010/main" val="1866419259"/>
+        <p14:creationId xmlns:p14="http://schemas.microsoft.com/office/powerpoint/2010/main" val="4102571619"/>
       </p:ext>
     </p:extLst>
   </p:cSld>
@@ -10809,7 +11174,7 @@
               <a:rPr lang="en-GB" dirty="0">
                 <a:latin typeface="Exo 2 Condensed" panose="00000506000000000000" pitchFamily="50" charset="0"/>
               </a:rPr>
-              <a:t>: deposit function</a:t>
+              <a:t>: other important functions</a:t>
             </a:r>
           </a:p>
         </p:txBody>
@@ -10830,590 +11195,188 @@
             <p:ph idx="1"/>
           </p:nvPr>
         </p:nvSpPr>
-        <p:spPr/>
-        <p:txBody>
-          <a:bodyPr>
-            <a:normAutofit fontScale="92500" lnSpcReduction="10000"/>
-          </a:bodyPr>
+        <p:spPr>
+          <a:xfrm>
+            <a:off x="1097280" y="1845734"/>
+            <a:ext cx="10058400" cy="4611620"/>
+          </a:xfrm>
+        </p:spPr>
+        <p:txBody>
+          <a:bodyPr/>
           <a:lstStyle/>
           <a:p>
-            <a:pPr algn="just">
-              <a:lnSpc>
-                <a:spcPct val="107000"/>
-              </a:lnSpc>
-              <a:spcAft>
-                <a:spcPts val="800"/>
-              </a:spcAft>
-              <a:tabLst>
-                <a:tab pos="581660" algn="l"/>
-                <a:tab pos="1163320" algn="l"/>
-                <a:tab pos="1744980" algn="l"/>
-                <a:tab pos="2326640" algn="l"/>
-                <a:tab pos="2908300" algn="l"/>
-                <a:tab pos="3489960" algn="l"/>
-                <a:tab pos="4071620" algn="l"/>
-                <a:tab pos="4653280" algn="l"/>
-                <a:tab pos="5234940" algn="l"/>
-                <a:tab pos="5816600" algn="l"/>
-                <a:tab pos="6398260" algn="l"/>
-                <a:tab pos="6979920" algn="l"/>
-                <a:tab pos="7561580" algn="l"/>
-                <a:tab pos="8143240" algn="l"/>
-                <a:tab pos="8724900" algn="l"/>
-                <a:tab pos="9306560" algn="l"/>
-              </a:tabLst>
-            </a:pPr>
-            <a:r>
-              <a:rPr lang="en-GB" sz="1800" b="1" dirty="0">
+            <a:pPr>
+              <a:buFont typeface="Wingdings" panose="05000000000000000000" pitchFamily="2" charset="2"/>
+              <a:buChar char="Ø"/>
+            </a:pPr>
+            <a:r>
+              <a:rPr lang="en-GB" dirty="0">
+                <a:latin typeface="Exo 2 Condensed" panose="00000506000000000000" pitchFamily="50" charset="0"/>
+              </a:rPr>
+              <a:t> User data</a:t>
+            </a:r>
+          </a:p>
+          <a:p>
+            <a:pPr lvl="1">
+              <a:buFont typeface="Wingdings" panose="05000000000000000000" pitchFamily="2" charset="2"/>
+              <a:buChar char="Ø"/>
+            </a:pPr>
+            <a:r>
+              <a:rPr lang="en-GB" dirty="0">
+                <a:latin typeface="Exo 2 Condensed" panose="00000506000000000000" pitchFamily="50" charset="0"/>
+              </a:rPr>
+              <a:t> total liquidity, total collateral, total borrows and health factor</a:t>
+            </a:r>
+          </a:p>
+          <a:p>
+            <a:pPr>
+              <a:buFont typeface="Wingdings" panose="05000000000000000000" pitchFamily="2" charset="2"/>
+              <a:buChar char="Ø"/>
+            </a:pPr>
+            <a:endParaRPr lang="en-GB" dirty="0">
+              <a:latin typeface="Exo 2 Condensed" panose="00000506000000000000" pitchFamily="50" charset="0"/>
+            </a:endParaRPr>
+          </a:p>
+          <a:p>
+            <a:pPr>
+              <a:buFont typeface="Wingdings" panose="05000000000000000000" pitchFamily="2" charset="2"/>
+              <a:buChar char="Ø"/>
+            </a:pPr>
+            <a:r>
+              <a:rPr lang="en-GB" dirty="0">
+                <a:latin typeface="Exo 2 Condensed" panose="00000506000000000000" pitchFamily="50" charset="0"/>
+              </a:rPr>
+              <a:t> Computing interests for borrowers</a:t>
+            </a:r>
+          </a:p>
+          <a:p>
+            <a:pPr lvl="1">
+              <a:buFont typeface="Wingdings" panose="05000000000000000000" pitchFamily="2" charset="2"/>
+              <a:buChar char="Ø"/>
+            </a:pPr>
+            <a:r>
+              <a:rPr lang="en-GB" dirty="0">
+                <a:latin typeface="Exo 2 Condensed" panose="00000506000000000000" pitchFamily="50" charset="0"/>
+              </a:rPr>
+              <a:t> depends on time, on the utilization of the reserve and on </a:t>
+            </a:r>
+          </a:p>
+          <a:p>
+            <a:pPr marL="201168" lvl="1" indent="0">
+              <a:buNone/>
+            </a:pPr>
+            <a:r>
+              <a:rPr lang="en-GB" dirty="0">
+                <a:latin typeface="Exo 2 Condensed" panose="00000506000000000000" pitchFamily="50" charset="0"/>
+              </a:rPr>
+              <a:t>       other 3 parameters</a:t>
+            </a:r>
+          </a:p>
+          <a:p>
+            <a:pPr>
+              <a:buFont typeface="Wingdings" panose="05000000000000000000" pitchFamily="2" charset="2"/>
+              <a:buChar char="Ø"/>
+            </a:pPr>
+            <a:endParaRPr lang="en-GB" dirty="0">
+              <a:latin typeface="Exo 2 Condensed" panose="00000506000000000000" pitchFamily="50" charset="0"/>
+            </a:endParaRPr>
+          </a:p>
+          <a:p>
+            <a:pPr marL="0" indent="0">
+              <a:buNone/>
+            </a:pPr>
+            <a:endParaRPr lang="en-GB" dirty="0">
+              <a:latin typeface="Exo 2 Condensed" panose="00000506000000000000" pitchFamily="50" charset="0"/>
+            </a:endParaRPr>
+          </a:p>
+          <a:p>
+            <a:pPr>
+              <a:buFont typeface="Wingdings" panose="05000000000000000000" pitchFamily="2" charset="2"/>
+              <a:buChar char="Ø"/>
+            </a:pPr>
+            <a:r>
+              <a:rPr lang="en-GB" dirty="0">
+                <a:latin typeface="Exo 2 Condensed" panose="00000506000000000000" pitchFamily="50" charset="0"/>
+              </a:rPr>
+              <a:t> Collateral needed to cover a borrow position</a:t>
+            </a:r>
+          </a:p>
+          <a:p>
+            <a:pPr>
+              <a:buFont typeface="Wingdings" panose="05000000000000000000" pitchFamily="2" charset="2"/>
+              <a:buChar char="Ø"/>
+            </a:pPr>
+            <a:endParaRPr lang="en-GB" dirty="0">
+              <a:latin typeface="Exo 2 Condensed" panose="00000506000000000000" pitchFamily="50" charset="0"/>
+            </a:endParaRPr>
+          </a:p>
+          <a:p>
+            <a:pPr>
+              <a:buFont typeface="Wingdings" panose="05000000000000000000" pitchFamily="2" charset="2"/>
+              <a:buChar char="Ø"/>
+            </a:pPr>
+            <a:r>
+              <a:rPr lang="en-GB" dirty="0">
+                <a:latin typeface="Exo 2 Condensed" panose="00000506000000000000" pitchFamily="50" charset="0"/>
+              </a:rPr>
+              <a:t> Say if a user can set a reserve as collateral or not (HF)</a:t>
+            </a:r>
+          </a:p>
+        </p:txBody>
+      </p:sp>
+      <p:pic>
+        <p:nvPicPr>
+          <p:cNvPr id="1026" name="Picture 2" descr="Gauntlet extending support for Interest Rate Curves - Governance - Aave">
+            <a:extLst>
+              <a:ext uri="{FF2B5EF4-FFF2-40B4-BE49-F238E27FC236}">
+                <a16:creationId xmlns:a16="http://schemas.microsoft.com/office/drawing/2014/main" id="{B2071B45-359A-9687-3E17-A4D26A3E0F22}"/>
+              </a:ext>
+            </a:extLst>
+          </p:cNvPr>
+          <p:cNvPicPr>
+            <a:picLocks noChangeAspect="1" noChangeArrowheads="1"/>
+          </p:cNvPicPr>
+          <p:nvPr/>
+        </p:nvPicPr>
+        <p:blipFill>
+          <a:blip r:embed="rId2">
+            <a:extLst>
+              <a:ext uri="{28A0092B-C50C-407E-A947-70E740481C1C}">
+                <a14:useLocalDpi xmlns:a14="http://schemas.microsoft.com/office/drawing/2010/main" val="0"/>
+              </a:ext>
+            </a:extLst>
+          </a:blip>
+          <a:srcRect/>
+          <a:stretch>
+            <a:fillRect/>
+          </a:stretch>
+        </p:blipFill>
+        <p:spPr bwMode="auto">
+          <a:xfrm>
+            <a:off x="6755130" y="2692982"/>
+            <a:ext cx="4163927" cy="2328863"/>
+          </a:xfrm>
+          <a:prstGeom prst="rect">
+            <a:avLst/>
+          </a:prstGeom>
+          <a:noFill/>
+          <a:extLst>
+            <a:ext uri="{909E8E84-426E-40DD-AFC4-6F175D3DCCD1}">
+              <a14:hiddenFill xmlns:a14="http://schemas.microsoft.com/office/drawing/2010/main">
                 <a:solidFill>
-                  <a:srgbClr val="24292F"/>
+                  <a:srgbClr val="FFFFFF"/>
                 </a:solidFill>
-                <a:effectLst/>
-                <a:latin typeface="Consolas" panose="020B0609020204030204" pitchFamily="49" charset="0"/>
-                <a:ea typeface="Times New Roman" panose="02020603050405020304" pitchFamily="18" charset="0"/>
-                <a:cs typeface="Courier New" panose="02070309020205020404" pitchFamily="49" charset="0"/>
-              </a:rPr>
-              <a:t>deposit</a:t>
-            </a:r>
-            <a:r>
-              <a:rPr lang="en-GB" sz="1800" dirty="0">
-                <a:solidFill>
-                  <a:srgbClr val="24292F"/>
-                </a:solidFill>
-                <a:effectLst/>
-                <a:latin typeface="Consolas" panose="020B0609020204030204" pitchFamily="49" charset="0"/>
-                <a:ea typeface="Times New Roman" panose="02020603050405020304" pitchFamily="18" charset="0"/>
-                <a:cs typeface="Courier New" panose="02070309020205020404" pitchFamily="49" charset="0"/>
-              </a:rPr>
-              <a:t> (address </a:t>
-            </a:r>
-            <a:r>
-              <a:rPr lang="en-GB" sz="1800" b="1" dirty="0">
-                <a:solidFill>
-                  <a:srgbClr val="24292F"/>
-                </a:solidFill>
-                <a:effectLst/>
-                <a:latin typeface="Consolas" panose="020B0609020204030204" pitchFamily="49" charset="0"/>
-                <a:ea typeface="Times New Roman" panose="02020603050405020304" pitchFamily="18" charset="0"/>
-                <a:cs typeface="Courier New" panose="02070309020205020404" pitchFamily="49" charset="0"/>
-              </a:rPr>
-              <a:t>reserve</a:t>
-            </a:r>
-            <a:r>
-              <a:rPr lang="en-GB" sz="1800" dirty="0">
-                <a:solidFill>
-                  <a:srgbClr val="24292F"/>
-                </a:solidFill>
-                <a:effectLst/>
-                <a:latin typeface="Consolas" panose="020B0609020204030204" pitchFamily="49" charset="0"/>
-                <a:ea typeface="Times New Roman" panose="02020603050405020304" pitchFamily="18" charset="0"/>
-                <a:cs typeface="Courier New" panose="02070309020205020404" pitchFamily="49" charset="0"/>
-              </a:rPr>
-              <a:t>, uint256 </a:t>
-            </a:r>
-            <a:r>
-              <a:rPr lang="en-GB" sz="1800" b="1" dirty="0" err="1">
-                <a:solidFill>
-                  <a:srgbClr val="24292F"/>
-                </a:solidFill>
-                <a:effectLst/>
-                <a:latin typeface="Consolas" panose="020B0609020204030204" pitchFamily="49" charset="0"/>
-                <a:ea typeface="Times New Roman" panose="02020603050405020304" pitchFamily="18" charset="0"/>
-                <a:cs typeface="Courier New" panose="02070309020205020404" pitchFamily="49" charset="0"/>
-              </a:rPr>
-              <a:t>amountToDeposit</a:t>
-            </a:r>
-            <a:r>
-              <a:rPr lang="en-GB" sz="1800" dirty="0">
-                <a:solidFill>
-                  <a:srgbClr val="24292F"/>
-                </a:solidFill>
-                <a:effectLst/>
-                <a:latin typeface="Consolas" panose="020B0609020204030204" pitchFamily="49" charset="0"/>
-                <a:ea typeface="Times New Roman" panose="02020603050405020304" pitchFamily="18" charset="0"/>
-                <a:cs typeface="Courier New" panose="02070309020205020404" pitchFamily="49" charset="0"/>
-              </a:rPr>
-              <a:t>, bool </a:t>
-            </a:r>
-            <a:r>
-              <a:rPr lang="en-GB" sz="1800" b="1" dirty="0" err="1">
-                <a:solidFill>
-                  <a:srgbClr val="24292F"/>
-                </a:solidFill>
-                <a:effectLst/>
-                <a:latin typeface="Consolas" panose="020B0609020204030204" pitchFamily="49" charset="0"/>
-                <a:ea typeface="Times New Roman" panose="02020603050405020304" pitchFamily="18" charset="0"/>
-                <a:cs typeface="Courier New" panose="02070309020205020404" pitchFamily="49" charset="0"/>
-              </a:rPr>
-              <a:t>useAsCollateral</a:t>
-            </a:r>
-            <a:r>
-              <a:rPr lang="en-GB" sz="1800" dirty="0">
-                <a:solidFill>
-                  <a:srgbClr val="24292F"/>
-                </a:solidFill>
-                <a:effectLst/>
-                <a:latin typeface="Consolas" panose="020B0609020204030204" pitchFamily="49" charset="0"/>
-                <a:ea typeface="Times New Roman" panose="02020603050405020304" pitchFamily="18" charset="0"/>
-                <a:cs typeface="Courier New" panose="02070309020205020404" pitchFamily="49" charset="0"/>
-              </a:rPr>
-              <a:t>){</a:t>
-            </a:r>
-            <a:endParaRPr lang="it-IT" sz="1800" dirty="0">
-              <a:effectLst/>
-              <a:latin typeface="Calibri" panose="020F0502020204030204" pitchFamily="34" charset="0"/>
-              <a:ea typeface="Calibri" panose="020F0502020204030204" pitchFamily="34" charset="0"/>
-              <a:cs typeface="Times New Roman" panose="02020603050405020304" pitchFamily="18" charset="0"/>
-            </a:endParaRPr>
-          </a:p>
-          <a:p>
-            <a:pPr algn="just">
-              <a:lnSpc>
-                <a:spcPct val="107000"/>
-              </a:lnSpc>
-              <a:spcAft>
-                <a:spcPts val="800"/>
-              </a:spcAft>
-              <a:tabLst>
-                <a:tab pos="581660" algn="l"/>
-                <a:tab pos="1163320" algn="l"/>
-                <a:tab pos="1744980" algn="l"/>
-                <a:tab pos="2326640" algn="l"/>
-                <a:tab pos="2908300" algn="l"/>
-                <a:tab pos="3489960" algn="l"/>
-                <a:tab pos="4071620" algn="l"/>
-                <a:tab pos="4653280" algn="l"/>
-                <a:tab pos="5234940" algn="l"/>
-                <a:tab pos="5816600" algn="l"/>
-                <a:tab pos="6398260" algn="l"/>
-                <a:tab pos="6979920" algn="l"/>
-                <a:tab pos="7561580" algn="l"/>
-                <a:tab pos="8143240" algn="l"/>
-                <a:tab pos="8724900" algn="l"/>
-                <a:tab pos="9306560" algn="l"/>
-              </a:tabLst>
-            </a:pPr>
-            <a:r>
-              <a:rPr lang="en-GB" sz="1800" dirty="0">
-                <a:solidFill>
-                  <a:srgbClr val="24292F"/>
-                </a:solidFill>
-                <a:effectLst/>
-                <a:latin typeface="Consolas" panose="020B0609020204030204" pitchFamily="49" charset="0"/>
-                <a:ea typeface="Times New Roman" panose="02020603050405020304" pitchFamily="18" charset="0"/>
-                <a:cs typeface="Courier New" panose="02070309020205020404" pitchFamily="49" charset="0"/>
-              </a:rPr>
-              <a:t>	require(</a:t>
-            </a:r>
-            <a:r>
-              <a:rPr lang="en-GB" sz="1800" dirty="0" err="1">
-                <a:solidFill>
-                  <a:srgbClr val="24292F"/>
-                </a:solidFill>
-                <a:effectLst/>
-                <a:latin typeface="Consolas" panose="020B0609020204030204" pitchFamily="49" charset="0"/>
-                <a:ea typeface="Times New Roman" panose="02020603050405020304" pitchFamily="18" charset="0"/>
-                <a:cs typeface="Courier New" panose="02070309020205020404" pitchFamily="49" charset="0"/>
-              </a:rPr>
-              <a:t>amountToDeposit</a:t>
-            </a:r>
-            <a:r>
-              <a:rPr lang="en-GB" sz="1800" dirty="0">
-                <a:solidFill>
-                  <a:srgbClr val="24292F"/>
-                </a:solidFill>
-                <a:effectLst/>
-                <a:latin typeface="Consolas" panose="020B0609020204030204" pitchFamily="49" charset="0"/>
-                <a:ea typeface="Times New Roman" panose="02020603050405020304" pitchFamily="18" charset="0"/>
-                <a:cs typeface="Courier New" panose="02070309020205020404" pitchFamily="49" charset="0"/>
-              </a:rPr>
-              <a:t> &gt; 0)</a:t>
-            </a:r>
-            <a:endParaRPr lang="it-IT" sz="1800" dirty="0">
-              <a:effectLst/>
-              <a:latin typeface="Calibri" panose="020F0502020204030204" pitchFamily="34" charset="0"/>
-              <a:ea typeface="Calibri" panose="020F0502020204030204" pitchFamily="34" charset="0"/>
-              <a:cs typeface="Times New Roman" panose="02020603050405020304" pitchFamily="18" charset="0"/>
-            </a:endParaRPr>
-          </a:p>
-          <a:p>
-            <a:pPr algn="just">
-              <a:lnSpc>
-                <a:spcPct val="107000"/>
-              </a:lnSpc>
-              <a:spcAft>
-                <a:spcPts val="800"/>
-              </a:spcAft>
-              <a:tabLst>
-                <a:tab pos="581660" algn="l"/>
-                <a:tab pos="1163320" algn="l"/>
-                <a:tab pos="1744980" algn="l"/>
-                <a:tab pos="2326640" algn="l"/>
-                <a:tab pos="2908300" algn="l"/>
-                <a:tab pos="3489960" algn="l"/>
-                <a:tab pos="4071620" algn="l"/>
-                <a:tab pos="4653280" algn="l"/>
-                <a:tab pos="5234940" algn="l"/>
-                <a:tab pos="5816600" algn="l"/>
-                <a:tab pos="6398260" algn="l"/>
-                <a:tab pos="6979920" algn="l"/>
-                <a:tab pos="7561580" algn="l"/>
-                <a:tab pos="8143240" algn="l"/>
-                <a:tab pos="8724900" algn="l"/>
-                <a:tab pos="9306560" algn="l"/>
-              </a:tabLst>
-            </a:pPr>
-            <a:r>
-              <a:rPr lang="en-GB" sz="1800" dirty="0">
-                <a:solidFill>
-                  <a:srgbClr val="24292F"/>
-                </a:solidFill>
-                <a:effectLst/>
-                <a:latin typeface="Consolas" panose="020B0609020204030204" pitchFamily="49" charset="0"/>
-                <a:ea typeface="Times New Roman" panose="02020603050405020304" pitchFamily="18" charset="0"/>
-                <a:cs typeface="Courier New" panose="02070309020205020404" pitchFamily="49" charset="0"/>
-              </a:rPr>
-              <a:t>	require(</a:t>
-            </a:r>
-            <a:r>
-              <a:rPr lang="en-GB" sz="1800" dirty="0" err="1">
-                <a:solidFill>
-                  <a:srgbClr val="24292F"/>
-                </a:solidFill>
-                <a:effectLst/>
-                <a:latin typeface="Consolas" panose="020B0609020204030204" pitchFamily="49" charset="0"/>
-                <a:ea typeface="Times New Roman" panose="02020603050405020304" pitchFamily="18" charset="0"/>
-                <a:cs typeface="Courier New" panose="02070309020205020404" pitchFamily="49" charset="0"/>
-              </a:rPr>
-              <a:t>msg.sender</a:t>
-            </a:r>
-            <a:r>
-              <a:rPr lang="en-GB" sz="1800" dirty="0">
-                <a:solidFill>
-                  <a:srgbClr val="24292F"/>
-                </a:solidFill>
-                <a:effectLst/>
-                <a:latin typeface="Consolas" panose="020B0609020204030204" pitchFamily="49" charset="0"/>
-                <a:ea typeface="Times New Roman" panose="02020603050405020304" pitchFamily="18" charset="0"/>
-                <a:cs typeface="Courier New" panose="02070309020205020404" pitchFamily="49" charset="0"/>
-              </a:rPr>
-              <a:t> allows the deposit) //allowance method of ERC20</a:t>
-            </a:r>
-            <a:endParaRPr lang="it-IT" sz="1800" dirty="0">
-              <a:effectLst/>
-              <a:latin typeface="Calibri" panose="020F0502020204030204" pitchFamily="34" charset="0"/>
-              <a:ea typeface="Calibri" panose="020F0502020204030204" pitchFamily="34" charset="0"/>
-              <a:cs typeface="Times New Roman" panose="02020603050405020304" pitchFamily="18" charset="0"/>
-            </a:endParaRPr>
-          </a:p>
-          <a:p>
-            <a:pPr algn="just">
-              <a:lnSpc>
-                <a:spcPct val="107000"/>
-              </a:lnSpc>
-              <a:spcAft>
-                <a:spcPts val="800"/>
-              </a:spcAft>
-              <a:tabLst>
-                <a:tab pos="581660" algn="l"/>
-                <a:tab pos="1163320" algn="l"/>
-                <a:tab pos="1744980" algn="l"/>
-                <a:tab pos="2326640" algn="l"/>
-                <a:tab pos="2908300" algn="l"/>
-                <a:tab pos="3489960" algn="l"/>
-                <a:tab pos="4071620" algn="l"/>
-                <a:tab pos="4653280" algn="l"/>
-                <a:tab pos="5234940" algn="l"/>
-                <a:tab pos="5816600" algn="l"/>
-                <a:tab pos="6398260" algn="l"/>
-                <a:tab pos="6979920" algn="l"/>
-                <a:tab pos="7561580" algn="l"/>
-                <a:tab pos="8143240" algn="l"/>
-                <a:tab pos="8724900" algn="l"/>
-                <a:tab pos="9306560" algn="l"/>
-              </a:tabLst>
-            </a:pPr>
-            <a:r>
-              <a:rPr lang="en-GB" sz="1800" dirty="0">
-                <a:solidFill>
-                  <a:srgbClr val="24292F"/>
-                </a:solidFill>
-                <a:effectLst/>
-                <a:latin typeface="Consolas" panose="020B0609020204030204" pitchFamily="49" charset="0"/>
-                <a:ea typeface="Times New Roman" panose="02020603050405020304" pitchFamily="18" charset="0"/>
-                <a:cs typeface="Courier New" panose="02070309020205020404" pitchFamily="49" charset="0"/>
-              </a:rPr>
-              <a:t>	Transfer the </a:t>
-            </a:r>
-            <a:r>
-              <a:rPr lang="en-GB" sz="1800" dirty="0" err="1">
-                <a:solidFill>
-                  <a:srgbClr val="24292F"/>
-                </a:solidFill>
-                <a:effectLst/>
-                <a:latin typeface="Consolas" panose="020B0609020204030204" pitchFamily="49" charset="0"/>
-                <a:ea typeface="Times New Roman" panose="02020603050405020304" pitchFamily="18" charset="0"/>
-                <a:cs typeface="Courier New" panose="02070309020205020404" pitchFamily="49" charset="0"/>
-              </a:rPr>
-              <a:t>amountToDeposit</a:t>
-            </a:r>
-            <a:r>
-              <a:rPr lang="en-GB" sz="1800" dirty="0">
-                <a:solidFill>
-                  <a:srgbClr val="24292F"/>
-                </a:solidFill>
-                <a:effectLst/>
-                <a:latin typeface="Consolas" panose="020B0609020204030204" pitchFamily="49" charset="0"/>
-                <a:ea typeface="Times New Roman" panose="02020603050405020304" pitchFamily="18" charset="0"/>
-                <a:cs typeface="Courier New" panose="02070309020205020404" pitchFamily="49" charset="0"/>
-              </a:rPr>
-              <a:t> to Lending Pool</a:t>
-            </a:r>
-            <a:endParaRPr lang="it-IT" sz="1800" dirty="0">
-              <a:effectLst/>
-              <a:latin typeface="Calibri" panose="020F0502020204030204" pitchFamily="34" charset="0"/>
-              <a:ea typeface="Calibri" panose="020F0502020204030204" pitchFamily="34" charset="0"/>
-              <a:cs typeface="Times New Roman" panose="02020603050405020304" pitchFamily="18" charset="0"/>
-            </a:endParaRPr>
-          </a:p>
-          <a:p>
-            <a:pPr algn="just">
-              <a:lnSpc>
-                <a:spcPct val="107000"/>
-              </a:lnSpc>
-              <a:spcAft>
-                <a:spcPts val="800"/>
-              </a:spcAft>
-              <a:tabLst>
-                <a:tab pos="581660" algn="l"/>
-                <a:tab pos="1163320" algn="l"/>
-                <a:tab pos="1744980" algn="l"/>
-                <a:tab pos="2326640" algn="l"/>
-                <a:tab pos="2908300" algn="l"/>
-                <a:tab pos="3489960" algn="l"/>
-                <a:tab pos="4071620" algn="l"/>
-                <a:tab pos="4653280" algn="l"/>
-                <a:tab pos="5234940" algn="l"/>
-                <a:tab pos="5816600" algn="l"/>
-                <a:tab pos="6398260" algn="l"/>
-                <a:tab pos="6979920" algn="l"/>
-                <a:tab pos="7561580" algn="l"/>
-                <a:tab pos="8143240" algn="l"/>
-                <a:tab pos="8724900" algn="l"/>
-                <a:tab pos="9306560" algn="l"/>
-              </a:tabLst>
-            </a:pPr>
-            <a:r>
-              <a:rPr lang="en-GB" sz="1800" dirty="0">
-                <a:solidFill>
-                  <a:srgbClr val="24292F"/>
-                </a:solidFill>
-                <a:effectLst/>
-                <a:latin typeface="Consolas" panose="020B0609020204030204" pitchFamily="49" charset="0"/>
-                <a:ea typeface="Times New Roman" panose="02020603050405020304" pitchFamily="18" charset="0"/>
-                <a:cs typeface="Courier New" panose="02070309020205020404" pitchFamily="49" charset="0"/>
-              </a:rPr>
-              <a:t>	Mint an amount of </a:t>
-            </a:r>
-            <a:r>
-              <a:rPr lang="en-GB" sz="1800" dirty="0" err="1">
-                <a:solidFill>
-                  <a:srgbClr val="24292F"/>
-                </a:solidFill>
-                <a:effectLst/>
-                <a:latin typeface="Consolas" panose="020B0609020204030204" pitchFamily="49" charset="0"/>
-                <a:ea typeface="Times New Roman" panose="02020603050405020304" pitchFamily="18" charset="0"/>
-                <a:cs typeface="Courier New" panose="02070309020205020404" pitchFamily="49" charset="0"/>
-              </a:rPr>
-              <a:t>aTokens</a:t>
-            </a:r>
-            <a:endParaRPr lang="it-IT" sz="1800" dirty="0">
-              <a:effectLst/>
-              <a:latin typeface="Calibri" panose="020F0502020204030204" pitchFamily="34" charset="0"/>
-              <a:ea typeface="Calibri" panose="020F0502020204030204" pitchFamily="34" charset="0"/>
-              <a:cs typeface="Times New Roman" panose="02020603050405020304" pitchFamily="18" charset="0"/>
-            </a:endParaRPr>
-          </a:p>
-          <a:p>
-            <a:pPr algn="just">
-              <a:lnSpc>
-                <a:spcPct val="107000"/>
-              </a:lnSpc>
-              <a:spcAft>
-                <a:spcPts val="800"/>
-              </a:spcAft>
-              <a:tabLst>
-                <a:tab pos="581660" algn="l"/>
-                <a:tab pos="1163320" algn="l"/>
-                <a:tab pos="1744980" algn="l"/>
-                <a:tab pos="2326640" algn="l"/>
-                <a:tab pos="2908300" algn="l"/>
-                <a:tab pos="3489960" algn="l"/>
-                <a:tab pos="4071620" algn="l"/>
-                <a:tab pos="4653280" algn="l"/>
-                <a:tab pos="5234940" algn="l"/>
-                <a:tab pos="5816600" algn="l"/>
-                <a:tab pos="6398260" algn="l"/>
-                <a:tab pos="6979920" algn="l"/>
-                <a:tab pos="7561580" algn="l"/>
-                <a:tab pos="8143240" algn="l"/>
-                <a:tab pos="8724900" algn="l"/>
-                <a:tab pos="9306560" algn="l"/>
-              </a:tabLst>
-            </a:pPr>
-            <a:r>
-              <a:rPr lang="en-GB" sz="1800" dirty="0">
-                <a:solidFill>
-                  <a:srgbClr val="24292F"/>
-                </a:solidFill>
-                <a:effectLst/>
-                <a:latin typeface="Consolas" panose="020B0609020204030204" pitchFamily="49" charset="0"/>
-                <a:ea typeface="Times New Roman" panose="02020603050405020304" pitchFamily="18" charset="0"/>
-                <a:cs typeface="Courier New" panose="02070309020205020404" pitchFamily="49" charset="0"/>
-              </a:rPr>
-              <a:t>	Update the state of the reserve</a:t>
-            </a:r>
-            <a:endParaRPr lang="it-IT" sz="1800" dirty="0">
-              <a:effectLst/>
-              <a:latin typeface="Calibri" panose="020F0502020204030204" pitchFamily="34" charset="0"/>
-              <a:ea typeface="Calibri" panose="020F0502020204030204" pitchFamily="34" charset="0"/>
-              <a:cs typeface="Times New Roman" panose="02020603050405020304" pitchFamily="18" charset="0"/>
-            </a:endParaRPr>
-          </a:p>
-          <a:p>
-            <a:pPr algn="just">
-              <a:lnSpc>
-                <a:spcPct val="107000"/>
-              </a:lnSpc>
-              <a:spcAft>
-                <a:spcPts val="800"/>
-              </a:spcAft>
-              <a:tabLst>
-                <a:tab pos="581660" algn="l"/>
-                <a:tab pos="1163320" algn="l"/>
-                <a:tab pos="1744980" algn="l"/>
-                <a:tab pos="2326640" algn="l"/>
-                <a:tab pos="2908300" algn="l"/>
-                <a:tab pos="3489960" algn="l"/>
-                <a:tab pos="4071620" algn="l"/>
-                <a:tab pos="4653280" algn="l"/>
-                <a:tab pos="5234940" algn="l"/>
-                <a:tab pos="5816600" algn="l"/>
-                <a:tab pos="6398260" algn="l"/>
-                <a:tab pos="6979920" algn="l"/>
-                <a:tab pos="7561580" algn="l"/>
-                <a:tab pos="8143240" algn="l"/>
-                <a:tab pos="8724900" algn="l"/>
-                <a:tab pos="9306560" algn="l"/>
-              </a:tabLst>
-            </a:pPr>
-            <a:r>
-              <a:rPr lang="en-GB" sz="1800" dirty="0">
-                <a:solidFill>
-                  <a:srgbClr val="24292F"/>
-                </a:solidFill>
-                <a:effectLst/>
-                <a:latin typeface="Consolas" panose="020B0609020204030204" pitchFamily="49" charset="0"/>
-                <a:ea typeface="Times New Roman" panose="02020603050405020304" pitchFamily="18" charset="0"/>
-                <a:cs typeface="Courier New" panose="02070309020205020404" pitchFamily="49" charset="0"/>
-              </a:rPr>
-              <a:t>	Eventually set user uses this reserve as collateral</a:t>
-            </a:r>
-            <a:endParaRPr lang="it-IT" sz="1800" dirty="0">
-              <a:effectLst/>
-              <a:latin typeface="Calibri" panose="020F0502020204030204" pitchFamily="34" charset="0"/>
-              <a:ea typeface="Calibri" panose="020F0502020204030204" pitchFamily="34" charset="0"/>
-              <a:cs typeface="Times New Roman" panose="02020603050405020304" pitchFamily="18" charset="0"/>
-            </a:endParaRPr>
-          </a:p>
-          <a:p>
-            <a:pPr algn="just">
-              <a:lnSpc>
-                <a:spcPct val="107000"/>
-              </a:lnSpc>
-              <a:spcAft>
-                <a:spcPts val="800"/>
-              </a:spcAft>
-              <a:tabLst>
-                <a:tab pos="581660" algn="l"/>
-                <a:tab pos="1163320" algn="l"/>
-                <a:tab pos="1744980" algn="l"/>
-                <a:tab pos="2326640" algn="l"/>
-                <a:tab pos="2908300" algn="l"/>
-                <a:tab pos="3489960" algn="l"/>
-                <a:tab pos="4071620" algn="l"/>
-                <a:tab pos="4653280" algn="l"/>
-                <a:tab pos="5234940" algn="l"/>
-                <a:tab pos="5816600" algn="l"/>
-                <a:tab pos="6398260" algn="l"/>
-                <a:tab pos="6979920" algn="l"/>
-                <a:tab pos="7561580" algn="l"/>
-                <a:tab pos="8143240" algn="l"/>
-                <a:tab pos="8724900" algn="l"/>
-                <a:tab pos="9306560" algn="l"/>
-              </a:tabLst>
-            </a:pPr>
-            <a:r>
-              <a:rPr lang="en-GB" sz="1800" dirty="0">
-                <a:solidFill>
-                  <a:srgbClr val="24292F"/>
-                </a:solidFill>
-                <a:effectLst/>
-                <a:latin typeface="Consolas" panose="020B0609020204030204" pitchFamily="49" charset="0"/>
-                <a:ea typeface="Times New Roman" panose="02020603050405020304" pitchFamily="18" charset="0"/>
-                <a:cs typeface="Courier New" panose="02070309020205020404" pitchFamily="49" charset="0"/>
-              </a:rPr>
-              <a:t>}</a:t>
-            </a:r>
-            <a:endParaRPr lang="it-IT" sz="1800" dirty="0">
-              <a:effectLst/>
-              <a:latin typeface="Calibri" panose="020F0502020204030204" pitchFamily="34" charset="0"/>
-              <a:ea typeface="Calibri" panose="020F0502020204030204" pitchFamily="34" charset="0"/>
-              <a:cs typeface="Times New Roman" panose="02020603050405020304" pitchFamily="18" charset="0"/>
-            </a:endParaRPr>
-          </a:p>
-          <a:p>
-            <a:pPr algn="just">
-              <a:lnSpc>
-                <a:spcPct val="107000"/>
-              </a:lnSpc>
-              <a:spcAft>
-                <a:spcPts val="800"/>
-              </a:spcAft>
-              <a:tabLst>
-                <a:tab pos="581660" algn="l"/>
-                <a:tab pos="1163320" algn="l"/>
-                <a:tab pos="1744980" algn="l"/>
-                <a:tab pos="2326640" algn="l"/>
-                <a:tab pos="2908300" algn="l"/>
-                <a:tab pos="3489960" algn="l"/>
-                <a:tab pos="4071620" algn="l"/>
-                <a:tab pos="4653280" algn="l"/>
-                <a:tab pos="5234940" algn="l"/>
-                <a:tab pos="5816600" algn="l"/>
-                <a:tab pos="6398260" algn="l"/>
-                <a:tab pos="6979920" algn="l"/>
-                <a:tab pos="7561580" algn="l"/>
-                <a:tab pos="8143240" algn="l"/>
-                <a:tab pos="8724900" algn="l"/>
-                <a:tab pos="9306560" algn="l"/>
-              </a:tabLst>
-            </a:pPr>
-            <a:endParaRPr lang="it-IT" sz="1800" dirty="0">
-              <a:effectLst/>
-              <a:latin typeface="Calibri" panose="020F0502020204030204" pitchFamily="34" charset="0"/>
-              <a:ea typeface="Calibri" panose="020F0502020204030204" pitchFamily="34" charset="0"/>
-              <a:cs typeface="Times New Roman" panose="02020603050405020304" pitchFamily="18" charset="0"/>
-            </a:endParaRPr>
-          </a:p>
-        </p:txBody>
-      </p:sp>
+              </a14:hiddenFill>
+            </a:ext>
+          </a:extLst>
+        </p:spPr>
+      </p:pic>
       <p:sp>
         <p:nvSpPr>
           <p:cNvPr id="5" name="CasellaDiTesto 4">
             <a:extLst>
               <a:ext uri="{FF2B5EF4-FFF2-40B4-BE49-F238E27FC236}">
-                <a16:creationId xmlns:a16="http://schemas.microsoft.com/office/drawing/2014/main" id="{CF6B6ABC-1DE0-138C-5CEB-AF4D1D991303}"/>
+                <a16:creationId xmlns:a16="http://schemas.microsoft.com/office/drawing/2014/main" id="{3942D6EB-3653-2A4A-5FFA-F419F1791128}"/>
               </a:ext>
             </a:extLst>
           </p:cNvPr>
@@ -11489,7 +11452,7 @@
           <p:cNvPr id="6" name="Segnaposto numero diapositiva 5">
             <a:extLst>
               <a:ext uri="{FF2B5EF4-FFF2-40B4-BE49-F238E27FC236}">
-                <a16:creationId xmlns:a16="http://schemas.microsoft.com/office/drawing/2014/main" id="{4A6D54B7-AE8E-2548-F37C-C7146E6F3ADC}"/>
+                <a16:creationId xmlns:a16="http://schemas.microsoft.com/office/drawing/2014/main" id="{45001D67-7400-8664-4432-9A9E05C590CB}"/>
               </a:ext>
             </a:extLst>
           </p:cNvPr>
@@ -11519,7 +11482,7 @@
     </p:spTree>
     <p:extLst>
       <p:ext uri="{BB962C8B-B14F-4D97-AF65-F5344CB8AC3E}">
-        <p14:creationId xmlns:p14="http://schemas.microsoft.com/office/powerpoint/2010/main" val="4102571619"/>
+        <p14:creationId xmlns:p14="http://schemas.microsoft.com/office/powerpoint/2010/main" val="1818109427"/>
       </p:ext>
     </p:extLst>
   </p:cSld>

--- a/presentation.pptx
+++ b/presentation.pptx
@@ -212,7 +212,7 @@
           <a:p>
             <a:fld id="{C543CFE1-B4DB-4543-93FA-13ABE5E93B74}" type="datetimeFigureOut">
               <a:rPr lang="en-GB" smtClean="0"/>
-              <a:t>21/03/2023</a:t>
+              <a:t>22/03/2023</a:t>
             </a:fld>
             <a:endParaRPr lang="en-GB"/>
           </a:p>
@@ -706,7 +706,7 @@
           <a:p>
             <a:fld id="{6EDFF47E-6E04-47AF-B188-BDA9F2D90E84}" type="datetime1">
               <a:rPr lang="en-GB" smtClean="0"/>
-              <a:t>21/03/2023</a:t>
+              <a:t>22/03/2023</a:t>
             </a:fld>
             <a:endParaRPr lang="en-GB"/>
           </a:p>
@@ -914,7 +914,7 @@
           <a:p>
             <a:fld id="{31CD0E6D-1768-43D3-A134-15DC0F86A401}" type="datetime1">
               <a:rPr lang="en-GB" smtClean="0"/>
-              <a:t>21/03/2023</a:t>
+              <a:t>22/03/2023</a:t>
             </a:fld>
             <a:endParaRPr lang="en-GB"/>
           </a:p>
@@ -1170,7 +1170,7 @@
           <a:p>
             <a:fld id="{A509CAB6-6580-4B73-A5C4-AEB3B275FB33}" type="datetime1">
               <a:rPr lang="en-GB" smtClean="0"/>
-              <a:t>21/03/2023</a:t>
+              <a:t>22/03/2023</a:t>
             </a:fld>
             <a:endParaRPr lang="en-GB"/>
           </a:p>
@@ -1340,7 +1340,7 @@
           <a:p>
             <a:fld id="{CF975005-264A-4274-98A8-A9A108999B4F}" type="datetime1">
               <a:rPr lang="en-GB" smtClean="0"/>
-              <a:t>21/03/2023</a:t>
+              <a:t>22/03/2023</a:t>
             </a:fld>
             <a:endParaRPr lang="en-GB"/>
           </a:p>
@@ -1683,7 +1683,7 @@
           <a:p>
             <a:fld id="{D9CC8A42-D7ED-44B9-8D3C-19232409ADA9}" type="datetime1">
               <a:rPr lang="en-GB" smtClean="0"/>
-              <a:t>21/03/2023</a:t>
+              <a:t>22/03/2023</a:t>
             </a:fld>
             <a:endParaRPr lang="en-GB"/>
           </a:p>
@@ -1958,7 +1958,7 @@
           <a:p>
             <a:fld id="{5DD48A49-9815-4513-90CC-62F19CAA6D63}" type="datetime1">
               <a:rPr lang="en-GB" smtClean="0"/>
-              <a:t>21/03/2023</a:t>
+              <a:t>22/03/2023</a:t>
             </a:fld>
             <a:endParaRPr lang="en-GB"/>
           </a:p>
@@ -2337,7 +2337,7 @@
           <a:p>
             <a:fld id="{93057C43-9045-49E8-B7A3-71E80566AD06}" type="datetime1">
               <a:rPr lang="en-GB" smtClean="0"/>
-              <a:t>21/03/2023</a:t>
+              <a:t>22/03/2023</a:t>
             </a:fld>
             <a:endParaRPr lang="en-GB"/>
           </a:p>
@@ -2455,7 +2455,7 @@
           <a:p>
             <a:fld id="{54025B13-BF31-46E8-982A-2ED3FCFA48DA}" type="datetime1">
               <a:rPr lang="en-GB" smtClean="0"/>
-              <a:t>21/03/2023</a:t>
+              <a:t>22/03/2023</a:t>
             </a:fld>
             <a:endParaRPr lang="en-GB"/>
           </a:p>
@@ -2626,7 +2626,7 @@
           <a:p>
             <a:fld id="{2590BB9A-9F38-4311-AFD1-18CFBC892021}" type="datetime1">
               <a:rPr lang="en-GB" smtClean="0"/>
-              <a:t>21/03/2023</a:t>
+              <a:t>22/03/2023</a:t>
             </a:fld>
             <a:endParaRPr lang="en-GB"/>
           </a:p>
@@ -2980,7 +2980,7 @@
           <a:p>
             <a:fld id="{2CC61C17-5B2E-4990-ADE8-952260F13B96}" type="datetime1">
               <a:rPr lang="en-GB" smtClean="0"/>
-              <a:t>21/03/2023</a:t>
+              <a:t>22/03/2023</a:t>
             </a:fld>
             <a:endParaRPr lang="en-GB"/>
           </a:p>
@@ -3357,7 +3357,7 @@
           <a:p>
             <a:fld id="{62978B63-641D-4728-8F47-4FB668375423}" type="datetime1">
               <a:rPr lang="en-GB" smtClean="0"/>
-              <a:t>21/03/2023</a:t>
+              <a:t>22/03/2023</a:t>
             </a:fld>
             <a:endParaRPr lang="en-GB"/>
           </a:p>
@@ -3644,7 +3644,7 @@
           <a:p>
             <a:fld id="{3B44AA80-655D-4C03-94DB-39C85CD4544A}" type="datetime1">
               <a:rPr lang="en-GB" smtClean="0"/>
-              <a:t>21/03/2023</a:t>
+              <a:t>22/03/2023</a:t>
             </a:fld>
             <a:endParaRPr lang="en-GB"/>
           </a:p>
@@ -5828,19 +5828,7 @@
               <a:rPr lang="en-GB" sz="2400" dirty="0">
                 <a:latin typeface="Exo 2 Condensed" panose="00000506000000000000" pitchFamily="50" charset="0"/>
               </a:rPr>
-              <a:t> (</a:t>
-            </a:r>
-            <a:r>
-              <a:rPr lang="en-GB" sz="2400" dirty="0" err="1">
-                <a:latin typeface="Exo 2 Condensed" panose="00000506000000000000" pitchFamily="50" charset="0"/>
-              </a:rPr>
-              <a:t>Metamask</a:t>
-            </a:r>
-            <a:r>
-              <a:rPr lang="en-GB" sz="2400" dirty="0">
-                <a:latin typeface="Exo 2 Condensed" panose="00000506000000000000" pitchFamily="50" charset="0"/>
-              </a:rPr>
-              <a:t>) and waffle-</a:t>
+              <a:t> waffle-</a:t>
             </a:r>
             <a:r>
               <a:rPr lang="en-GB" sz="2400" dirty="0" err="1">
@@ -6839,97 +6827,15 @@
             </a:endParaRPr>
           </a:p>
           <a:p>
-            <a:pPr>
-              <a:buFont typeface="Wingdings" panose="05000000000000000000" pitchFamily="2" charset="2"/>
-              <a:buChar char="Ø"/>
-            </a:pPr>
-            <a:r>
-              <a:rPr lang="en-GB" sz="2400" dirty="0">
-                <a:latin typeface="Exo 2 Condensed" panose="00000506000000000000" pitchFamily="50" charset="0"/>
-              </a:rPr>
-              <a:t> Example of output:</a:t>
-            </a:r>
+            <a:pPr marL="0" indent="0">
+              <a:buNone/>
+            </a:pPr>
             <a:endParaRPr lang="en-GB" dirty="0">
               <a:latin typeface="Exo 2 Condensed" panose="00000506000000000000" pitchFamily="50" charset="0"/>
             </a:endParaRPr>
           </a:p>
-          <a:p>
-            <a:pPr lvl="1">
-              <a:buFont typeface="Wingdings" panose="05000000000000000000" pitchFamily="2" charset="2"/>
-              <a:buChar char="Ø"/>
-            </a:pPr>
-            <a:endParaRPr lang="en-GB" dirty="0">
-              <a:latin typeface="Exo 2 Condensed" panose="00000506000000000000" pitchFamily="50" charset="0"/>
-            </a:endParaRPr>
-          </a:p>
-        </p:txBody>
-      </p:sp>
-      <p:pic>
-        <p:nvPicPr>
-          <p:cNvPr id="5" name="Immagine 4" descr="Immagine che contiene testo&#10;&#10;Descrizione generata automaticamente">
-            <a:extLst>
-              <a:ext uri="{FF2B5EF4-FFF2-40B4-BE49-F238E27FC236}">
-                <a16:creationId xmlns:a16="http://schemas.microsoft.com/office/drawing/2014/main" id="{3424A53C-E38B-2A3F-EF3B-CDA6EB40A4F8}"/>
-              </a:ext>
-            </a:extLst>
-          </p:cNvPr>
-          <p:cNvPicPr>
-            <a:picLocks noChangeAspect="1"/>
-          </p:cNvPicPr>
-          <p:nvPr/>
-        </p:nvPicPr>
-        <p:blipFill>
-          <a:blip r:embed="rId2">
-            <a:extLst>
-              <a:ext uri="{28A0092B-C50C-407E-A947-70E740481C1C}">
-                <a14:useLocalDpi xmlns:a14="http://schemas.microsoft.com/office/drawing/2010/main" val="0"/>
-              </a:ext>
-            </a:extLst>
-          </a:blip>
-          <a:stretch>
-            <a:fillRect/>
-          </a:stretch>
-        </p:blipFill>
-        <p:spPr>
-          <a:xfrm>
-            <a:off x="4673705" y="3857414"/>
-            <a:ext cx="5213245" cy="2198731"/>
-          </a:xfrm>
-          <a:prstGeom prst="rect">
-            <a:avLst/>
-          </a:prstGeom>
-        </p:spPr>
-      </p:pic>
-      <p:pic>
-        <p:nvPicPr>
-          <p:cNvPr id="7" name="Immagine 6">
-            <a:extLst>
-              <a:ext uri="{FF2B5EF4-FFF2-40B4-BE49-F238E27FC236}">
-                <a16:creationId xmlns:a16="http://schemas.microsoft.com/office/drawing/2014/main" id="{C74017B8-286B-9A24-1EE4-1BA1D1CD2F1B}"/>
-              </a:ext>
-            </a:extLst>
-          </p:cNvPr>
-          <p:cNvPicPr>
-            <a:picLocks noChangeAspect="1"/>
-          </p:cNvPicPr>
-          <p:nvPr/>
-        </p:nvPicPr>
-        <p:blipFill>
-          <a:blip r:embed="rId3"/>
-          <a:stretch>
-            <a:fillRect/>
-          </a:stretch>
-        </p:blipFill>
-        <p:spPr>
-          <a:xfrm>
-            <a:off x="5331879" y="1314455"/>
-            <a:ext cx="4976291" cy="2377646"/>
-          </a:xfrm>
-          <a:prstGeom prst="rect">
-            <a:avLst/>
-          </a:prstGeom>
-        </p:spPr>
-      </p:pic>
+        </p:txBody>
+      </p:sp>
       <p:sp>
         <p:nvSpPr>
           <p:cNvPr id="4" name="CasellaDiTesto 3">
@@ -7038,6 +6944,36 @@
           </a:p>
         </p:txBody>
       </p:sp>
+      <p:pic>
+        <p:nvPicPr>
+          <p:cNvPr id="9" name="Immagine 8">
+            <a:extLst>
+              <a:ext uri="{FF2B5EF4-FFF2-40B4-BE49-F238E27FC236}">
+                <a16:creationId xmlns:a16="http://schemas.microsoft.com/office/drawing/2014/main" id="{A4E22AF9-D9EE-F06D-B615-7B6236C3DD77}"/>
+              </a:ext>
+            </a:extLst>
+          </p:cNvPr>
+          <p:cNvPicPr>
+            <a:picLocks noChangeAspect="1"/>
+          </p:cNvPicPr>
+          <p:nvPr/>
+        </p:nvPicPr>
+        <p:blipFill>
+          <a:blip r:embed="rId2"/>
+          <a:stretch>
+            <a:fillRect/>
+          </a:stretch>
+        </p:blipFill>
+        <p:spPr>
+          <a:xfrm>
+            <a:off x="1300161" y="2762522"/>
+            <a:ext cx="9591675" cy="1733550"/>
+          </a:xfrm>
+          <a:prstGeom prst="rect">
+            <a:avLst/>
+          </a:prstGeom>
+        </p:spPr>
+      </p:pic>
     </p:spTree>
     <p:extLst>
       <p:ext uri="{BB962C8B-B14F-4D97-AF65-F5344CB8AC3E}">
@@ -7502,7 +7438,7 @@
               <a:rPr lang="en-GB" dirty="0">
                 <a:latin typeface="Exo 2 Condensed" panose="00000506000000000000" pitchFamily="50" charset="0"/>
               </a:rPr>
-              <a:t> A minimal implementation of </a:t>
+              <a:t> A background on </a:t>
             </a:r>
             <a:r>
               <a:rPr lang="en-GB" dirty="0" err="1">
@@ -7510,6 +7446,30 @@
               </a:rPr>
               <a:t>Aave</a:t>
             </a:r>
+            <a:r>
+              <a:rPr lang="en-GB" dirty="0">
+                <a:latin typeface="Exo 2 Condensed" panose="00000506000000000000" pitchFamily="50" charset="0"/>
+              </a:rPr>
+              <a:t>, on </a:t>
+            </a:r>
+            <a:r>
+              <a:rPr lang="en-GB" dirty="0" err="1">
+                <a:latin typeface="Exo 2 Condensed" panose="00000506000000000000" pitchFamily="50" charset="0"/>
+              </a:rPr>
+              <a:t>DeFi</a:t>
+            </a:r>
+            <a:r>
+              <a:rPr lang="en-GB" dirty="0">
+                <a:latin typeface="Exo 2 Condensed" panose="00000506000000000000" pitchFamily="50" charset="0"/>
+              </a:rPr>
+              <a:t> and on LPs </a:t>
+            </a:r>
+          </a:p>
+          <a:p>
+            <a:pPr>
+              <a:buFont typeface="Wingdings" panose="05000000000000000000" pitchFamily="2" charset="2"/>
+              <a:buChar char="Ø"/>
+            </a:pPr>
             <a:endParaRPr lang="en-GB" dirty="0">
               <a:latin typeface="Exo 2 Condensed" panose="00000506000000000000" pitchFamily="50" charset="0"/>
             </a:endParaRPr>
@@ -7519,6 +7479,30 @@
               <a:buFont typeface="Wingdings" panose="05000000000000000000" pitchFamily="2" charset="2"/>
               <a:buChar char="Ø"/>
             </a:pPr>
+            <a:r>
+              <a:rPr lang="en-GB" dirty="0">
+                <a:latin typeface="Exo 2 Condensed" panose="00000506000000000000" pitchFamily="50" charset="0"/>
+              </a:rPr>
+              <a:t> </a:t>
+            </a:r>
+            <a:r>
+              <a:rPr lang="en-GB" dirty="0" err="1">
+                <a:latin typeface="Exo 2 Condensed" panose="00000506000000000000" pitchFamily="50" charset="0"/>
+              </a:rPr>
+              <a:t>ProtoAave</a:t>
+            </a:r>
+            <a:r>
+              <a:rPr lang="en-GB" dirty="0">
+                <a:latin typeface="Exo 2 Condensed" panose="00000506000000000000" pitchFamily="50" charset="0"/>
+              </a:rPr>
+              <a:t> as minimal implementation of </a:t>
+            </a:r>
+            <a:r>
+              <a:rPr lang="en-GB" dirty="0" err="1">
+                <a:latin typeface="Exo 2 Condensed" panose="00000506000000000000" pitchFamily="50" charset="0"/>
+              </a:rPr>
+              <a:t>Aave</a:t>
+            </a:r>
             <a:endParaRPr lang="en-GB" dirty="0">
               <a:latin typeface="Exo 2 Condensed" panose="00000506000000000000" pitchFamily="50" charset="0"/>
             </a:endParaRPr>
@@ -7542,15 +7526,6 @@
               </a:rPr>
               <a:t> We focus on borrow and deposit, on collateral and interests</a:t>
             </a:r>
-          </a:p>
-          <a:p>
-            <a:pPr>
-              <a:buFont typeface="Wingdings" panose="05000000000000000000" pitchFamily="2" charset="2"/>
-              <a:buChar char="Ø"/>
-            </a:pPr>
-            <a:endParaRPr lang="en-GB" dirty="0">
-              <a:latin typeface="Exo 2 Condensed" panose="00000506000000000000" pitchFamily="50" charset="0"/>
-            </a:endParaRPr>
           </a:p>
           <a:p>
             <a:pPr marL="0" indent="0">
@@ -8501,19 +8476,7 @@
               <a:rPr lang="en-GB" sz="2000" dirty="0">
                 <a:latin typeface="Exo 2 Condensed" panose="00000506000000000000" pitchFamily="50" charset="0"/>
               </a:rPr>
-              <a:t>they are decentralized applications (</a:t>
-            </a:r>
-            <a:r>
-              <a:rPr lang="en-GB" sz="2000" b="1" dirty="0" err="1">
-                <a:latin typeface="Exo 2 Condensed" panose="00000506000000000000" pitchFamily="50" charset="0"/>
-              </a:rPr>
-              <a:t>dApps</a:t>
-            </a:r>
-            <a:r>
-              <a:rPr lang="en-GB" sz="2000" dirty="0">
-                <a:latin typeface="Exo 2 Condensed" panose="00000506000000000000" pitchFamily="50" charset="0"/>
-              </a:rPr>
-              <a:t>) </a:t>
+              <a:t>they are smart contracts </a:t>
             </a:r>
           </a:p>
           <a:p>
@@ -8944,7 +8907,7 @@
               <a:rPr lang="en-GB" sz="1800" b="1" dirty="0">
                 <a:latin typeface="Exo 2 Condensed" panose="00000506000000000000" pitchFamily="50" charset="0"/>
               </a:rPr>
-              <a:t>Utilization Rate </a:t>
+              <a:t>utilization rate </a:t>
             </a:r>
             <a:r>
               <a:rPr lang="en-GB" sz="1800" dirty="0">
@@ -11225,7 +11188,19 @@
               <a:rPr lang="en-GB" dirty="0">
                 <a:latin typeface="Exo 2 Condensed" panose="00000506000000000000" pitchFamily="50" charset="0"/>
               </a:rPr>
-              <a:t> total liquidity, total collateral, total borrows and health factor</a:t>
+              <a:t> total liquidity, total collateral, total borrows, LT, </a:t>
+            </a:r>
+            <a:r>
+              <a:rPr lang="en-GB" dirty="0" err="1">
+                <a:latin typeface="Exo 2 Condensed" panose="00000506000000000000" pitchFamily="50" charset="0"/>
+              </a:rPr>
+              <a:t>LtV</a:t>
+            </a:r>
+            <a:r>
+              <a:rPr lang="en-GB" dirty="0">
+                <a:latin typeface="Exo 2 Condensed" panose="00000506000000000000" pitchFamily="50" charset="0"/>
+              </a:rPr>
+              <a:t>, and HF</a:t>
             </a:r>
           </a:p>
           <a:p>
@@ -11273,33 +11248,45 @@
             </a:r>
           </a:p>
           <a:p>
+            <a:pPr marL="0" indent="0">
+              <a:buNone/>
+            </a:pPr>
+            <a:endParaRPr lang="en-GB" dirty="0">
+              <a:latin typeface="Exo 2 Condensed" panose="00000506000000000000" pitchFamily="50" charset="0"/>
+            </a:endParaRPr>
+          </a:p>
+          <a:p>
             <a:pPr>
               <a:buFont typeface="Wingdings" panose="05000000000000000000" pitchFamily="2" charset="2"/>
               <a:buChar char="Ø"/>
             </a:pPr>
+            <a:r>
+              <a:rPr lang="en-GB" dirty="0">
+                <a:latin typeface="Exo 2 Condensed" panose="00000506000000000000" pitchFamily="50" charset="0"/>
+              </a:rPr>
+              <a:t> Collateral needed to cover a borrow position</a:t>
+            </a:r>
+          </a:p>
+          <a:p>
+            <a:pPr lvl="1">
+              <a:buFont typeface="Wingdings" panose="05000000000000000000" pitchFamily="2" charset="2"/>
+              <a:buChar char="Ø"/>
+            </a:pPr>
+            <a:r>
+              <a:rPr lang="en-GB" dirty="0">
+                <a:latin typeface="Exo 2 Condensed" panose="00000506000000000000" pitchFamily="50" charset="0"/>
+              </a:rPr>
+              <a:t> depends on borrows, and on </a:t>
+            </a:r>
+            <a:r>
+              <a:rPr lang="en-GB" dirty="0" err="1">
+                <a:latin typeface="Exo 2 Condensed" panose="00000506000000000000" pitchFamily="50" charset="0"/>
+              </a:rPr>
+              <a:t>LtV</a:t>
+            </a:r>
             <a:endParaRPr lang="en-GB" dirty="0">
               <a:latin typeface="Exo 2 Condensed" panose="00000506000000000000" pitchFamily="50" charset="0"/>
             </a:endParaRPr>
-          </a:p>
-          <a:p>
-            <a:pPr marL="0" indent="0">
-              <a:buNone/>
-            </a:pPr>
-            <a:endParaRPr lang="en-GB" dirty="0">
-              <a:latin typeface="Exo 2 Condensed" panose="00000506000000000000" pitchFamily="50" charset="0"/>
-            </a:endParaRPr>
-          </a:p>
-          <a:p>
-            <a:pPr>
-              <a:buFont typeface="Wingdings" panose="05000000000000000000" pitchFamily="2" charset="2"/>
-              <a:buChar char="Ø"/>
-            </a:pPr>
-            <a:r>
-              <a:rPr lang="en-GB" dirty="0">
-                <a:latin typeface="Exo 2 Condensed" panose="00000506000000000000" pitchFamily="50" charset="0"/>
-              </a:rPr>
-              <a:t> Collateral needed to cover a borrow position</a:t>
-            </a:r>
           </a:p>
           <a:p>
             <a:pPr>
